--- a/Results/GeneExpression/FoldChangeResults/Results.pptx
+++ b/Results/GeneExpression/FoldChangeResults/Results.pptx
@@ -5,7 +5,9 @@
     <p:sldMasterId id="2147483648" r:id="rId1"/>
   </p:sldMasterIdLst>
   <p:sldIdLst>
-    <p:sldId id="256" r:id="rId2"/>
+    <p:sldId id="257" r:id="rId2"/>
+    <p:sldId id="256" r:id="rId3"/>
+    <p:sldId id="258" r:id="rId4"/>
   </p:sldIdLst>
   <p:sldSz cx="9144000" cy="6858000" type="screen4x3"/>
   <p:notesSz cx="6858000" cy="9144000"/>
@@ -104,6 +106,19 @@
       </a:defRPr>
     </a:lvl9pPr>
   </p:defaultTextStyle>
+  <p:extLst>
+    <p:ext uri="{521415D9-36F7-43E2-AB2F-B90AF26B5E84}">
+      <p14:sectionLst xmlns:p14="http://schemas.microsoft.com/office/powerpoint/2010/main">
+        <p14:section name="Default Section" id="{1C47AC5C-DF94-9C43-9406-3DD23A60C283}">
+          <p14:sldIdLst>
+            <p14:sldId id="257"/>
+            <p14:sldId id="256"/>
+            <p14:sldId id="258"/>
+          </p14:sldIdLst>
+        </p14:section>
+      </p14:sectionLst>
+    </p:ext>
+  </p:extLst>
 </p:presentation>
 </file>
 
@@ -288,7 +303,7 @@
           <a:p>
             <a:fld id="{A96E5E1F-E409-DA46-B75E-4A98B6D5C7F6}" type="datetimeFigureOut">
               <a:rPr lang="en-US" smtClean="0"/>
-              <a:t>16/05/17</a:t>
+              <a:t>07/09/17</a:t>
             </a:fld>
             <a:endParaRPr lang="en-US"/>
           </a:p>
@@ -458,7 +473,7 @@
           <a:p>
             <a:fld id="{A96E5E1F-E409-DA46-B75E-4A98B6D5C7F6}" type="datetimeFigureOut">
               <a:rPr lang="en-US" smtClean="0"/>
-              <a:t>16/05/17</a:t>
+              <a:t>07/09/17</a:t>
             </a:fld>
             <a:endParaRPr lang="en-US"/>
           </a:p>
@@ -638,7 +653,7 @@
           <a:p>
             <a:fld id="{A96E5E1F-E409-DA46-B75E-4A98B6D5C7F6}" type="datetimeFigureOut">
               <a:rPr lang="en-US" smtClean="0"/>
-              <a:t>16/05/17</a:t>
+              <a:t>07/09/17</a:t>
             </a:fld>
             <a:endParaRPr lang="en-US"/>
           </a:p>
@@ -808,7 +823,7 @@
           <a:p>
             <a:fld id="{A96E5E1F-E409-DA46-B75E-4A98B6D5C7F6}" type="datetimeFigureOut">
               <a:rPr lang="en-US" smtClean="0"/>
-              <a:t>16/05/17</a:t>
+              <a:t>07/09/17</a:t>
             </a:fld>
             <a:endParaRPr lang="en-US"/>
           </a:p>
@@ -1054,7 +1069,7 @@
           <a:p>
             <a:fld id="{A96E5E1F-E409-DA46-B75E-4A98B6D5C7F6}" type="datetimeFigureOut">
               <a:rPr lang="en-US" smtClean="0"/>
-              <a:t>16/05/17</a:t>
+              <a:t>07/09/17</a:t>
             </a:fld>
             <a:endParaRPr lang="en-US"/>
           </a:p>
@@ -1342,7 +1357,7 @@
           <a:p>
             <a:fld id="{A96E5E1F-E409-DA46-B75E-4A98B6D5C7F6}" type="datetimeFigureOut">
               <a:rPr lang="en-US" smtClean="0"/>
-              <a:t>16/05/17</a:t>
+              <a:t>07/09/17</a:t>
             </a:fld>
             <a:endParaRPr lang="en-US"/>
           </a:p>
@@ -1764,7 +1779,7 @@
           <a:p>
             <a:fld id="{A96E5E1F-E409-DA46-B75E-4A98B6D5C7F6}" type="datetimeFigureOut">
               <a:rPr lang="en-US" smtClean="0"/>
-              <a:t>16/05/17</a:t>
+              <a:t>07/09/17</a:t>
             </a:fld>
             <a:endParaRPr lang="en-US"/>
           </a:p>
@@ -1882,7 +1897,7 @@
           <a:p>
             <a:fld id="{A96E5E1F-E409-DA46-B75E-4A98B6D5C7F6}" type="datetimeFigureOut">
               <a:rPr lang="en-US" smtClean="0"/>
-              <a:t>16/05/17</a:t>
+              <a:t>07/09/17</a:t>
             </a:fld>
             <a:endParaRPr lang="en-US"/>
           </a:p>
@@ -1977,7 +1992,7 @@
           <a:p>
             <a:fld id="{A96E5E1F-E409-DA46-B75E-4A98B6D5C7F6}" type="datetimeFigureOut">
               <a:rPr lang="en-US" smtClean="0"/>
-              <a:t>16/05/17</a:t>
+              <a:t>07/09/17</a:t>
             </a:fld>
             <a:endParaRPr lang="en-US"/>
           </a:p>
@@ -2254,7 +2269,7 @@
           <a:p>
             <a:fld id="{A96E5E1F-E409-DA46-B75E-4A98B6D5C7F6}" type="datetimeFigureOut">
               <a:rPr lang="en-US" smtClean="0"/>
-              <a:t>16/05/17</a:t>
+              <a:t>07/09/17</a:t>
             </a:fld>
             <a:endParaRPr lang="en-US"/>
           </a:p>
@@ -2507,7 +2522,7 @@
           <a:p>
             <a:fld id="{A96E5E1F-E409-DA46-B75E-4A98B6D5C7F6}" type="datetimeFigureOut">
               <a:rPr lang="en-US" smtClean="0"/>
-              <a:t>16/05/17</a:t>
+              <a:t>07/09/17</a:t>
             </a:fld>
             <a:endParaRPr lang="en-US"/>
           </a:p>
@@ -2720,7 +2735,7 @@
           <a:p>
             <a:fld id="{A96E5E1F-E409-DA46-B75E-4A98B6D5C7F6}" type="datetimeFigureOut">
               <a:rPr lang="en-US" smtClean="0"/>
-              <a:t>16/05/17</a:t>
+              <a:t>07/09/17</a:t>
             </a:fld>
             <a:endParaRPr lang="en-US"/>
           </a:p>
@@ -3104,7 +3119,7 @@
           <p:nvPr>
             <p:extLst>
               <p:ext uri="{D42A27DB-BD31-4B8C-83A1-F6EECF244321}">
-                <p14:modId xmlns:p14="http://schemas.microsoft.com/office/powerpoint/2010/main" val="3536232177"/>
+                <p14:modId xmlns:p14="http://schemas.microsoft.com/office/powerpoint/2010/main" val="2287941038"/>
               </p:ext>
             </p:extLst>
           </p:nvPr>
@@ -3191,7 +3206,11 @@
                     <a:p>
                       <a:r>
                         <a:rPr lang="en-US" sz="1500" b="0" dirty="0" smtClean="0"/>
-                        <a:t>GO CP</a:t>
+                        <a:t>GO </a:t>
+                      </a:r>
+                      <a:r>
+                        <a:rPr lang="en-US" sz="1500" b="0" dirty="0" smtClean="0"/>
+                        <a:t>CC</a:t>
                       </a:r>
                       <a:endParaRPr lang="en-US" sz="1500" b="0" dirty="0"/>
                     </a:p>
@@ -3312,11 +3331,7 @@
                       </a:r>
                       <a:r>
                         <a:rPr lang="en-US" sz="1000" b="0" dirty="0" smtClean="0"/>
-                        <a:t> </a:t>
-                      </a:r>
-                      <a:r>
-                        <a:rPr lang="en-US" sz="1000" b="0" dirty="0" smtClean="0"/>
-                        <a:t>WP310</a:t>
+                        <a:t> WP310</a:t>
                       </a:r>
                     </a:p>
                     <a:p>
@@ -3339,17 +3354,97 @@
                       </a:pPr>
                       <a:r>
                         <a:rPr lang="en-US" sz="1000" b="1" dirty="0" smtClean="0"/>
-                        <a:t>(1.8e</a:t>
-                      </a:r>
+                        <a:t>(1.8e-4)</a:t>
+                      </a:r>
+                      <a:endParaRPr lang="en-US" sz="1000" b="1" baseline="0" dirty="0" smtClean="0"/>
+                    </a:p>
+                  </a:txBody>
+                  <a:tcPr/>
+                </a:tc>
+                <a:tc>
+                  <a:txBody>
+                    <a:bodyPr/>
+                    <a:lstStyle/>
+                    <a:p>
+                      <a:pPr algn="ctr"/>
+                      <a:r>
+                        <a:rPr lang="en-US" sz="1000" b="0" dirty="0" smtClean="0"/>
+                        <a:t>X</a:t>
+                      </a:r>
+                      <a:endParaRPr lang="en-US" sz="1000" b="0" dirty="0"/>
+                    </a:p>
+                  </a:txBody>
+                  <a:tcPr anchor="ctr"/>
+                </a:tc>
+                <a:tc>
+                  <a:txBody>
+                    <a:bodyPr/>
+                    <a:lstStyle/>
+                    <a:p>
+                      <a:pPr marL="0" marR="0" indent="0" algn="l" defTabSz="457200" rtl="0" eaLnBrk="1" fontAlgn="auto" latinLnBrk="0" hangingPunct="1">
+                        <a:lnSpc>
+                          <a:spcPct val="100000"/>
+                        </a:lnSpc>
+                        <a:spcBef>
+                          <a:spcPts val="0"/>
+                        </a:spcBef>
+                        <a:spcAft>
+                          <a:spcPts val="0"/>
+                        </a:spcAft>
+                        <a:buClrTx/>
+                        <a:buSzTx/>
+                        <a:buFontTx/>
+                        <a:buNone/>
+                        <a:tabLst/>
+                        <a:defRPr/>
+                      </a:pPr>
+                      <a:r>
+                        <a:rPr lang="en-US" sz="1000" b="0" dirty="0" smtClean="0"/>
+                        <a:t>RNA splicing, via transesterification reactions (GO:0000375)</a:t>
+                      </a:r>
+                    </a:p>
+                    <a:p>
+                      <a:pPr marL="0" marR="0" indent="0" algn="l" defTabSz="457200" rtl="0" eaLnBrk="1" fontAlgn="auto" latinLnBrk="0" hangingPunct="1">
+                        <a:lnSpc>
+                          <a:spcPct val="100000"/>
+                        </a:lnSpc>
+                        <a:spcBef>
+                          <a:spcPts val="0"/>
+                        </a:spcBef>
+                        <a:spcAft>
+                          <a:spcPts val="0"/>
+                        </a:spcAft>
+                        <a:buClrTx/>
+                        <a:buSzTx/>
+                        <a:buFontTx/>
+                        <a:buNone/>
+                        <a:tabLst/>
+                        <a:defRPr/>
+                      </a:pPr>
                       <a:r>
                         <a:rPr lang="en-US" sz="1000" b="1" dirty="0" smtClean="0"/>
-                        <a:t>-</a:t>
-                      </a:r>
+                        <a:t>(7.4e-5)</a:t>
+                      </a:r>
+                      <a:endParaRPr lang="en-US" sz="1000" b="1" dirty="0" smtClean="0"/>
+                    </a:p>
+                  </a:txBody>
+                  <a:tcPr/>
+                </a:tc>
+                <a:tc>
+                  <a:txBody>
+                    <a:bodyPr/>
+                    <a:lstStyle/>
+                    <a:p>
+                      <a:r>
+                        <a:rPr lang="en-US" sz="1000" b="0" dirty="0" smtClean="0"/>
+                        <a:t>Nucleolus (GO:0005730)</a:t>
+                      </a:r>
+                    </a:p>
+                    <a:p>
                       <a:r>
                         <a:rPr lang="en-US" sz="1000" b="1" dirty="0" smtClean="0"/>
-                        <a:t>4)</a:t>
-                      </a:r>
-                      <a:endParaRPr lang="en-US" sz="1000" b="1" baseline="0" dirty="0" smtClean="0"/>
+                        <a:t>(1.7e-6)</a:t>
+                      </a:r>
                     </a:p>
                   </a:txBody>
                   <a:tcPr/>
@@ -3368,114 +3463,6 @@
                     </a:p>
                   </a:txBody>
                   <a:tcPr anchor="ctr"/>
-                </a:tc>
-                <a:tc>
-                  <a:txBody>
-                    <a:bodyPr/>
-                    <a:lstStyle/>
-                    <a:p>
-                      <a:pPr marL="0" marR="0" indent="0" algn="l" defTabSz="457200" rtl="0" eaLnBrk="1" fontAlgn="auto" latinLnBrk="0" hangingPunct="1">
-                        <a:lnSpc>
-                          <a:spcPct val="100000"/>
-                        </a:lnSpc>
-                        <a:spcBef>
-                          <a:spcPts val="0"/>
-                        </a:spcBef>
-                        <a:spcAft>
-                          <a:spcPts val="0"/>
-                        </a:spcAft>
-                        <a:buClrTx/>
-                        <a:buSzTx/>
-                        <a:buFontTx/>
-                        <a:buNone/>
-                        <a:tabLst/>
-                        <a:defRPr/>
-                      </a:pPr>
-                      <a:r>
-                        <a:rPr lang="en-US" sz="1000" b="0" dirty="0" smtClean="0"/>
-                        <a:t>RNA splicing, via transesterification reactions </a:t>
-                      </a:r>
-                      <a:r>
-                        <a:rPr lang="en-US" sz="1000" b="0" dirty="0" smtClean="0"/>
-                        <a:t>(GO:0000375)</a:t>
-                      </a:r>
-                    </a:p>
-                    <a:p>
-                      <a:pPr marL="0" marR="0" indent="0" algn="l" defTabSz="457200" rtl="0" eaLnBrk="1" fontAlgn="auto" latinLnBrk="0" hangingPunct="1">
-                        <a:lnSpc>
-                          <a:spcPct val="100000"/>
-                        </a:lnSpc>
-                        <a:spcBef>
-                          <a:spcPts val="0"/>
-                        </a:spcBef>
-                        <a:spcAft>
-                          <a:spcPts val="0"/>
-                        </a:spcAft>
-                        <a:buClrTx/>
-                        <a:buSzTx/>
-                        <a:buFontTx/>
-                        <a:buNone/>
-                        <a:tabLst/>
-                        <a:defRPr/>
-                      </a:pPr>
-                      <a:r>
-                        <a:rPr lang="en-US" sz="1000" b="1" dirty="0" smtClean="0"/>
-                        <a:t>(</a:t>
-                      </a:r>
-                      <a:r>
-                        <a:rPr lang="en-US" sz="1000" b="1" dirty="0" smtClean="0"/>
-                        <a:t>7.4e-5</a:t>
-                      </a:r>
-                      <a:r>
-                        <a:rPr lang="en-US" sz="1000" b="1" dirty="0" smtClean="0"/>
-                        <a:t>)</a:t>
-                      </a:r>
-                      <a:endParaRPr lang="en-US" sz="1000" b="1" dirty="0" smtClean="0"/>
-                    </a:p>
-                  </a:txBody>
-                  <a:tcPr/>
-                </a:tc>
-                <a:tc>
-                  <a:txBody>
-                    <a:bodyPr/>
-                    <a:lstStyle/>
-                    <a:p>
-                      <a:r>
-                        <a:rPr lang="en-US" sz="1000" b="0" dirty="0" smtClean="0"/>
-                        <a:t>Nucleolus </a:t>
-                      </a:r>
-                      <a:r>
-                        <a:rPr lang="en-US" sz="1000" b="0" dirty="0" smtClean="0"/>
-                        <a:t>(GO:0005730)</a:t>
-                      </a:r>
-                    </a:p>
-                    <a:p>
-                      <a:r>
-                        <a:rPr lang="en-US" sz="1000" b="1" dirty="0" smtClean="0"/>
-                        <a:t>(</a:t>
-                      </a:r>
-                      <a:r>
-                        <a:rPr lang="en-US" sz="1000" b="1" dirty="0" smtClean="0"/>
-                        <a:t>1.7e-6</a:t>
-                      </a:r>
-                      <a:r>
-                        <a:rPr lang="en-US" sz="1000" b="1" dirty="0" smtClean="0"/>
-                        <a:t>)</a:t>
-                      </a:r>
-                      <a:endParaRPr lang="en-US" sz="1000" b="1" dirty="0" smtClean="0"/>
-                    </a:p>
-                  </a:txBody>
-                  <a:tcPr/>
-                </a:tc>
-                <a:tc>
-                  <a:txBody>
-                    <a:bodyPr/>
-                    <a:lstStyle/>
-                    <a:p>
-                      <a:endParaRPr lang="en-US" sz="1000" b="0" dirty="0"/>
-                    </a:p>
-                  </a:txBody>
-                  <a:tcPr/>
                 </a:tc>
               </a:tr>
               <a:tr h="835664">
@@ -3541,12 +3528,2502 @@
                       </a:r>
                       <a:r>
                         <a:rPr lang="en-US" sz="1000" b="0" baseline="0" dirty="0" smtClean="0"/>
-                        <a:t> Signaling Pathway </a:t>
+                        <a:t> Signaling Pathway Homo sapiens WP437</a:t>
+                      </a:r>
+                    </a:p>
+                    <a:p>
+                      <a:pPr marL="0" marR="0" indent="0" algn="l" defTabSz="457200" rtl="0" eaLnBrk="1" fontAlgn="auto" latinLnBrk="0" hangingPunct="1">
+                        <a:lnSpc>
+                          <a:spcPct val="100000"/>
+                        </a:lnSpc>
+                        <a:spcBef>
+                          <a:spcPts val="0"/>
+                        </a:spcBef>
+                        <a:spcAft>
+                          <a:spcPts val="0"/>
+                        </a:spcAft>
+                        <a:buClrTx/>
+                        <a:buSzTx/>
+                        <a:buFontTx/>
+                        <a:buNone/>
+                        <a:tabLst/>
+                        <a:defRPr/>
+                      </a:pPr>
+                      <a:r>
+                        <a:rPr lang="en-US" sz="1000" b="1" baseline="0" dirty="0" smtClean="0"/>
+                        <a:t>(1.3e-3)</a:t>
+                      </a:r>
+                    </a:p>
+                  </a:txBody>
+                  <a:tcPr/>
+                </a:tc>
+                <a:tc>
+                  <a:txBody>
+                    <a:bodyPr/>
+                    <a:lstStyle/>
+                    <a:p>
+                      <a:pPr marL="0" marR="0" indent="0" algn="ctr" defTabSz="457200" rtl="0" eaLnBrk="1" fontAlgn="auto" latinLnBrk="0" hangingPunct="1">
+                        <a:lnSpc>
+                          <a:spcPct val="100000"/>
+                        </a:lnSpc>
+                        <a:spcBef>
+                          <a:spcPts val="0"/>
+                        </a:spcBef>
+                        <a:spcAft>
+                          <a:spcPts val="0"/>
+                        </a:spcAft>
+                        <a:buClrTx/>
+                        <a:buSzTx/>
+                        <a:buFontTx/>
+                        <a:buNone/>
+                        <a:tabLst/>
+                        <a:defRPr/>
+                      </a:pPr>
+                      <a:r>
+                        <a:rPr lang="en-US" sz="1000" b="0" dirty="0" smtClean="0"/>
+                        <a:t>X</a:t>
+                      </a:r>
+                    </a:p>
+                    <a:p>
+                      <a:pPr algn="ctr"/>
+                      <a:endParaRPr lang="en-US" sz="1000" b="0" dirty="0"/>
+                    </a:p>
+                  </a:txBody>
+                  <a:tcPr anchor="ctr"/>
+                </a:tc>
+                <a:tc>
+                  <a:txBody>
+                    <a:bodyPr/>
+                    <a:lstStyle/>
+                    <a:p>
+                      <a:pPr marL="0" marR="0" indent="0" algn="l" defTabSz="457200" rtl="0" eaLnBrk="1" fontAlgn="auto" latinLnBrk="0" hangingPunct="1">
+                        <a:lnSpc>
+                          <a:spcPct val="100000"/>
+                        </a:lnSpc>
+                        <a:spcBef>
+                          <a:spcPts val="0"/>
+                        </a:spcBef>
+                        <a:spcAft>
+                          <a:spcPts val="0"/>
+                        </a:spcAft>
+                        <a:buClrTx/>
+                        <a:buSzTx/>
+                        <a:buFontTx/>
+                        <a:buNone/>
+                        <a:tabLst/>
+                        <a:defRPr/>
+                      </a:pPr>
+                      <a:r>
+                        <a:rPr lang="en-US" sz="1000" b="0" smtClean="0"/>
+                        <a:t>mRNA processing (GO:0006397)</a:t>
+                      </a:r>
+                    </a:p>
+                    <a:p>
+                      <a:pPr marL="0" marR="0" indent="0" algn="l" defTabSz="457200" rtl="0" eaLnBrk="1" fontAlgn="auto" latinLnBrk="0" hangingPunct="1">
+                        <a:lnSpc>
+                          <a:spcPct val="100000"/>
+                        </a:lnSpc>
+                        <a:spcBef>
+                          <a:spcPts val="0"/>
+                        </a:spcBef>
+                        <a:spcAft>
+                          <a:spcPts val="0"/>
+                        </a:spcAft>
+                        <a:buClrTx/>
+                        <a:buSzTx/>
+                        <a:buFontTx/>
+                        <a:buNone/>
+                        <a:tabLst/>
+                        <a:defRPr/>
+                      </a:pPr>
+                      <a:r>
+                        <a:rPr lang="en-US" sz="1000" b="1" smtClean="0"/>
+                        <a:t>(1.5e-4)</a:t>
+                      </a:r>
+                      <a:endParaRPr lang="en-US" sz="1000" b="1" dirty="0" smtClean="0"/>
+                    </a:p>
+                  </a:txBody>
+                  <a:tcPr/>
+                </a:tc>
+                <a:tc>
+                  <a:txBody>
+                    <a:bodyPr/>
+                    <a:lstStyle/>
+                    <a:p>
+                      <a:r>
+                        <a:rPr lang="en-US" sz="1000" b="0" dirty="0" smtClean="0"/>
+                        <a:t>Nucleoplasm (GO:0005654)</a:t>
+                      </a:r>
+                    </a:p>
+                    <a:p>
+                      <a:r>
+                        <a:rPr lang="en-US" sz="1000" b="1" dirty="0" smtClean="0"/>
+                        <a:t>(5e-3)</a:t>
+                      </a:r>
+                      <a:endParaRPr lang="en-US" sz="1000" b="1" i="1" dirty="0"/>
+                    </a:p>
+                  </a:txBody>
+                  <a:tcPr/>
+                </a:tc>
+                <a:tc>
+                  <a:txBody>
+                    <a:bodyPr/>
+                    <a:lstStyle/>
+                    <a:p>
+                      <a:pPr marL="0" marR="0" indent="0" algn="ctr" defTabSz="457200" rtl="0" eaLnBrk="1" fontAlgn="auto" latinLnBrk="0" hangingPunct="1">
+                        <a:lnSpc>
+                          <a:spcPct val="100000"/>
+                        </a:lnSpc>
+                        <a:spcBef>
+                          <a:spcPts val="0"/>
+                        </a:spcBef>
+                        <a:spcAft>
+                          <a:spcPts val="0"/>
+                        </a:spcAft>
+                        <a:buClrTx/>
+                        <a:buSzTx/>
+                        <a:buFontTx/>
+                        <a:buNone/>
+                        <a:tabLst/>
+                        <a:defRPr/>
+                      </a:pPr>
+                      <a:r>
+                        <a:rPr lang="en-US" sz="1000" b="0" dirty="0" smtClean="0"/>
+                        <a:t>X</a:t>
+                      </a:r>
+                    </a:p>
+                  </a:txBody>
+                  <a:tcPr anchor="ctr"/>
+                </a:tc>
+              </a:tr>
+              <a:tr h="696577">
+                <a:tc>
+                  <a:txBody>
+                    <a:bodyPr/>
+                    <a:lstStyle/>
+                    <a:p>
+                      <a:pPr marL="0" marR="0" indent="0" algn="ctr" defTabSz="457200" rtl="0" eaLnBrk="1" fontAlgn="auto" latinLnBrk="0" hangingPunct="1">
+                        <a:lnSpc>
+                          <a:spcPct val="100000"/>
+                        </a:lnSpc>
+                        <a:spcBef>
+                          <a:spcPts val="0"/>
+                        </a:spcBef>
+                        <a:spcAft>
+                          <a:spcPts val="0"/>
+                        </a:spcAft>
+                        <a:buClrTx/>
+                        <a:buSzTx/>
+                        <a:buFontTx/>
+                        <a:buNone/>
+                        <a:tabLst/>
+                        <a:defRPr/>
+                      </a:pPr>
+                      <a:r>
+                        <a:rPr lang="en-US" sz="1000" b="0" dirty="0" smtClean="0"/>
+                        <a:t>X</a:t>
+                      </a:r>
+                    </a:p>
+                    <a:p>
+                      <a:pPr algn="ctr"/>
+                      <a:endParaRPr lang="en-US" sz="1000" b="0" dirty="0"/>
+                    </a:p>
+                  </a:txBody>
+                  <a:tcPr anchor="ctr"/>
+                </a:tc>
+                <a:tc>
+                  <a:txBody>
+                    <a:bodyPr/>
+                    <a:lstStyle/>
+                    <a:p>
+                      <a:pPr marL="0" marR="0" indent="0" algn="l" defTabSz="457200" rtl="0" eaLnBrk="1" fontAlgn="auto" latinLnBrk="0" hangingPunct="1">
+                        <a:lnSpc>
+                          <a:spcPct val="100000"/>
+                        </a:lnSpc>
+                        <a:spcBef>
+                          <a:spcPts val="0"/>
+                        </a:spcBef>
+                        <a:spcAft>
+                          <a:spcPts val="0"/>
+                        </a:spcAft>
+                        <a:buClrTx/>
+                        <a:buSzTx/>
+                        <a:buFontTx/>
+                        <a:buNone/>
+                        <a:tabLst/>
+                        <a:defRPr/>
+                      </a:pPr>
+                      <a:r>
+                        <a:rPr lang="en-US" sz="1000" b="0" dirty="0" smtClean="0"/>
+                        <a:t>mRNA Processing</a:t>
                       </a:r>
                       <a:r>
                         <a:rPr lang="en-US" sz="1000" b="0" baseline="0" dirty="0" smtClean="0"/>
-                        <a:t>Homo sapiens WP437</a:t>
-                      </a:r>
+                        <a:t> Homo sapiens WP61 </a:t>
+                      </a:r>
+                    </a:p>
+                    <a:p>
+                      <a:pPr marL="0" marR="0" indent="0" algn="l" defTabSz="457200" rtl="0" eaLnBrk="1" fontAlgn="auto" latinLnBrk="0" hangingPunct="1">
+                        <a:lnSpc>
+                          <a:spcPct val="100000"/>
+                        </a:lnSpc>
+                        <a:spcBef>
+                          <a:spcPts val="0"/>
+                        </a:spcBef>
+                        <a:spcAft>
+                          <a:spcPts val="0"/>
+                        </a:spcAft>
+                        <a:buClrTx/>
+                        <a:buSzTx/>
+                        <a:buFontTx/>
+                        <a:buNone/>
+                        <a:tabLst/>
+                        <a:defRPr/>
+                      </a:pPr>
+                      <a:r>
+                        <a:rPr lang="en-US" sz="1000" b="1" baseline="0" dirty="0" smtClean="0"/>
+                        <a:t>(1.3e-3)</a:t>
+                      </a:r>
+                    </a:p>
+                  </a:txBody>
+                  <a:tcPr/>
+                </a:tc>
+                <a:tc>
+                  <a:txBody>
+                    <a:bodyPr/>
+                    <a:lstStyle/>
+                    <a:p>
+                      <a:pPr marL="0" marR="0" indent="0" algn="ctr" defTabSz="457200" rtl="0" eaLnBrk="1" fontAlgn="auto" latinLnBrk="0" hangingPunct="1">
+                        <a:lnSpc>
+                          <a:spcPct val="100000"/>
+                        </a:lnSpc>
+                        <a:spcBef>
+                          <a:spcPts val="0"/>
+                        </a:spcBef>
+                        <a:spcAft>
+                          <a:spcPts val="0"/>
+                        </a:spcAft>
+                        <a:buClrTx/>
+                        <a:buSzTx/>
+                        <a:buFontTx/>
+                        <a:buNone/>
+                        <a:tabLst/>
+                        <a:defRPr/>
+                      </a:pPr>
+                      <a:r>
+                        <a:rPr lang="en-US" sz="1000" b="0" dirty="0" smtClean="0"/>
+                        <a:t>X</a:t>
+                      </a:r>
+                    </a:p>
+                    <a:p>
+                      <a:pPr algn="ctr"/>
+                      <a:endParaRPr lang="en-US" sz="1000" b="0" dirty="0"/>
+                    </a:p>
+                  </a:txBody>
+                  <a:tcPr anchor="ctr"/>
+                </a:tc>
+                <a:tc>
+                  <a:txBody>
+                    <a:bodyPr/>
+                    <a:lstStyle/>
+                    <a:p>
+                      <a:pPr marL="0" marR="0" indent="0" algn="l" defTabSz="457200" rtl="0" eaLnBrk="1" fontAlgn="auto" latinLnBrk="0" hangingPunct="1">
+                        <a:lnSpc>
+                          <a:spcPct val="100000"/>
+                        </a:lnSpc>
+                        <a:spcBef>
+                          <a:spcPts val="0"/>
+                        </a:spcBef>
+                        <a:spcAft>
+                          <a:spcPts val="0"/>
+                        </a:spcAft>
+                        <a:buClrTx/>
+                        <a:buSzTx/>
+                        <a:buFontTx/>
+                        <a:buNone/>
+                        <a:tabLst/>
+                        <a:defRPr/>
+                      </a:pPr>
+                      <a:r>
+                        <a:rPr lang="en-US" sz="1000" b="0" smtClean="0"/>
+                        <a:t>RNA splicing (GO:0008380)</a:t>
+                      </a:r>
+                    </a:p>
+                    <a:p>
+                      <a:pPr marL="0" marR="0" indent="0" algn="l" defTabSz="457200" rtl="0" eaLnBrk="1" fontAlgn="auto" latinLnBrk="0" hangingPunct="1">
+                        <a:lnSpc>
+                          <a:spcPct val="100000"/>
+                        </a:lnSpc>
+                        <a:spcBef>
+                          <a:spcPts val="0"/>
+                        </a:spcBef>
+                        <a:spcAft>
+                          <a:spcPts val="0"/>
+                        </a:spcAft>
+                        <a:buClrTx/>
+                        <a:buSzTx/>
+                        <a:buFontTx/>
+                        <a:buNone/>
+                        <a:tabLst/>
+                        <a:defRPr/>
+                      </a:pPr>
+                      <a:r>
+                        <a:rPr lang="en-US" sz="1000" b="1" smtClean="0"/>
+                        <a:t>(1.5e-4)</a:t>
+                      </a:r>
+                      <a:endParaRPr lang="en-US" sz="1000" b="1" dirty="0" smtClean="0"/>
+                    </a:p>
+                  </a:txBody>
+                  <a:tcPr/>
+                </a:tc>
+                <a:tc>
+                  <a:txBody>
+                    <a:bodyPr/>
+                    <a:lstStyle/>
+                    <a:p>
+                      <a:pPr marL="0" marR="0" indent="0" algn="l" defTabSz="457200" rtl="0" eaLnBrk="1" fontAlgn="auto" latinLnBrk="0" hangingPunct="1">
+                        <a:lnSpc>
+                          <a:spcPct val="100000"/>
+                        </a:lnSpc>
+                        <a:spcBef>
+                          <a:spcPts val="0"/>
+                        </a:spcBef>
+                        <a:spcAft>
+                          <a:spcPts val="0"/>
+                        </a:spcAft>
+                        <a:buClrTx/>
+                        <a:buSzTx/>
+                        <a:buFontTx/>
+                        <a:buNone/>
+                        <a:tabLst/>
+                        <a:defRPr/>
+                      </a:pPr>
+                      <a:r>
+                        <a:rPr lang="en-US" sz="1000" b="0" dirty="0" smtClean="0"/>
+                        <a:t>Cell-substrate </a:t>
+                      </a:r>
+                      <a:r>
+                        <a:rPr lang="en-US" sz="1000" b="0" dirty="0" err="1" smtClean="0"/>
+                        <a:t>adherens</a:t>
+                      </a:r>
+                      <a:r>
+                        <a:rPr lang="en-US" sz="1000" b="0" baseline="0" dirty="0" smtClean="0"/>
+                        <a:t> junction (GO:0005924)</a:t>
+                      </a:r>
+                    </a:p>
+                    <a:p>
+                      <a:pPr marL="0" marR="0" indent="0" algn="l" defTabSz="457200" rtl="0" eaLnBrk="1" fontAlgn="auto" latinLnBrk="0" hangingPunct="1">
+                        <a:lnSpc>
+                          <a:spcPct val="100000"/>
+                        </a:lnSpc>
+                        <a:spcBef>
+                          <a:spcPts val="0"/>
+                        </a:spcBef>
+                        <a:spcAft>
+                          <a:spcPts val="0"/>
+                        </a:spcAft>
+                        <a:buClrTx/>
+                        <a:buSzTx/>
+                        <a:buFontTx/>
+                        <a:buNone/>
+                        <a:tabLst/>
+                        <a:defRPr/>
+                      </a:pPr>
+                      <a:r>
+                        <a:rPr lang="en-US" sz="1000" b="1" baseline="0" dirty="0" smtClean="0"/>
+                        <a:t>(0.01)</a:t>
+                      </a:r>
+                    </a:p>
+                  </a:txBody>
+                  <a:tcPr/>
+                </a:tc>
+                <a:tc>
+                  <a:txBody>
+                    <a:bodyPr/>
+                    <a:lstStyle/>
+                    <a:p>
+                      <a:pPr marL="0" marR="0" indent="0" algn="ctr" defTabSz="457200" rtl="0" eaLnBrk="1" fontAlgn="auto" latinLnBrk="0" hangingPunct="1">
+                        <a:lnSpc>
+                          <a:spcPct val="100000"/>
+                        </a:lnSpc>
+                        <a:spcBef>
+                          <a:spcPts val="0"/>
+                        </a:spcBef>
+                        <a:spcAft>
+                          <a:spcPts val="0"/>
+                        </a:spcAft>
+                        <a:buClrTx/>
+                        <a:buSzTx/>
+                        <a:buFontTx/>
+                        <a:buNone/>
+                        <a:tabLst/>
+                        <a:defRPr/>
+                      </a:pPr>
+                      <a:r>
+                        <a:rPr lang="en-US" sz="1000" b="0" dirty="0" smtClean="0"/>
+                        <a:t>X</a:t>
+                      </a:r>
+                    </a:p>
+                  </a:txBody>
+                  <a:tcPr anchor="ctr"/>
+                </a:tc>
+              </a:tr>
+              <a:tr h="676849">
+                <a:tc>
+                  <a:txBody>
+                    <a:bodyPr/>
+                    <a:lstStyle/>
+                    <a:p>
+                      <a:pPr marL="0" marR="0" indent="0" algn="ctr" defTabSz="457200" rtl="0" eaLnBrk="1" fontAlgn="auto" latinLnBrk="0" hangingPunct="1">
+                        <a:lnSpc>
+                          <a:spcPct val="100000"/>
+                        </a:lnSpc>
+                        <a:spcBef>
+                          <a:spcPts val="0"/>
+                        </a:spcBef>
+                        <a:spcAft>
+                          <a:spcPts val="0"/>
+                        </a:spcAft>
+                        <a:buClrTx/>
+                        <a:buSzTx/>
+                        <a:buFontTx/>
+                        <a:buNone/>
+                        <a:tabLst/>
+                        <a:defRPr/>
+                      </a:pPr>
+                      <a:r>
+                        <a:rPr lang="en-US" sz="1000" b="0" dirty="0" smtClean="0"/>
+                        <a:t>X</a:t>
+                      </a:r>
+                    </a:p>
+                    <a:p>
+                      <a:pPr algn="ctr"/>
+                      <a:endParaRPr lang="en-US" sz="1000" b="0" dirty="0"/>
+                    </a:p>
+                  </a:txBody>
+                  <a:tcPr anchor="ctr"/>
+                </a:tc>
+                <a:tc>
+                  <a:txBody>
+                    <a:bodyPr/>
+                    <a:lstStyle/>
+                    <a:p>
+                      <a:pPr marL="0" marR="0" indent="0" algn="l" defTabSz="457200" rtl="0" eaLnBrk="1" fontAlgn="auto" latinLnBrk="0" hangingPunct="1">
+                        <a:lnSpc>
+                          <a:spcPct val="100000"/>
+                        </a:lnSpc>
+                        <a:spcBef>
+                          <a:spcPts val="0"/>
+                        </a:spcBef>
+                        <a:spcAft>
+                          <a:spcPts val="0"/>
+                        </a:spcAft>
+                        <a:buClrTx/>
+                        <a:buSzTx/>
+                        <a:buFontTx/>
+                        <a:buNone/>
+                        <a:tabLst/>
+                        <a:defRPr/>
+                      </a:pPr>
+                      <a:r>
+                        <a:rPr lang="en-US" sz="1000" b="0" dirty="0" err="1" smtClean="0"/>
+                        <a:t>PluriNetWork</a:t>
+                      </a:r>
+                      <a:r>
+                        <a:rPr lang="en-US" sz="1000" b="0" baseline="0" dirty="0" smtClean="0"/>
+                        <a:t> </a:t>
+                      </a:r>
+                      <a:r>
+                        <a:rPr lang="en-US" sz="1000" b="0" baseline="0" dirty="0" err="1" smtClean="0"/>
+                        <a:t>Mus</a:t>
+                      </a:r>
+                      <a:r>
+                        <a:rPr lang="en-US" sz="1000" b="0" baseline="0" dirty="0" smtClean="0"/>
+                        <a:t> </a:t>
+                      </a:r>
+                      <a:r>
+                        <a:rPr lang="en-US" sz="1000" b="0" baseline="0" dirty="0" err="1" smtClean="0"/>
+                        <a:t>musculus</a:t>
+                      </a:r>
+                      <a:r>
+                        <a:rPr lang="en-US" sz="1000" b="0" baseline="0" dirty="0" smtClean="0"/>
+                        <a:t> WP1763</a:t>
+                      </a:r>
+                    </a:p>
+                    <a:p>
+                      <a:pPr marL="0" marR="0" indent="0" algn="l" defTabSz="457200" rtl="0" eaLnBrk="1" fontAlgn="auto" latinLnBrk="0" hangingPunct="1">
+                        <a:lnSpc>
+                          <a:spcPct val="100000"/>
+                        </a:lnSpc>
+                        <a:spcBef>
+                          <a:spcPts val="0"/>
+                        </a:spcBef>
+                        <a:spcAft>
+                          <a:spcPts val="0"/>
+                        </a:spcAft>
+                        <a:buClrTx/>
+                        <a:buSzTx/>
+                        <a:buFontTx/>
+                        <a:buNone/>
+                        <a:tabLst/>
+                        <a:defRPr/>
+                      </a:pPr>
+                      <a:r>
+                        <a:rPr lang="en-US" sz="1000" b="0" i="1" baseline="0" dirty="0" smtClean="0"/>
+                        <a:t>(0.08)</a:t>
+                      </a:r>
+                    </a:p>
+                  </a:txBody>
+                  <a:tcPr/>
+                </a:tc>
+                <a:tc>
+                  <a:txBody>
+                    <a:bodyPr/>
+                    <a:lstStyle/>
+                    <a:p>
+                      <a:pPr marL="0" marR="0" indent="0" algn="ctr" defTabSz="457200" rtl="0" eaLnBrk="1" fontAlgn="auto" latinLnBrk="0" hangingPunct="1">
+                        <a:lnSpc>
+                          <a:spcPct val="100000"/>
+                        </a:lnSpc>
+                        <a:spcBef>
+                          <a:spcPts val="0"/>
+                        </a:spcBef>
+                        <a:spcAft>
+                          <a:spcPts val="0"/>
+                        </a:spcAft>
+                        <a:buClrTx/>
+                        <a:buSzTx/>
+                        <a:buFontTx/>
+                        <a:buNone/>
+                        <a:tabLst/>
+                        <a:defRPr/>
+                      </a:pPr>
+                      <a:r>
+                        <a:rPr lang="en-US" sz="1000" b="0" dirty="0" smtClean="0"/>
+                        <a:t>X</a:t>
+                      </a:r>
+                    </a:p>
+                    <a:p>
+                      <a:pPr algn="ctr"/>
+                      <a:endParaRPr lang="en-US" sz="1000" b="0" dirty="0"/>
+                    </a:p>
+                  </a:txBody>
+                  <a:tcPr anchor="ctr"/>
+                </a:tc>
+                <a:tc>
+                  <a:txBody>
+                    <a:bodyPr/>
+                    <a:lstStyle/>
+                    <a:p>
+                      <a:r>
+                        <a:rPr lang="en-US" sz="1000" b="0" dirty="0" smtClean="0"/>
+                        <a:t>RNA splicing via transesterification reactions with bulged adenosine as nucleophile (GO:0000377)</a:t>
+                      </a:r>
+                    </a:p>
+                    <a:p>
+                      <a:r>
+                        <a:rPr lang="en-US" sz="1000" b="1" dirty="0" smtClean="0"/>
+                        <a:t>(5e-4)</a:t>
+                      </a:r>
+                      <a:endParaRPr lang="en-US" sz="1000" b="1" dirty="0" smtClean="0"/>
+                    </a:p>
+                  </a:txBody>
+                  <a:tcPr/>
+                </a:tc>
+                <a:tc>
+                  <a:txBody>
+                    <a:bodyPr/>
+                    <a:lstStyle/>
+                    <a:p>
+                      <a:r>
+                        <a:rPr lang="en-US" sz="1050" dirty="0" smtClean="0"/>
+                        <a:t>cell-substrate</a:t>
+                      </a:r>
+                      <a:r>
+                        <a:rPr lang="en-US" sz="1050" baseline="0" dirty="0" smtClean="0"/>
+                        <a:t> junction </a:t>
+                      </a:r>
+                    </a:p>
+                    <a:p>
+                      <a:r>
+                        <a:rPr lang="en-US" sz="1050" baseline="0" dirty="0" smtClean="0"/>
+                        <a:t>(GO:0030055)</a:t>
+                      </a:r>
+                    </a:p>
+                    <a:p>
+                      <a:r>
+                        <a:rPr lang="en-US" sz="1050" b="1" baseline="0" dirty="0" smtClean="0"/>
+                        <a:t>(0.01)</a:t>
+                      </a:r>
+                      <a:endParaRPr lang="en-US" sz="1050" b="1" dirty="0"/>
+                    </a:p>
+                  </a:txBody>
+                  <a:tcPr/>
+                </a:tc>
+                <a:tc>
+                  <a:txBody>
+                    <a:bodyPr/>
+                    <a:lstStyle/>
+                    <a:p>
+                      <a:pPr marL="0" marR="0" indent="0" algn="ctr" defTabSz="457200" rtl="0" eaLnBrk="1" fontAlgn="auto" latinLnBrk="0" hangingPunct="1">
+                        <a:lnSpc>
+                          <a:spcPct val="100000"/>
+                        </a:lnSpc>
+                        <a:spcBef>
+                          <a:spcPts val="0"/>
+                        </a:spcBef>
+                        <a:spcAft>
+                          <a:spcPts val="0"/>
+                        </a:spcAft>
+                        <a:buClrTx/>
+                        <a:buSzTx/>
+                        <a:buFontTx/>
+                        <a:buNone/>
+                        <a:tabLst/>
+                        <a:defRPr/>
+                      </a:pPr>
+                      <a:r>
+                        <a:rPr lang="en-US" sz="1000" b="0" dirty="0" smtClean="0"/>
+                        <a:t>X</a:t>
+                      </a:r>
+                    </a:p>
+                  </a:txBody>
+                  <a:tcPr anchor="ctr"/>
+                </a:tc>
+              </a:tr>
+              <a:tr h="708490">
+                <a:tc>
+                  <a:txBody>
+                    <a:bodyPr/>
+                    <a:lstStyle/>
+                    <a:p>
+                      <a:pPr marL="0" marR="0" indent="0" algn="ctr" defTabSz="457200" rtl="0" eaLnBrk="1" fontAlgn="auto" latinLnBrk="0" hangingPunct="1">
+                        <a:lnSpc>
+                          <a:spcPct val="100000"/>
+                        </a:lnSpc>
+                        <a:spcBef>
+                          <a:spcPts val="0"/>
+                        </a:spcBef>
+                        <a:spcAft>
+                          <a:spcPts val="0"/>
+                        </a:spcAft>
+                        <a:buClrTx/>
+                        <a:buSzTx/>
+                        <a:buFontTx/>
+                        <a:buNone/>
+                        <a:tabLst/>
+                        <a:defRPr/>
+                      </a:pPr>
+                      <a:r>
+                        <a:rPr lang="en-US" sz="1000" b="0" dirty="0" smtClean="0"/>
+                        <a:t>X</a:t>
+                      </a:r>
+                    </a:p>
+                  </a:txBody>
+                  <a:tcPr anchor="ctr"/>
+                </a:tc>
+                <a:tc>
+                  <a:txBody>
+                    <a:bodyPr/>
+                    <a:lstStyle/>
+                    <a:p>
+                      <a:pPr marL="0" marR="0" indent="0" algn="ctr" defTabSz="457200" rtl="0" eaLnBrk="1" fontAlgn="auto" latinLnBrk="0" hangingPunct="1">
+                        <a:lnSpc>
+                          <a:spcPct val="100000"/>
+                        </a:lnSpc>
+                        <a:spcBef>
+                          <a:spcPts val="0"/>
+                        </a:spcBef>
+                        <a:spcAft>
+                          <a:spcPts val="0"/>
+                        </a:spcAft>
+                        <a:buClrTx/>
+                        <a:buSzTx/>
+                        <a:buFontTx/>
+                        <a:buNone/>
+                        <a:tabLst/>
+                        <a:defRPr/>
+                      </a:pPr>
+                      <a:r>
+                        <a:rPr lang="en-US" sz="1000" b="0" dirty="0" smtClean="0"/>
+                        <a:t>X</a:t>
+                      </a:r>
+                      <a:endParaRPr lang="en-US" sz="1000" b="0" i="0" dirty="0"/>
+                    </a:p>
+                  </a:txBody>
+                  <a:tcPr anchor="ctr"/>
+                </a:tc>
+                <a:tc>
+                  <a:txBody>
+                    <a:bodyPr/>
+                    <a:lstStyle/>
+                    <a:p>
+                      <a:pPr marL="0" marR="0" indent="0" algn="ctr" defTabSz="457200" rtl="0" eaLnBrk="1" fontAlgn="auto" latinLnBrk="0" hangingPunct="1">
+                        <a:lnSpc>
+                          <a:spcPct val="100000"/>
+                        </a:lnSpc>
+                        <a:spcBef>
+                          <a:spcPts val="0"/>
+                        </a:spcBef>
+                        <a:spcAft>
+                          <a:spcPts val="0"/>
+                        </a:spcAft>
+                        <a:buClrTx/>
+                        <a:buSzTx/>
+                        <a:buFontTx/>
+                        <a:buNone/>
+                        <a:tabLst/>
+                        <a:defRPr/>
+                      </a:pPr>
+                      <a:r>
+                        <a:rPr lang="en-US" sz="1000" b="0" dirty="0" smtClean="0"/>
+                        <a:t>X</a:t>
+                      </a:r>
+                    </a:p>
+                  </a:txBody>
+                  <a:tcPr anchor="ctr"/>
+                </a:tc>
+                <a:tc>
+                  <a:txBody>
+                    <a:bodyPr/>
+                    <a:lstStyle/>
+                    <a:p>
+                      <a:r>
+                        <a:rPr lang="en-US" sz="1000" b="0" smtClean="0"/>
+                        <a:t>mRNA splicing, via spliceosome </a:t>
+                      </a:r>
+                    </a:p>
+                    <a:p>
+                      <a:r>
+                        <a:rPr lang="en-US" sz="1000" b="0" smtClean="0"/>
+                        <a:t>(GO:0000398)</a:t>
+                      </a:r>
+                    </a:p>
+                    <a:p>
+                      <a:r>
+                        <a:rPr lang="en-US" sz="1000" b="1" smtClean="0"/>
+                        <a:t>(5e-4)</a:t>
+                      </a:r>
+                      <a:endParaRPr lang="en-US" sz="1000" b="1" dirty="0" smtClean="0"/>
+                    </a:p>
+                  </a:txBody>
+                  <a:tcPr/>
+                </a:tc>
+                <a:tc>
+                  <a:txBody>
+                    <a:bodyPr/>
+                    <a:lstStyle/>
+                    <a:p>
+                      <a:r>
+                        <a:rPr lang="en-US" sz="1000" b="0" dirty="0" smtClean="0"/>
+                        <a:t>Lysosome (GO:0005764)</a:t>
+                      </a:r>
+                    </a:p>
+                    <a:p>
+                      <a:r>
+                        <a:rPr lang="en-US" sz="1000" b="1" dirty="0" smtClean="0"/>
+                        <a:t>(0.01)</a:t>
+                      </a:r>
+                      <a:endParaRPr lang="en-US" sz="1000" b="1" dirty="0"/>
+                    </a:p>
+                  </a:txBody>
+                  <a:tcPr/>
+                </a:tc>
+                <a:tc>
+                  <a:txBody>
+                    <a:bodyPr/>
+                    <a:lstStyle/>
+                    <a:p>
+                      <a:pPr marL="0" marR="0" indent="0" algn="ctr" defTabSz="457200" rtl="0" eaLnBrk="1" fontAlgn="auto" latinLnBrk="0" hangingPunct="1">
+                        <a:lnSpc>
+                          <a:spcPct val="100000"/>
+                        </a:lnSpc>
+                        <a:spcBef>
+                          <a:spcPts val="0"/>
+                        </a:spcBef>
+                        <a:spcAft>
+                          <a:spcPts val="0"/>
+                        </a:spcAft>
+                        <a:buClrTx/>
+                        <a:buSzTx/>
+                        <a:buFontTx/>
+                        <a:buNone/>
+                        <a:tabLst/>
+                        <a:defRPr/>
+                      </a:pPr>
+                      <a:r>
+                        <a:rPr lang="en-US" sz="1000" b="0" dirty="0" smtClean="0"/>
+                        <a:t>X</a:t>
+                      </a:r>
+                    </a:p>
+                  </a:txBody>
+                  <a:tcPr anchor="ctr"/>
+                </a:tc>
+              </a:tr>
+              <a:tr h="618966">
+                <a:tc>
+                  <a:txBody>
+                    <a:bodyPr/>
+                    <a:lstStyle/>
+                    <a:p>
+                      <a:pPr marL="0" marR="0" indent="0" algn="ctr" defTabSz="457200" rtl="0" eaLnBrk="1" fontAlgn="auto" latinLnBrk="0" hangingPunct="1">
+                        <a:lnSpc>
+                          <a:spcPct val="100000"/>
+                        </a:lnSpc>
+                        <a:spcBef>
+                          <a:spcPts val="0"/>
+                        </a:spcBef>
+                        <a:spcAft>
+                          <a:spcPts val="0"/>
+                        </a:spcAft>
+                        <a:buClrTx/>
+                        <a:buSzTx/>
+                        <a:buFontTx/>
+                        <a:buNone/>
+                        <a:tabLst/>
+                        <a:defRPr/>
+                      </a:pPr>
+                      <a:r>
+                        <a:rPr lang="en-US" sz="1000" b="0" dirty="0" smtClean="0"/>
+                        <a:t>X</a:t>
+                      </a:r>
+                    </a:p>
+                    <a:p>
+                      <a:pPr algn="ctr"/>
+                      <a:endParaRPr lang="en-US" sz="1000" b="0" dirty="0"/>
+                    </a:p>
+                  </a:txBody>
+                  <a:tcPr anchor="ctr"/>
+                </a:tc>
+                <a:tc>
+                  <a:txBody>
+                    <a:bodyPr/>
+                    <a:lstStyle/>
+                    <a:p>
+                      <a:pPr marL="0" marR="0" indent="0" algn="ctr" defTabSz="457200" rtl="0" eaLnBrk="1" fontAlgn="auto" latinLnBrk="0" hangingPunct="1">
+                        <a:lnSpc>
+                          <a:spcPct val="100000"/>
+                        </a:lnSpc>
+                        <a:spcBef>
+                          <a:spcPts val="0"/>
+                        </a:spcBef>
+                        <a:spcAft>
+                          <a:spcPts val="0"/>
+                        </a:spcAft>
+                        <a:buClrTx/>
+                        <a:buSzTx/>
+                        <a:buFontTx/>
+                        <a:buNone/>
+                        <a:tabLst/>
+                        <a:defRPr/>
+                      </a:pPr>
+                      <a:r>
+                        <a:rPr lang="en-US" sz="1000" b="0" dirty="0" smtClean="0"/>
+                        <a:t>X</a:t>
+                      </a:r>
+                    </a:p>
+                    <a:p>
+                      <a:pPr algn="ctr"/>
+                      <a:endParaRPr lang="en-US" sz="1000" b="0" dirty="0"/>
+                    </a:p>
+                  </a:txBody>
+                  <a:tcPr anchor="ctr"/>
+                </a:tc>
+                <a:tc>
+                  <a:txBody>
+                    <a:bodyPr/>
+                    <a:lstStyle/>
+                    <a:p>
+                      <a:pPr marL="0" marR="0" indent="0" algn="ctr" defTabSz="457200" rtl="0" eaLnBrk="1" fontAlgn="auto" latinLnBrk="0" hangingPunct="1">
+                        <a:lnSpc>
+                          <a:spcPct val="100000"/>
+                        </a:lnSpc>
+                        <a:spcBef>
+                          <a:spcPts val="0"/>
+                        </a:spcBef>
+                        <a:spcAft>
+                          <a:spcPts val="0"/>
+                        </a:spcAft>
+                        <a:buClrTx/>
+                        <a:buSzTx/>
+                        <a:buFontTx/>
+                        <a:buNone/>
+                        <a:tabLst/>
+                        <a:defRPr/>
+                      </a:pPr>
+                      <a:r>
+                        <a:rPr lang="en-US" sz="1000" b="0" dirty="0" smtClean="0"/>
+                        <a:t>X</a:t>
+                      </a:r>
+                    </a:p>
+                    <a:p>
+                      <a:pPr algn="ctr"/>
+                      <a:endParaRPr lang="en-US" sz="1000" b="0" dirty="0"/>
+                    </a:p>
+                  </a:txBody>
+                  <a:tcPr anchor="ctr"/>
+                </a:tc>
+                <a:tc>
+                  <a:txBody>
+                    <a:bodyPr/>
+                    <a:lstStyle/>
+                    <a:p>
+                      <a:r>
+                        <a:rPr lang="en-US" sz="1000" b="0" smtClean="0"/>
+                        <a:t>Regulation of vasculature development (GO:1901342)</a:t>
+                      </a:r>
+                    </a:p>
+                    <a:p>
+                      <a:r>
+                        <a:rPr lang="en-US" sz="1000" b="1" smtClean="0"/>
+                        <a:t>(7.5e-3)</a:t>
+                      </a:r>
+                      <a:endParaRPr lang="en-US" sz="1000" b="1" dirty="0"/>
+                    </a:p>
+                  </a:txBody>
+                  <a:tcPr/>
+                </a:tc>
+                <a:tc>
+                  <a:txBody>
+                    <a:bodyPr/>
+                    <a:lstStyle/>
+                    <a:p>
+                      <a:r>
+                        <a:rPr lang="en-US" sz="1000" b="0" dirty="0" smtClean="0"/>
+                        <a:t>Lytic vacuole</a:t>
+                      </a:r>
+                      <a:r>
+                        <a:rPr lang="en-US" sz="1000" b="0" baseline="0" dirty="0" smtClean="0"/>
+                        <a:t> (GO:0000323)</a:t>
+                      </a:r>
+                    </a:p>
+                    <a:p>
+                      <a:r>
+                        <a:rPr lang="en-US" sz="1000" b="1" baseline="0" dirty="0" smtClean="0"/>
+                        <a:t>(0.01)</a:t>
+                      </a:r>
+                      <a:endParaRPr lang="en-US" sz="1000" b="1" dirty="0"/>
+                    </a:p>
+                  </a:txBody>
+                  <a:tcPr/>
+                </a:tc>
+                <a:tc>
+                  <a:txBody>
+                    <a:bodyPr/>
+                    <a:lstStyle/>
+                    <a:p>
+                      <a:pPr marL="0" marR="0" indent="0" algn="ctr" defTabSz="457200" rtl="0" eaLnBrk="1" fontAlgn="auto" latinLnBrk="0" hangingPunct="1">
+                        <a:lnSpc>
+                          <a:spcPct val="100000"/>
+                        </a:lnSpc>
+                        <a:spcBef>
+                          <a:spcPts val="0"/>
+                        </a:spcBef>
+                        <a:spcAft>
+                          <a:spcPts val="0"/>
+                        </a:spcAft>
+                        <a:buClrTx/>
+                        <a:buSzTx/>
+                        <a:buFontTx/>
+                        <a:buNone/>
+                        <a:tabLst/>
+                        <a:defRPr/>
+                      </a:pPr>
+                      <a:r>
+                        <a:rPr lang="en-US" sz="1000" b="0" dirty="0" smtClean="0"/>
+                        <a:t>X</a:t>
+                      </a:r>
+                    </a:p>
+                  </a:txBody>
+                  <a:tcPr anchor="ctr"/>
+                </a:tc>
+              </a:tr>
+              <a:tr h="542462">
+                <a:tc>
+                  <a:txBody>
+                    <a:bodyPr/>
+                    <a:lstStyle/>
+                    <a:p>
+                      <a:pPr marL="0" marR="0" indent="0" algn="ctr" defTabSz="457200" rtl="0" eaLnBrk="1" fontAlgn="auto" latinLnBrk="0" hangingPunct="1">
+                        <a:lnSpc>
+                          <a:spcPct val="100000"/>
+                        </a:lnSpc>
+                        <a:spcBef>
+                          <a:spcPts val="0"/>
+                        </a:spcBef>
+                        <a:spcAft>
+                          <a:spcPts val="0"/>
+                        </a:spcAft>
+                        <a:buClrTx/>
+                        <a:buSzTx/>
+                        <a:buFontTx/>
+                        <a:buNone/>
+                        <a:tabLst/>
+                        <a:defRPr/>
+                      </a:pPr>
+                      <a:r>
+                        <a:rPr lang="en-US" sz="1000" b="0" dirty="0" smtClean="0"/>
+                        <a:t>X</a:t>
+                      </a:r>
+                    </a:p>
+                  </a:txBody>
+                  <a:tcPr anchor="ctr"/>
+                </a:tc>
+                <a:tc>
+                  <a:txBody>
+                    <a:bodyPr/>
+                    <a:lstStyle/>
+                    <a:p>
+                      <a:pPr marL="0" marR="0" indent="0" algn="ctr" defTabSz="457200" rtl="0" eaLnBrk="1" fontAlgn="auto" latinLnBrk="0" hangingPunct="1">
+                        <a:lnSpc>
+                          <a:spcPct val="100000"/>
+                        </a:lnSpc>
+                        <a:spcBef>
+                          <a:spcPts val="0"/>
+                        </a:spcBef>
+                        <a:spcAft>
+                          <a:spcPts val="0"/>
+                        </a:spcAft>
+                        <a:buClrTx/>
+                        <a:buSzTx/>
+                        <a:buFontTx/>
+                        <a:buNone/>
+                        <a:tabLst/>
+                        <a:defRPr/>
+                      </a:pPr>
+                      <a:r>
+                        <a:rPr lang="en-US" sz="1000" b="0" dirty="0" smtClean="0"/>
+                        <a:t>X</a:t>
+                      </a:r>
+                    </a:p>
+                  </a:txBody>
+                  <a:tcPr anchor="ctr"/>
+                </a:tc>
+                <a:tc>
+                  <a:txBody>
+                    <a:bodyPr/>
+                    <a:lstStyle/>
+                    <a:p>
+                      <a:pPr marL="0" marR="0" indent="0" algn="ctr" defTabSz="457200" rtl="0" eaLnBrk="1" fontAlgn="auto" latinLnBrk="0" hangingPunct="1">
+                        <a:lnSpc>
+                          <a:spcPct val="100000"/>
+                        </a:lnSpc>
+                        <a:spcBef>
+                          <a:spcPts val="0"/>
+                        </a:spcBef>
+                        <a:spcAft>
+                          <a:spcPts val="0"/>
+                        </a:spcAft>
+                        <a:buClrTx/>
+                        <a:buSzTx/>
+                        <a:buFontTx/>
+                        <a:buNone/>
+                        <a:tabLst/>
+                        <a:defRPr/>
+                      </a:pPr>
+                      <a:r>
+                        <a:rPr lang="en-US" sz="1000" b="0" dirty="0" smtClean="0"/>
+                        <a:t>X</a:t>
+                      </a:r>
+                    </a:p>
+                  </a:txBody>
+                  <a:tcPr anchor="ctr"/>
+                </a:tc>
+                <a:tc>
+                  <a:txBody>
+                    <a:bodyPr/>
+                    <a:lstStyle/>
+                    <a:p>
+                      <a:r>
+                        <a:rPr lang="en-US" sz="1000" b="0" smtClean="0"/>
+                        <a:t>RNA 3’-end processing (GO:0031123)</a:t>
+                      </a:r>
+                    </a:p>
+                    <a:p>
+                      <a:r>
+                        <a:rPr lang="en-US" sz="1000" b="1" smtClean="0"/>
+                        <a:t>(7.5e-3)</a:t>
+                      </a:r>
+                      <a:endParaRPr lang="en-US" sz="1000" b="1" dirty="0"/>
+                    </a:p>
+                  </a:txBody>
+                  <a:tcPr/>
+                </a:tc>
+                <a:tc>
+                  <a:txBody>
+                    <a:bodyPr/>
+                    <a:lstStyle/>
+                    <a:p>
+                      <a:pPr marL="0" marR="0" indent="0" algn="l" defTabSz="457200" rtl="0" eaLnBrk="1" fontAlgn="auto" latinLnBrk="0" hangingPunct="1">
+                        <a:lnSpc>
+                          <a:spcPct val="100000"/>
+                        </a:lnSpc>
+                        <a:spcBef>
+                          <a:spcPts val="0"/>
+                        </a:spcBef>
+                        <a:spcAft>
+                          <a:spcPts val="0"/>
+                        </a:spcAft>
+                        <a:buClrTx/>
+                        <a:buSzTx/>
+                        <a:buFontTx/>
+                        <a:buNone/>
+                        <a:tabLst/>
+                        <a:defRPr/>
+                      </a:pPr>
+                      <a:r>
+                        <a:rPr lang="en-US" sz="1000" b="0" dirty="0" smtClean="0"/>
+                        <a:t>Catalytic</a:t>
+                      </a:r>
+                      <a:r>
+                        <a:rPr lang="en-US" sz="1000" b="0" baseline="0" dirty="0" smtClean="0"/>
+                        <a:t> step 2 spliceosome (GO:0071013)</a:t>
+                      </a:r>
+                    </a:p>
+                    <a:p>
+                      <a:pPr marL="0" marR="0" indent="0" algn="l" defTabSz="457200" rtl="0" eaLnBrk="1" fontAlgn="auto" latinLnBrk="0" hangingPunct="1">
+                        <a:lnSpc>
+                          <a:spcPct val="100000"/>
+                        </a:lnSpc>
+                        <a:spcBef>
+                          <a:spcPts val="0"/>
+                        </a:spcBef>
+                        <a:spcAft>
+                          <a:spcPts val="0"/>
+                        </a:spcAft>
+                        <a:buClrTx/>
+                        <a:buSzTx/>
+                        <a:buFontTx/>
+                        <a:buNone/>
+                        <a:tabLst/>
+                        <a:defRPr/>
+                      </a:pPr>
+                      <a:r>
+                        <a:rPr lang="en-US" sz="1000" b="1" baseline="0" dirty="0" smtClean="0"/>
+                        <a:t>(0.01)</a:t>
+                      </a:r>
+                      <a:endParaRPr lang="en-US" sz="1000" b="1" dirty="0" smtClean="0"/>
+                    </a:p>
+                  </a:txBody>
+                  <a:tcPr/>
+                </a:tc>
+                <a:tc>
+                  <a:txBody>
+                    <a:bodyPr/>
+                    <a:lstStyle/>
+                    <a:p>
+                      <a:pPr marL="0" marR="0" indent="0" algn="ctr" defTabSz="457200" rtl="0" eaLnBrk="1" fontAlgn="auto" latinLnBrk="0" hangingPunct="1">
+                        <a:lnSpc>
+                          <a:spcPct val="100000"/>
+                        </a:lnSpc>
+                        <a:spcBef>
+                          <a:spcPts val="0"/>
+                        </a:spcBef>
+                        <a:spcAft>
+                          <a:spcPts val="0"/>
+                        </a:spcAft>
+                        <a:buClrTx/>
+                        <a:buSzTx/>
+                        <a:buFontTx/>
+                        <a:buNone/>
+                        <a:tabLst/>
+                        <a:defRPr/>
+                      </a:pPr>
+                      <a:r>
+                        <a:rPr lang="en-US" sz="1000" b="0" dirty="0" smtClean="0"/>
+                        <a:t>X</a:t>
+                      </a:r>
+                    </a:p>
+                  </a:txBody>
+                  <a:tcPr anchor="ctr"/>
+                </a:tc>
+              </a:tr>
+              <a:tr h="618966">
+                <a:tc>
+                  <a:txBody>
+                    <a:bodyPr/>
+                    <a:lstStyle/>
+                    <a:p>
+                      <a:pPr marL="0" marR="0" indent="0" algn="ctr" defTabSz="457200" rtl="0" eaLnBrk="1" fontAlgn="auto" latinLnBrk="0" hangingPunct="1">
+                        <a:lnSpc>
+                          <a:spcPct val="100000"/>
+                        </a:lnSpc>
+                        <a:spcBef>
+                          <a:spcPts val="0"/>
+                        </a:spcBef>
+                        <a:spcAft>
+                          <a:spcPts val="0"/>
+                        </a:spcAft>
+                        <a:buClrTx/>
+                        <a:buSzTx/>
+                        <a:buFontTx/>
+                        <a:buNone/>
+                        <a:tabLst/>
+                        <a:defRPr/>
+                      </a:pPr>
+                      <a:r>
+                        <a:rPr lang="en-US" sz="1000" b="0" dirty="0" smtClean="0"/>
+                        <a:t>X</a:t>
+                      </a:r>
+                    </a:p>
+                  </a:txBody>
+                  <a:tcPr anchor="ctr"/>
+                </a:tc>
+                <a:tc>
+                  <a:txBody>
+                    <a:bodyPr/>
+                    <a:lstStyle/>
+                    <a:p>
+                      <a:pPr marL="0" marR="0" indent="0" algn="ctr" defTabSz="457200" rtl="0" eaLnBrk="1" fontAlgn="auto" latinLnBrk="0" hangingPunct="1">
+                        <a:lnSpc>
+                          <a:spcPct val="100000"/>
+                        </a:lnSpc>
+                        <a:spcBef>
+                          <a:spcPts val="0"/>
+                        </a:spcBef>
+                        <a:spcAft>
+                          <a:spcPts val="0"/>
+                        </a:spcAft>
+                        <a:buClrTx/>
+                        <a:buSzTx/>
+                        <a:buFontTx/>
+                        <a:buNone/>
+                        <a:tabLst/>
+                        <a:defRPr/>
+                      </a:pPr>
+                      <a:r>
+                        <a:rPr lang="en-US" sz="1000" b="0" dirty="0" smtClean="0"/>
+                        <a:t>X</a:t>
+                      </a:r>
+                    </a:p>
+                  </a:txBody>
+                  <a:tcPr anchor="ctr"/>
+                </a:tc>
+                <a:tc>
+                  <a:txBody>
+                    <a:bodyPr/>
+                    <a:lstStyle/>
+                    <a:p>
+                      <a:pPr marL="0" marR="0" indent="0" algn="ctr" defTabSz="457200" rtl="0" eaLnBrk="1" fontAlgn="auto" latinLnBrk="0" hangingPunct="1">
+                        <a:lnSpc>
+                          <a:spcPct val="100000"/>
+                        </a:lnSpc>
+                        <a:spcBef>
+                          <a:spcPts val="0"/>
+                        </a:spcBef>
+                        <a:spcAft>
+                          <a:spcPts val="0"/>
+                        </a:spcAft>
+                        <a:buClrTx/>
+                        <a:buSzTx/>
+                        <a:buFontTx/>
+                        <a:buNone/>
+                        <a:tabLst/>
+                        <a:defRPr/>
+                      </a:pPr>
+                      <a:r>
+                        <a:rPr lang="en-US" sz="1000" b="0" dirty="0" smtClean="0"/>
+                        <a:t>X</a:t>
+                      </a:r>
+                    </a:p>
+                  </a:txBody>
+                  <a:tcPr anchor="ctr"/>
+                </a:tc>
+                <a:tc>
+                  <a:txBody>
+                    <a:bodyPr/>
+                    <a:lstStyle/>
+                    <a:p>
+                      <a:r>
+                        <a:rPr lang="en-US" sz="1000" b="0" smtClean="0"/>
+                        <a:t>mRNA 3’-end processing</a:t>
+                      </a:r>
+                      <a:r>
+                        <a:rPr lang="en-US" sz="1000" b="0" baseline="0" smtClean="0"/>
+                        <a:t> </a:t>
+                      </a:r>
+                    </a:p>
+                    <a:p>
+                      <a:r>
+                        <a:rPr lang="en-US" sz="1000" b="0" baseline="0" smtClean="0"/>
+                        <a:t>(GO:0031124) </a:t>
+                      </a:r>
+                    </a:p>
+                    <a:p>
+                      <a:r>
+                        <a:rPr lang="en-US" sz="1000" b="1" baseline="0" smtClean="0"/>
+                        <a:t>(0.017)</a:t>
+                      </a:r>
+                      <a:endParaRPr lang="en-US" sz="1000" b="1" dirty="0"/>
+                    </a:p>
+                  </a:txBody>
+                  <a:tcPr/>
+                </a:tc>
+                <a:tc>
+                  <a:txBody>
+                    <a:bodyPr/>
+                    <a:lstStyle/>
+                    <a:p>
+                      <a:pPr marL="0" marR="0" indent="0" algn="l" defTabSz="457200" rtl="0" eaLnBrk="1" fontAlgn="auto" latinLnBrk="0" hangingPunct="1">
+                        <a:lnSpc>
+                          <a:spcPct val="100000"/>
+                        </a:lnSpc>
+                        <a:spcBef>
+                          <a:spcPts val="0"/>
+                        </a:spcBef>
+                        <a:spcAft>
+                          <a:spcPts val="0"/>
+                        </a:spcAft>
+                        <a:buClrTx/>
+                        <a:buSzTx/>
+                        <a:buFontTx/>
+                        <a:buNone/>
+                        <a:tabLst/>
+                        <a:defRPr/>
+                      </a:pPr>
+                      <a:r>
+                        <a:rPr lang="en-US" sz="1000" b="0" dirty="0" smtClean="0"/>
+                        <a:t>Spliceosomal</a:t>
+                      </a:r>
+                      <a:r>
+                        <a:rPr lang="en-US" sz="1000" b="0" baseline="0" dirty="0" smtClean="0"/>
+                        <a:t> complex (GO: </a:t>
+                      </a:r>
+                      <a:r>
+                        <a:rPr lang="en-US" sz="1000" b="1" baseline="0" dirty="0" smtClean="0"/>
+                        <a:t>(0.01)</a:t>
+                      </a:r>
+                      <a:endParaRPr lang="en-US" sz="1000" b="1" dirty="0" smtClean="0"/>
+                    </a:p>
+                  </a:txBody>
+                  <a:tcPr/>
+                </a:tc>
+                <a:tc>
+                  <a:txBody>
+                    <a:bodyPr/>
+                    <a:lstStyle/>
+                    <a:p>
+                      <a:pPr marL="0" marR="0" indent="0" algn="ctr" defTabSz="457200" rtl="0" eaLnBrk="1" fontAlgn="auto" latinLnBrk="0" hangingPunct="1">
+                        <a:lnSpc>
+                          <a:spcPct val="100000"/>
+                        </a:lnSpc>
+                        <a:spcBef>
+                          <a:spcPts val="0"/>
+                        </a:spcBef>
+                        <a:spcAft>
+                          <a:spcPts val="0"/>
+                        </a:spcAft>
+                        <a:buClrTx/>
+                        <a:buSzTx/>
+                        <a:buFontTx/>
+                        <a:buNone/>
+                        <a:tabLst/>
+                        <a:defRPr/>
+                      </a:pPr>
+                      <a:r>
+                        <a:rPr lang="en-US" sz="1000" b="0" dirty="0" smtClean="0"/>
+                        <a:t>X</a:t>
+                      </a:r>
+                    </a:p>
+                  </a:txBody>
+                  <a:tcPr anchor="ctr"/>
+                </a:tc>
+              </a:tr>
+              <a:tr h="618966">
+                <a:tc>
+                  <a:txBody>
+                    <a:bodyPr/>
+                    <a:lstStyle/>
+                    <a:p>
+                      <a:pPr marL="0" marR="0" indent="0" algn="ctr" defTabSz="457200" rtl="0" eaLnBrk="1" fontAlgn="auto" latinLnBrk="0" hangingPunct="1">
+                        <a:lnSpc>
+                          <a:spcPct val="100000"/>
+                        </a:lnSpc>
+                        <a:spcBef>
+                          <a:spcPts val="0"/>
+                        </a:spcBef>
+                        <a:spcAft>
+                          <a:spcPts val="0"/>
+                        </a:spcAft>
+                        <a:buClrTx/>
+                        <a:buSzTx/>
+                        <a:buFontTx/>
+                        <a:buNone/>
+                        <a:tabLst/>
+                        <a:defRPr/>
+                      </a:pPr>
+                      <a:r>
+                        <a:rPr lang="en-US" sz="1000" b="0" dirty="0" smtClean="0"/>
+                        <a:t>X</a:t>
+                      </a:r>
+                    </a:p>
+                  </a:txBody>
+                  <a:tcPr anchor="ctr"/>
+                </a:tc>
+                <a:tc>
+                  <a:txBody>
+                    <a:bodyPr/>
+                    <a:lstStyle/>
+                    <a:p>
+                      <a:pPr marL="0" marR="0" indent="0" algn="ctr" defTabSz="457200" rtl="0" eaLnBrk="1" fontAlgn="auto" latinLnBrk="0" hangingPunct="1">
+                        <a:lnSpc>
+                          <a:spcPct val="100000"/>
+                        </a:lnSpc>
+                        <a:spcBef>
+                          <a:spcPts val="0"/>
+                        </a:spcBef>
+                        <a:spcAft>
+                          <a:spcPts val="0"/>
+                        </a:spcAft>
+                        <a:buClrTx/>
+                        <a:buSzTx/>
+                        <a:buFontTx/>
+                        <a:buNone/>
+                        <a:tabLst/>
+                        <a:defRPr/>
+                      </a:pPr>
+                      <a:r>
+                        <a:rPr lang="en-US" sz="1000" b="0" dirty="0" smtClean="0"/>
+                        <a:t>X</a:t>
+                      </a:r>
+                    </a:p>
+                  </a:txBody>
+                  <a:tcPr anchor="ctr"/>
+                </a:tc>
+                <a:tc>
+                  <a:txBody>
+                    <a:bodyPr/>
+                    <a:lstStyle/>
+                    <a:p>
+                      <a:pPr marL="0" marR="0" indent="0" algn="ctr" defTabSz="457200" rtl="0" eaLnBrk="1" fontAlgn="auto" latinLnBrk="0" hangingPunct="1">
+                        <a:lnSpc>
+                          <a:spcPct val="100000"/>
+                        </a:lnSpc>
+                        <a:spcBef>
+                          <a:spcPts val="0"/>
+                        </a:spcBef>
+                        <a:spcAft>
+                          <a:spcPts val="0"/>
+                        </a:spcAft>
+                        <a:buClrTx/>
+                        <a:buSzTx/>
+                        <a:buFontTx/>
+                        <a:buNone/>
+                        <a:tabLst/>
+                        <a:defRPr/>
+                      </a:pPr>
+                      <a:r>
+                        <a:rPr lang="en-US" sz="1000" b="0" dirty="0" smtClean="0"/>
+                        <a:t>X</a:t>
+                      </a:r>
+                    </a:p>
+                  </a:txBody>
+                  <a:tcPr anchor="ctr"/>
+                </a:tc>
+                <a:tc>
+                  <a:txBody>
+                    <a:bodyPr/>
+                    <a:lstStyle/>
+                    <a:p>
+                      <a:r>
+                        <a:rPr lang="en-US" sz="1000" b="0" smtClean="0"/>
+                        <a:t>Negative</a:t>
+                      </a:r>
+                      <a:r>
+                        <a:rPr lang="en-US" sz="1000" b="0" baseline="0" smtClean="0"/>
+                        <a:t> regulation of mRNA metabolic process (GO:1903312)</a:t>
+                      </a:r>
+                    </a:p>
+                    <a:p>
+                      <a:r>
+                        <a:rPr lang="en-US" sz="1000" b="1" baseline="0" smtClean="0"/>
+                        <a:t>(0.02)</a:t>
+                      </a:r>
+                      <a:endParaRPr lang="en-US" sz="1000" b="1" dirty="0"/>
+                    </a:p>
+                  </a:txBody>
+                  <a:tcPr/>
+                </a:tc>
+                <a:tc>
+                  <a:txBody>
+                    <a:bodyPr/>
+                    <a:lstStyle/>
+                    <a:p>
+                      <a:r>
+                        <a:rPr lang="en-US" sz="1000" b="0" i="0" dirty="0" smtClean="0"/>
+                        <a:t>Vacuole</a:t>
+                      </a:r>
+                      <a:r>
+                        <a:rPr lang="en-US" sz="1000" b="0" i="0" baseline="0" dirty="0" smtClean="0"/>
+                        <a:t> (GO:0005773)</a:t>
+                      </a:r>
+                    </a:p>
+                    <a:p>
+                      <a:r>
+                        <a:rPr lang="en-US" sz="1000" b="1" i="0" baseline="0" dirty="0" smtClean="0"/>
+                        <a:t>(0.02)</a:t>
+                      </a:r>
+                      <a:endParaRPr lang="en-US" sz="1000" b="1" i="0" dirty="0"/>
+                    </a:p>
+                  </a:txBody>
+                  <a:tcPr/>
+                </a:tc>
+                <a:tc>
+                  <a:txBody>
+                    <a:bodyPr/>
+                    <a:lstStyle/>
+                    <a:p>
+                      <a:pPr marL="0" marR="0" indent="0" algn="ctr" defTabSz="457200" rtl="0" eaLnBrk="1" fontAlgn="auto" latinLnBrk="0" hangingPunct="1">
+                        <a:lnSpc>
+                          <a:spcPct val="100000"/>
+                        </a:lnSpc>
+                        <a:spcBef>
+                          <a:spcPts val="0"/>
+                        </a:spcBef>
+                        <a:spcAft>
+                          <a:spcPts val="0"/>
+                        </a:spcAft>
+                        <a:buClrTx/>
+                        <a:buSzTx/>
+                        <a:buFontTx/>
+                        <a:buNone/>
+                        <a:tabLst/>
+                        <a:defRPr/>
+                      </a:pPr>
+                      <a:r>
+                        <a:rPr lang="en-US" sz="1000" b="0" dirty="0" smtClean="0"/>
+                        <a:t>X</a:t>
+                      </a:r>
+                    </a:p>
+                  </a:txBody>
+                  <a:tcPr anchor="ctr"/>
+                </a:tc>
+              </a:tr>
+              <a:tr h="618966">
+                <a:tc>
+                  <a:txBody>
+                    <a:bodyPr/>
+                    <a:lstStyle/>
+                    <a:p>
+                      <a:pPr marL="0" marR="0" indent="0" algn="ctr" defTabSz="457200" rtl="0" eaLnBrk="1" fontAlgn="auto" latinLnBrk="0" hangingPunct="1">
+                        <a:lnSpc>
+                          <a:spcPct val="100000"/>
+                        </a:lnSpc>
+                        <a:spcBef>
+                          <a:spcPts val="0"/>
+                        </a:spcBef>
+                        <a:spcAft>
+                          <a:spcPts val="0"/>
+                        </a:spcAft>
+                        <a:buClrTx/>
+                        <a:buSzTx/>
+                        <a:buFontTx/>
+                        <a:buNone/>
+                        <a:tabLst/>
+                        <a:defRPr/>
+                      </a:pPr>
+                      <a:r>
+                        <a:rPr lang="en-US" sz="1000" b="0" dirty="0" smtClean="0"/>
+                        <a:t>X</a:t>
+                      </a:r>
+                    </a:p>
+                  </a:txBody>
+                  <a:tcPr anchor="ctr"/>
+                </a:tc>
+                <a:tc>
+                  <a:txBody>
+                    <a:bodyPr/>
+                    <a:lstStyle/>
+                    <a:p>
+                      <a:pPr marL="0" marR="0" indent="0" algn="ctr" defTabSz="457200" rtl="0" eaLnBrk="1" fontAlgn="auto" latinLnBrk="0" hangingPunct="1">
+                        <a:lnSpc>
+                          <a:spcPct val="100000"/>
+                        </a:lnSpc>
+                        <a:spcBef>
+                          <a:spcPts val="0"/>
+                        </a:spcBef>
+                        <a:spcAft>
+                          <a:spcPts val="0"/>
+                        </a:spcAft>
+                        <a:buClrTx/>
+                        <a:buSzTx/>
+                        <a:buFontTx/>
+                        <a:buNone/>
+                        <a:tabLst/>
+                        <a:defRPr/>
+                      </a:pPr>
+                      <a:r>
+                        <a:rPr lang="en-US" sz="1000" b="0" dirty="0" smtClean="0"/>
+                        <a:t>X</a:t>
+                      </a:r>
+                    </a:p>
+                  </a:txBody>
+                  <a:tcPr anchor="ctr"/>
+                </a:tc>
+                <a:tc>
+                  <a:txBody>
+                    <a:bodyPr/>
+                    <a:lstStyle/>
+                    <a:p>
+                      <a:pPr marL="0" marR="0" indent="0" algn="ctr" defTabSz="457200" rtl="0" eaLnBrk="1" fontAlgn="auto" latinLnBrk="0" hangingPunct="1">
+                        <a:lnSpc>
+                          <a:spcPct val="100000"/>
+                        </a:lnSpc>
+                        <a:spcBef>
+                          <a:spcPts val="0"/>
+                        </a:spcBef>
+                        <a:spcAft>
+                          <a:spcPts val="0"/>
+                        </a:spcAft>
+                        <a:buClrTx/>
+                        <a:buSzTx/>
+                        <a:buFontTx/>
+                        <a:buNone/>
+                        <a:tabLst/>
+                        <a:defRPr/>
+                      </a:pPr>
+                      <a:r>
+                        <a:rPr lang="en-US" sz="1000" b="0" dirty="0" smtClean="0"/>
+                        <a:t>X</a:t>
+                      </a:r>
+                    </a:p>
+                  </a:txBody>
+                  <a:tcPr anchor="ctr"/>
+                </a:tc>
+                <a:tc>
+                  <a:txBody>
+                    <a:bodyPr/>
+                    <a:lstStyle/>
+                    <a:p>
+                      <a:r>
+                        <a:rPr lang="en-US" sz="1000" b="0" dirty="0" smtClean="0"/>
+                        <a:t>DNA</a:t>
+                      </a:r>
+                      <a:r>
+                        <a:rPr lang="en-US" sz="1000" b="0" baseline="0" dirty="0" smtClean="0"/>
+                        <a:t> damage induce protein phosphorylation (GO:0006975)</a:t>
+                      </a:r>
+                    </a:p>
+                    <a:p>
+                      <a:r>
+                        <a:rPr lang="en-US" sz="1000" b="1" baseline="0" dirty="0" smtClean="0"/>
+                        <a:t>(0.02)</a:t>
+                      </a:r>
+                      <a:endParaRPr lang="en-US" sz="1000" b="1" dirty="0"/>
+                    </a:p>
+                  </a:txBody>
+                  <a:tcPr/>
+                </a:tc>
+                <a:tc>
+                  <a:txBody>
+                    <a:bodyPr/>
+                    <a:lstStyle/>
+                    <a:p>
+                      <a:r>
+                        <a:rPr lang="en-US" sz="1000" b="0" i="0" dirty="0" smtClean="0"/>
+                        <a:t>Focal adhesion (GO:0005925)</a:t>
+                      </a:r>
+                    </a:p>
+                    <a:p>
+                      <a:r>
+                        <a:rPr lang="en-US" sz="1000" b="1" i="0" dirty="0" smtClean="0"/>
+                        <a:t>(0.02)</a:t>
+                      </a:r>
+                      <a:endParaRPr lang="en-US" sz="1000" b="1" i="0" dirty="0"/>
+                    </a:p>
+                  </a:txBody>
+                  <a:tcPr/>
+                </a:tc>
+                <a:tc>
+                  <a:txBody>
+                    <a:bodyPr/>
+                    <a:lstStyle/>
+                    <a:p>
+                      <a:pPr marL="0" marR="0" indent="0" algn="ctr" defTabSz="457200" rtl="0" eaLnBrk="1" fontAlgn="auto" latinLnBrk="0" hangingPunct="1">
+                        <a:lnSpc>
+                          <a:spcPct val="100000"/>
+                        </a:lnSpc>
+                        <a:spcBef>
+                          <a:spcPts val="0"/>
+                        </a:spcBef>
+                        <a:spcAft>
+                          <a:spcPts val="0"/>
+                        </a:spcAft>
+                        <a:buClrTx/>
+                        <a:buSzTx/>
+                        <a:buFontTx/>
+                        <a:buNone/>
+                        <a:tabLst/>
+                        <a:defRPr/>
+                      </a:pPr>
+                      <a:r>
+                        <a:rPr lang="en-US" sz="1000" b="0" dirty="0" smtClean="0"/>
+                        <a:t>X</a:t>
+                      </a:r>
+                    </a:p>
+                  </a:txBody>
+                  <a:tcPr anchor="ctr"/>
+                </a:tc>
+              </a:tr>
+            </a:tbl>
+          </a:graphicData>
+        </a:graphic>
+      </p:graphicFrame>
+    </p:spTree>
+    <p:extLst>
+      <p:ext uri="{BB962C8B-B14F-4D97-AF65-F5344CB8AC3E}">
+        <p14:creationId xmlns:p14="http://schemas.microsoft.com/office/powerpoint/2010/main" val="885541226"/>
+      </p:ext>
+    </p:extLst>
+  </p:cSld>
+  <p:clrMapOvr>
+    <a:masterClrMapping/>
+  </p:clrMapOvr>
+</p:sld>
+</file>
+
+<file path=ppt/slides/slide2.xml><?xml version="1.0" encoding="utf-8"?>
+<p:sld xmlns:a="http://schemas.openxmlformats.org/drawingml/2006/main" xmlns:r="http://schemas.openxmlformats.org/officeDocument/2006/relationships" xmlns:p="http://schemas.openxmlformats.org/presentationml/2006/main">
+  <p:cSld>
+    <p:spTree>
+      <p:nvGrpSpPr>
+        <p:cNvPr id="1" name=""/>
+        <p:cNvGrpSpPr/>
+        <p:nvPr/>
+      </p:nvGrpSpPr>
+      <p:grpSpPr>
+        <a:xfrm>
+          <a:off x="0" y="0"/>
+          <a:ext cx="0" cy="0"/>
+          <a:chOff x="0" y="0"/>
+          <a:chExt cx="0" cy="0"/>
+        </a:xfrm>
+      </p:grpSpPr>
+      <p:graphicFrame>
+        <p:nvGraphicFramePr>
+          <p:cNvPr id="4" name="Table 3"/>
+          <p:cNvGraphicFramePr>
+            <a:graphicFrameLocks noGrp="1"/>
+          </p:cNvGraphicFramePr>
+          <p:nvPr>
+            <p:extLst>
+              <p:ext uri="{D42A27DB-BD31-4B8C-83A1-F6EECF244321}">
+                <p14:modId xmlns:p14="http://schemas.microsoft.com/office/powerpoint/2010/main" val="3024051898"/>
+              </p:ext>
+            </p:extLst>
+          </p:nvPr>
+        </p:nvGraphicFramePr>
+        <p:xfrm>
+          <a:off x="17640" y="8820"/>
+          <a:ext cx="9126360" cy="4985145"/>
+        </p:xfrm>
+        <a:graphic>
+          <a:graphicData uri="http://schemas.openxmlformats.org/drawingml/2006/table">
+            <a:tbl>
+              <a:tblPr firstRow="1" bandRow="1">
+                <a:tableStyleId>{5C22544A-7EE6-4342-B048-85BDC9FD1C3A}</a:tableStyleId>
+              </a:tblPr>
+              <a:tblGrid>
+                <a:gridCol w="837579"/>
+                <a:gridCol w="1710949"/>
+                <a:gridCol w="2288136"/>
+                <a:gridCol w="943083"/>
+                <a:gridCol w="2190221"/>
+                <a:gridCol w="1156392"/>
+              </a:tblGrid>
+              <a:tr h="370311">
+                <a:tc>
+                  <a:txBody>
+                    <a:bodyPr/>
+                    <a:lstStyle/>
+                    <a:p>
+                      <a:r>
+                        <a:rPr lang="en-US" sz="1500" b="0" dirty="0" smtClean="0"/>
+                        <a:t>KEGG</a:t>
+                      </a:r>
+                      <a:endParaRPr lang="en-US" sz="1500" b="0" dirty="0"/>
+                    </a:p>
+                  </a:txBody>
+                  <a:tcPr/>
+                </a:tc>
+                <a:tc>
+                  <a:txBody>
+                    <a:bodyPr/>
+                    <a:lstStyle/>
+                    <a:p>
+                      <a:r>
+                        <a:rPr lang="en-US" sz="1500" b="0" dirty="0" smtClean="0"/>
+                        <a:t>Wikipathways</a:t>
+                      </a:r>
+                      <a:endParaRPr lang="en-US" sz="1500" b="0" dirty="0"/>
+                    </a:p>
+                  </a:txBody>
+                  <a:tcPr/>
+                </a:tc>
+                <a:tc>
+                  <a:txBody>
+                    <a:bodyPr/>
+                    <a:lstStyle/>
+                    <a:p>
+                      <a:r>
+                        <a:rPr lang="en-US" sz="1500" b="0" dirty="0" smtClean="0"/>
+                        <a:t>Reactome</a:t>
+                      </a:r>
+                      <a:endParaRPr lang="en-US" sz="1500" b="0" dirty="0"/>
+                    </a:p>
+                  </a:txBody>
+                  <a:tcPr/>
+                </a:tc>
+                <a:tc>
+                  <a:txBody>
+                    <a:bodyPr/>
+                    <a:lstStyle/>
+                    <a:p>
+                      <a:r>
+                        <a:rPr lang="en-US" sz="1500" b="0" dirty="0" smtClean="0"/>
+                        <a:t>GO BP</a:t>
+                      </a:r>
+                      <a:endParaRPr lang="en-US" sz="1500" b="0" dirty="0"/>
+                    </a:p>
+                  </a:txBody>
+                  <a:tcPr/>
+                </a:tc>
+                <a:tc>
+                  <a:txBody>
+                    <a:bodyPr/>
+                    <a:lstStyle/>
+                    <a:p>
+                      <a:r>
+                        <a:rPr lang="en-US" sz="1500" b="0" dirty="0" smtClean="0"/>
+                        <a:t>GO </a:t>
+                      </a:r>
+                      <a:r>
+                        <a:rPr lang="en-US" sz="1500" b="0" dirty="0" smtClean="0"/>
+                        <a:t>CC</a:t>
+                      </a:r>
+                      <a:endParaRPr lang="en-US" sz="1500" b="0" dirty="0"/>
+                    </a:p>
+                  </a:txBody>
+                  <a:tcPr/>
+                </a:tc>
+                <a:tc>
+                  <a:txBody>
+                    <a:bodyPr/>
+                    <a:lstStyle/>
+                    <a:p>
+                      <a:r>
+                        <a:rPr lang="en-US" sz="1500" b="0" dirty="0" smtClean="0"/>
+                        <a:t>GO MF</a:t>
+                      </a:r>
+                      <a:endParaRPr lang="en-US" sz="1500" b="0" dirty="0"/>
+                    </a:p>
+                  </a:txBody>
+                  <a:tcPr/>
+                </a:tc>
+              </a:tr>
+              <a:tr h="893534">
+                <a:tc>
+                  <a:txBody>
+                    <a:bodyPr/>
+                    <a:lstStyle/>
+                    <a:p>
+                      <a:pPr marL="0" marR="0" indent="0" algn="ctr" defTabSz="457200" rtl="0" eaLnBrk="1" fontAlgn="auto" latinLnBrk="0" hangingPunct="1">
+                        <a:lnSpc>
+                          <a:spcPct val="100000"/>
+                        </a:lnSpc>
+                        <a:spcBef>
+                          <a:spcPts val="0"/>
+                        </a:spcBef>
+                        <a:spcAft>
+                          <a:spcPts val="0"/>
+                        </a:spcAft>
+                        <a:buClrTx/>
+                        <a:buSzTx/>
+                        <a:buFontTx/>
+                        <a:buNone/>
+                        <a:tabLst/>
+                        <a:defRPr/>
+                      </a:pPr>
+                      <a:r>
+                        <a:rPr lang="en-US" sz="1000" b="0" i="0" dirty="0" smtClean="0"/>
+                        <a:t>X</a:t>
+                      </a:r>
+                      <a:endParaRPr lang="en-US" sz="1000" b="0" i="0" dirty="0" smtClean="0"/>
+                    </a:p>
+                  </a:txBody>
+                  <a:tcPr anchor="ctr"/>
+                </a:tc>
+                <a:tc>
+                  <a:txBody>
+                    <a:bodyPr/>
+                    <a:lstStyle/>
+                    <a:p>
+                      <a:pPr marL="0" marR="0" indent="0" algn="l" defTabSz="457200" rtl="0" eaLnBrk="1" fontAlgn="auto" latinLnBrk="0" hangingPunct="1">
+                        <a:lnSpc>
+                          <a:spcPct val="100000"/>
+                        </a:lnSpc>
+                        <a:spcBef>
+                          <a:spcPts val="0"/>
+                        </a:spcBef>
+                        <a:spcAft>
+                          <a:spcPts val="0"/>
+                        </a:spcAft>
+                        <a:buClrTx/>
+                        <a:buSzTx/>
+                        <a:buFontTx/>
+                        <a:buNone/>
+                        <a:tabLst/>
+                        <a:defRPr/>
+                      </a:pPr>
+                      <a:r>
+                        <a:rPr lang="en-US" sz="1000" b="0" dirty="0" smtClean="0"/>
+                        <a:t>G</a:t>
+                      </a:r>
+                      <a:r>
+                        <a:rPr lang="en-US" sz="1000" b="0" baseline="0" dirty="0" smtClean="0"/>
+                        <a:t> Protein Signaling Pathways Mus musculus </a:t>
+                      </a:r>
+                      <a:r>
+                        <a:rPr lang="en-US" sz="1000" b="0" dirty="0" smtClean="0"/>
+                        <a:t>WP232</a:t>
+                      </a:r>
+                      <a:endParaRPr lang="en-US" sz="1000" b="0" dirty="0" smtClean="0"/>
+                    </a:p>
+                    <a:p>
+                      <a:pPr marL="0" marR="0" indent="0" algn="l" defTabSz="457200" rtl="0" eaLnBrk="1" fontAlgn="auto" latinLnBrk="0" hangingPunct="1">
+                        <a:lnSpc>
+                          <a:spcPct val="100000"/>
+                        </a:lnSpc>
+                        <a:spcBef>
+                          <a:spcPts val="0"/>
+                        </a:spcBef>
+                        <a:spcAft>
+                          <a:spcPts val="0"/>
+                        </a:spcAft>
+                        <a:buClrTx/>
+                        <a:buSzTx/>
+                        <a:buFontTx/>
+                        <a:buNone/>
+                        <a:tabLst/>
+                        <a:defRPr/>
+                      </a:pPr>
+                      <a:r>
+                        <a:rPr lang="en-US" sz="1000" b="0" i="1" dirty="0" smtClean="0"/>
+                        <a:t>(0.08)</a:t>
+                      </a:r>
+                      <a:endParaRPr lang="en-US" sz="1000" b="0" i="1" baseline="0" dirty="0" smtClean="0"/>
+                    </a:p>
+                  </a:txBody>
+                  <a:tcPr/>
+                </a:tc>
+                <a:tc>
+                  <a:txBody>
+                    <a:bodyPr/>
+                    <a:lstStyle/>
+                    <a:p>
+                      <a:pPr algn="l"/>
+                      <a:r>
+                        <a:rPr lang="en-US" sz="1000" b="0" dirty="0" smtClean="0"/>
+                        <a:t>Opioid signalling Homo sapiens R-HSA-111885</a:t>
+                      </a:r>
+                    </a:p>
+                    <a:p>
+                      <a:pPr algn="l"/>
+                      <a:r>
+                        <a:rPr lang="en-US" sz="1000" b="1" dirty="0" smtClean="0"/>
+                        <a:t>(0.01)</a:t>
+                      </a:r>
+                      <a:endParaRPr lang="en-US" sz="1000" b="1" dirty="0"/>
+                    </a:p>
+                  </a:txBody>
+                  <a:tcPr/>
+                </a:tc>
+                <a:tc>
+                  <a:txBody>
+                    <a:bodyPr/>
+                    <a:lstStyle/>
+                    <a:p>
+                      <a:pPr marL="0" marR="0" indent="0" algn="ctr" defTabSz="457200" rtl="0" eaLnBrk="1" fontAlgn="auto" latinLnBrk="0" hangingPunct="1">
+                        <a:lnSpc>
+                          <a:spcPct val="100000"/>
+                        </a:lnSpc>
+                        <a:spcBef>
+                          <a:spcPts val="0"/>
+                        </a:spcBef>
+                        <a:spcAft>
+                          <a:spcPts val="0"/>
+                        </a:spcAft>
+                        <a:buClrTx/>
+                        <a:buSzTx/>
+                        <a:buFontTx/>
+                        <a:buNone/>
+                        <a:tabLst/>
+                        <a:defRPr/>
+                      </a:pPr>
+                      <a:r>
+                        <a:rPr lang="en-US" sz="1000" b="0" i="0" dirty="0" smtClean="0"/>
+                        <a:t>X</a:t>
+                      </a:r>
+                    </a:p>
+                  </a:txBody>
+                  <a:tcPr anchor="ctr"/>
+                </a:tc>
+                <a:tc>
+                  <a:txBody>
+                    <a:bodyPr/>
+                    <a:lstStyle/>
+                    <a:p>
+                      <a:r>
+                        <a:rPr lang="en-US" sz="1000" b="0" dirty="0" smtClean="0"/>
+                        <a:t>Mitochondrial membrane (</a:t>
+                      </a:r>
+                      <a:r>
+                        <a:rPr lang="en-US" sz="1000" b="0" dirty="0" smtClean="0"/>
+                        <a:t>GO:</a:t>
+                      </a:r>
+                      <a:r>
+                        <a:rPr lang="en-US" sz="1000" b="0" dirty="0" smtClean="0"/>
+                        <a:t>0005741)</a:t>
+                      </a:r>
+                      <a:endParaRPr lang="en-US" sz="1000" b="0" dirty="0" smtClean="0"/>
+                    </a:p>
+                    <a:p>
+                      <a:r>
+                        <a:rPr lang="en-US" sz="1000" b="1" dirty="0" smtClean="0"/>
+                        <a:t>(0.02)</a:t>
+                      </a:r>
+                      <a:endParaRPr lang="en-US" sz="1000" b="1" dirty="0" smtClean="0"/>
+                    </a:p>
+                  </a:txBody>
+                  <a:tcPr/>
+                </a:tc>
+                <a:tc>
+                  <a:txBody>
+                    <a:bodyPr/>
+                    <a:lstStyle/>
+                    <a:p>
+                      <a:r>
+                        <a:rPr lang="en-US" sz="1000" b="0" dirty="0" smtClean="0"/>
+                        <a:t>Phosphatidylinositol phosphate binding (GO:1901981)</a:t>
+                      </a:r>
+                    </a:p>
+                    <a:p>
+                      <a:r>
+                        <a:rPr lang="en-US" sz="1000" b="1" dirty="0" smtClean="0"/>
+                        <a:t>(0.02)</a:t>
+                      </a:r>
+                      <a:endParaRPr lang="en-US" sz="1000" b="1" dirty="0"/>
+                    </a:p>
+                  </a:txBody>
+                  <a:tcPr/>
+                </a:tc>
+              </a:tr>
+              <a:tr h="893534">
+                <a:tc>
+                  <a:txBody>
+                    <a:bodyPr/>
+                    <a:lstStyle/>
+                    <a:p>
+                      <a:pPr marL="0" marR="0" indent="0" algn="ctr" defTabSz="457200" rtl="0" eaLnBrk="1" fontAlgn="auto" latinLnBrk="0" hangingPunct="1">
+                        <a:lnSpc>
+                          <a:spcPct val="100000"/>
+                        </a:lnSpc>
+                        <a:spcBef>
+                          <a:spcPts val="0"/>
+                        </a:spcBef>
+                        <a:spcAft>
+                          <a:spcPts val="0"/>
+                        </a:spcAft>
+                        <a:buClrTx/>
+                        <a:buSzTx/>
+                        <a:buFontTx/>
+                        <a:buNone/>
+                        <a:tabLst/>
+                        <a:defRPr/>
+                      </a:pPr>
+                      <a:r>
+                        <a:rPr lang="en-US" sz="1000" b="0" dirty="0" smtClean="0"/>
+                        <a:t>X</a:t>
+                      </a:r>
+                      <a:endParaRPr lang="en-US" sz="1000" b="0" dirty="0" smtClean="0"/>
+                    </a:p>
+                  </a:txBody>
+                  <a:tcPr anchor="ctr"/>
+                </a:tc>
+                <a:tc>
+                  <a:txBody>
+                    <a:bodyPr/>
+                    <a:lstStyle/>
+                    <a:p>
+                      <a:pPr marL="0" marR="0" indent="0" algn="l" defTabSz="457200" rtl="0" eaLnBrk="1" fontAlgn="auto" latinLnBrk="0" hangingPunct="1">
+                        <a:lnSpc>
+                          <a:spcPct val="100000"/>
+                        </a:lnSpc>
+                        <a:spcBef>
+                          <a:spcPts val="0"/>
+                        </a:spcBef>
+                        <a:spcAft>
+                          <a:spcPts val="0"/>
+                        </a:spcAft>
+                        <a:buClrTx/>
+                        <a:buSzTx/>
+                        <a:buFontTx/>
+                        <a:buNone/>
+                        <a:tabLst/>
+                        <a:defRPr/>
+                      </a:pPr>
+                      <a:r>
+                        <a:rPr lang="en-US" sz="1000" b="0" dirty="0" smtClean="0"/>
+                        <a:t>G</a:t>
+                      </a:r>
+                      <a:r>
+                        <a:rPr lang="en-US" sz="1000" b="0" baseline="0" dirty="0" smtClean="0"/>
+                        <a:t> Protein Signaling Pathways Homo sapiens </a:t>
+                      </a:r>
+                      <a:r>
+                        <a:rPr lang="en-US" sz="1000" b="0" dirty="0" smtClean="0"/>
+                        <a:t>WP35</a:t>
+                      </a:r>
+                    </a:p>
+                    <a:p>
+                      <a:pPr marL="0" marR="0" indent="0" algn="l" defTabSz="457200" rtl="0" eaLnBrk="1" fontAlgn="auto" latinLnBrk="0" hangingPunct="1">
+                        <a:lnSpc>
+                          <a:spcPct val="100000"/>
+                        </a:lnSpc>
+                        <a:spcBef>
+                          <a:spcPts val="0"/>
+                        </a:spcBef>
+                        <a:spcAft>
+                          <a:spcPts val="0"/>
+                        </a:spcAft>
+                        <a:buClrTx/>
+                        <a:buSzTx/>
+                        <a:buFontTx/>
+                        <a:buNone/>
+                        <a:tabLst/>
+                        <a:defRPr/>
+                      </a:pPr>
+                      <a:r>
+                        <a:rPr lang="en-US" sz="1000" b="0" i="1" dirty="0" smtClean="0"/>
+                        <a:t>(0.08)</a:t>
+                      </a:r>
+                      <a:endParaRPr lang="en-US" sz="1000" b="0" i="1" baseline="0" dirty="0" smtClean="0"/>
+                    </a:p>
+                  </a:txBody>
+                  <a:tcPr/>
+                </a:tc>
+                <a:tc>
+                  <a:txBody>
+                    <a:bodyPr/>
+                    <a:lstStyle/>
+                    <a:p>
+                      <a:pPr algn="l"/>
+                      <a:r>
+                        <a:rPr lang="en-US" sz="1000" b="0" dirty="0" smtClean="0"/>
+                        <a:t>G</a:t>
+                      </a:r>
+                      <a:r>
+                        <a:rPr lang="en-US" sz="1000" b="0" baseline="0" dirty="0" smtClean="0"/>
+                        <a:t> </a:t>
+                      </a:r>
+                      <a:r>
+                        <a:rPr lang="en-US" sz="1000" b="0" baseline="0" dirty="0" err="1" smtClean="0"/>
+                        <a:t>beta:gamma</a:t>
+                      </a:r>
+                      <a:r>
+                        <a:rPr lang="en-US" sz="1000" b="0" baseline="0" dirty="0" smtClean="0"/>
+                        <a:t> signalling through PLC beta Homo sapiens R-HSA-418217</a:t>
+                      </a:r>
+                    </a:p>
+                    <a:p>
+                      <a:pPr algn="l"/>
+                      <a:r>
+                        <a:rPr lang="en-US" sz="1000" b="1" baseline="0" dirty="0" smtClean="0"/>
+                        <a:t>(0.01)</a:t>
+                      </a:r>
+                      <a:endParaRPr lang="en-US" sz="1000" b="1" dirty="0"/>
+                    </a:p>
+                  </a:txBody>
+                  <a:tcPr/>
+                </a:tc>
+                <a:tc>
+                  <a:txBody>
+                    <a:bodyPr/>
+                    <a:lstStyle/>
+                    <a:p>
+                      <a:pPr marL="0" marR="0" indent="0" algn="ctr" defTabSz="457200" rtl="0" eaLnBrk="1" fontAlgn="auto" latinLnBrk="0" hangingPunct="1">
+                        <a:lnSpc>
+                          <a:spcPct val="100000"/>
+                        </a:lnSpc>
+                        <a:spcBef>
+                          <a:spcPts val="0"/>
+                        </a:spcBef>
+                        <a:spcAft>
+                          <a:spcPts val="0"/>
+                        </a:spcAft>
+                        <a:buClrTx/>
+                        <a:buSzTx/>
+                        <a:buFontTx/>
+                        <a:buNone/>
+                        <a:tabLst/>
+                        <a:defRPr/>
+                      </a:pPr>
+                      <a:r>
+                        <a:rPr lang="en-US" sz="1000" b="0" dirty="0" smtClean="0"/>
+                        <a:t>X</a:t>
+                      </a:r>
+                    </a:p>
+                  </a:txBody>
+                  <a:tcPr anchor="ctr"/>
+                </a:tc>
+                <a:tc>
+                  <a:txBody>
+                    <a:bodyPr/>
+                    <a:lstStyle/>
+                    <a:p>
+                      <a:r>
+                        <a:rPr lang="en-US" sz="1000" b="0" dirty="0" smtClean="0"/>
+                        <a:t>Outer membrane (</a:t>
+                      </a:r>
+                      <a:r>
+                        <a:rPr lang="en-US" sz="1000" b="0" dirty="0" smtClean="0"/>
+                        <a:t>GO</a:t>
+                      </a:r>
+                      <a:r>
+                        <a:rPr lang="en-US" sz="1000" b="0" dirty="0" smtClean="0"/>
+                        <a:t>:0019867)</a:t>
+                      </a:r>
+                      <a:endParaRPr lang="en-US" sz="1000" b="0" dirty="0" smtClean="0"/>
+                    </a:p>
+                    <a:p>
+                      <a:r>
+                        <a:rPr lang="en-US" sz="1000" b="1" dirty="0" smtClean="0"/>
+                        <a:t>(0.02)</a:t>
+                      </a:r>
+                      <a:endParaRPr lang="en-US" sz="1000" b="1" i="1" dirty="0"/>
+                    </a:p>
+                  </a:txBody>
+                  <a:tcPr/>
+                </a:tc>
+                <a:tc>
+                  <a:txBody>
+                    <a:bodyPr/>
+                    <a:lstStyle/>
+                    <a:p>
+                      <a:pPr marL="0" marR="0" indent="0" algn="l" defTabSz="457200" rtl="0" eaLnBrk="1" fontAlgn="auto" latinLnBrk="0" hangingPunct="1">
+                        <a:lnSpc>
+                          <a:spcPct val="100000"/>
+                        </a:lnSpc>
+                        <a:spcBef>
+                          <a:spcPts val="0"/>
+                        </a:spcBef>
+                        <a:spcAft>
+                          <a:spcPts val="0"/>
+                        </a:spcAft>
+                        <a:buClrTx/>
+                        <a:buSzTx/>
+                        <a:buFontTx/>
+                        <a:buNone/>
+                        <a:tabLst/>
+                        <a:defRPr/>
+                      </a:pPr>
+                      <a:r>
+                        <a:rPr lang="en-US" sz="1000" b="0" dirty="0" smtClean="0"/>
+                        <a:t>Phosphatidylinositol biphosphate binding (GO:1902936)</a:t>
+                      </a:r>
+                    </a:p>
+                    <a:p>
+                      <a:pPr marL="0" marR="0" indent="0" algn="l" defTabSz="457200" rtl="0" eaLnBrk="1" fontAlgn="auto" latinLnBrk="0" hangingPunct="1">
+                        <a:lnSpc>
+                          <a:spcPct val="100000"/>
+                        </a:lnSpc>
+                        <a:spcBef>
+                          <a:spcPts val="0"/>
+                        </a:spcBef>
+                        <a:spcAft>
+                          <a:spcPts val="0"/>
+                        </a:spcAft>
+                        <a:buClrTx/>
+                        <a:buSzTx/>
+                        <a:buFontTx/>
+                        <a:buNone/>
+                        <a:tabLst/>
+                        <a:defRPr/>
+                      </a:pPr>
+                      <a:r>
+                        <a:rPr lang="en-US" sz="1000" b="1" dirty="0" smtClean="0"/>
+                        <a:t>(0.048)</a:t>
+                      </a:r>
+                    </a:p>
+                  </a:txBody>
+                  <a:tcPr/>
+                </a:tc>
+              </a:tr>
+              <a:tr h="729301">
+                <a:tc>
+                  <a:txBody>
+                    <a:bodyPr/>
+                    <a:lstStyle/>
+                    <a:p>
+                      <a:pPr marL="0" marR="0" indent="0" algn="ctr" defTabSz="457200" rtl="0" eaLnBrk="1" fontAlgn="auto" latinLnBrk="0" hangingPunct="1">
+                        <a:lnSpc>
+                          <a:spcPct val="100000"/>
+                        </a:lnSpc>
+                        <a:spcBef>
+                          <a:spcPts val="0"/>
+                        </a:spcBef>
+                        <a:spcAft>
+                          <a:spcPts val="0"/>
+                        </a:spcAft>
+                        <a:buClrTx/>
+                        <a:buSzTx/>
+                        <a:buFontTx/>
+                        <a:buNone/>
+                        <a:tabLst/>
+                        <a:defRPr/>
+                      </a:pPr>
+                      <a:r>
+                        <a:rPr lang="en-US" sz="1000" b="0" dirty="0" smtClean="0"/>
+                        <a:t>X</a:t>
+                      </a:r>
+                    </a:p>
+                    <a:p>
+                      <a:pPr algn="ctr"/>
+                      <a:endParaRPr lang="en-US" sz="1000" b="0" dirty="0"/>
+                    </a:p>
+                  </a:txBody>
+                  <a:tcPr anchor="ctr"/>
+                </a:tc>
+                <a:tc>
+                  <a:txBody>
+                    <a:bodyPr/>
+                    <a:lstStyle/>
+                    <a:p>
+                      <a:pPr marL="0" marR="0" indent="0" algn="ctr" defTabSz="457200" rtl="0" eaLnBrk="1" fontAlgn="auto" latinLnBrk="0" hangingPunct="1">
+                        <a:lnSpc>
+                          <a:spcPct val="100000"/>
+                        </a:lnSpc>
+                        <a:spcBef>
+                          <a:spcPts val="0"/>
+                        </a:spcBef>
+                        <a:spcAft>
+                          <a:spcPts val="0"/>
+                        </a:spcAft>
+                        <a:buClrTx/>
+                        <a:buSzTx/>
+                        <a:buFontTx/>
+                        <a:buNone/>
+                        <a:tabLst/>
+                        <a:defRPr/>
+                      </a:pPr>
+                      <a:r>
+                        <a:rPr lang="en-US" sz="1000" b="0" dirty="0" smtClean="0"/>
+                        <a:t>X</a:t>
+                      </a:r>
+                      <a:endParaRPr lang="en-US" sz="1000" b="0" i="0" dirty="0"/>
+                    </a:p>
+                  </a:txBody>
+                  <a:tcPr anchor="ctr"/>
+                </a:tc>
+                <a:tc>
+                  <a:txBody>
+                    <a:bodyPr/>
+                    <a:lstStyle/>
+                    <a:p>
+                      <a:pPr algn="l"/>
+                      <a:r>
+                        <a:rPr lang="en-US" sz="1000" b="0" dirty="0" smtClean="0"/>
+                        <a:t>Presynaptic function of </a:t>
+                      </a:r>
+                      <a:r>
+                        <a:rPr lang="en-US" sz="1000" b="0" dirty="0" err="1" smtClean="0"/>
+                        <a:t>Kainate</a:t>
+                      </a:r>
+                      <a:r>
+                        <a:rPr lang="en-US" sz="1000" b="0" dirty="0" smtClean="0"/>
+                        <a:t> receptors Homo sapiens R-HSA-500657</a:t>
+                      </a:r>
+                    </a:p>
+                    <a:p>
+                      <a:pPr algn="l"/>
+                      <a:r>
+                        <a:rPr lang="en-US" sz="1000" b="1" dirty="0" smtClean="0"/>
+                        <a:t>(0.04)</a:t>
+                      </a:r>
+                      <a:endParaRPr lang="en-US" sz="1000" b="1" dirty="0"/>
+                    </a:p>
+                  </a:txBody>
+                  <a:tcPr/>
+                </a:tc>
+                <a:tc>
+                  <a:txBody>
+                    <a:bodyPr/>
+                    <a:lstStyle/>
+                    <a:p>
+                      <a:pPr marL="0" marR="0" indent="0" algn="ctr" defTabSz="457200" rtl="0" eaLnBrk="1" fontAlgn="auto" latinLnBrk="0" hangingPunct="1">
+                        <a:lnSpc>
+                          <a:spcPct val="100000"/>
+                        </a:lnSpc>
+                        <a:spcBef>
+                          <a:spcPts val="0"/>
+                        </a:spcBef>
+                        <a:spcAft>
+                          <a:spcPts val="0"/>
+                        </a:spcAft>
+                        <a:buClrTx/>
+                        <a:buSzTx/>
+                        <a:buFontTx/>
+                        <a:buNone/>
+                        <a:tabLst/>
+                        <a:defRPr/>
+                      </a:pPr>
+                      <a:r>
+                        <a:rPr lang="en-US" sz="1000" b="0" dirty="0" smtClean="0"/>
+                        <a:t>X</a:t>
+                      </a:r>
+                    </a:p>
+                  </a:txBody>
+                  <a:tcPr anchor="ctr"/>
+                </a:tc>
+                <a:tc>
+                  <a:txBody>
+                    <a:bodyPr/>
+                    <a:lstStyle/>
+                    <a:p>
+                      <a:pPr marL="0" marR="0" indent="0" algn="l" defTabSz="457200" rtl="0" eaLnBrk="1" fontAlgn="auto" latinLnBrk="0" hangingPunct="1">
+                        <a:lnSpc>
+                          <a:spcPct val="100000"/>
+                        </a:lnSpc>
+                        <a:spcBef>
+                          <a:spcPts val="0"/>
+                        </a:spcBef>
+                        <a:spcAft>
+                          <a:spcPts val="0"/>
+                        </a:spcAft>
+                        <a:buClrTx/>
+                        <a:buSzTx/>
+                        <a:buFontTx/>
+                        <a:buNone/>
+                        <a:tabLst/>
+                        <a:defRPr/>
+                      </a:pPr>
+                      <a:r>
+                        <a:rPr lang="en-US" sz="1000" b="0" dirty="0" smtClean="0"/>
+                        <a:t>Organelle outer membrane </a:t>
+                      </a:r>
+                      <a:r>
+                        <a:rPr lang="en-US" sz="1000" b="0" baseline="0" dirty="0" smtClean="0"/>
+                        <a:t>(</a:t>
+                      </a:r>
+                      <a:r>
+                        <a:rPr lang="en-US" sz="1000" b="0" baseline="0" dirty="0" smtClean="0"/>
+                        <a:t>GO</a:t>
+                      </a:r>
+                      <a:r>
+                        <a:rPr lang="en-US" sz="1000" b="0" baseline="0" dirty="0" smtClean="0"/>
+                        <a:t>:0031975)</a:t>
+                      </a:r>
+                      <a:endParaRPr lang="en-US" sz="1000" b="0" baseline="0" dirty="0" smtClean="0"/>
                     </a:p>
                     <a:p>
                       <a:pPr marL="0" marR="0" indent="0" algn="l" defTabSz="457200" rtl="0" eaLnBrk="1" fontAlgn="auto" latinLnBrk="0" hangingPunct="1">
@@ -3572,17 +6049,45 @@
                       </a:r>
                       <a:r>
                         <a:rPr lang="en-US" sz="1000" b="1" baseline="0" dirty="0" smtClean="0"/>
-                        <a:t>1.3e-3</a:t>
-                      </a:r>
-                      <a:r>
-                        <a:rPr lang="en-US" sz="1000" b="1" baseline="0" dirty="0" smtClean="0"/>
-                        <a:t>)</a:t>
+                        <a:t>0.02)</a:t>
                       </a:r>
                       <a:endParaRPr lang="en-US" sz="1000" b="1" baseline="0" dirty="0" smtClean="0"/>
                     </a:p>
                   </a:txBody>
                   <a:tcPr/>
                 </a:tc>
+                <a:tc>
+                  <a:txBody>
+                    <a:bodyPr/>
+                    <a:lstStyle/>
+                    <a:p>
+                      <a:pPr marL="0" marR="0" indent="0" algn="ctr" defTabSz="457200" rtl="0" eaLnBrk="1" fontAlgn="auto" latinLnBrk="0" hangingPunct="1">
+                        <a:lnSpc>
+                          <a:spcPct val="100000"/>
+                        </a:lnSpc>
+                        <a:spcBef>
+                          <a:spcPts val="0"/>
+                        </a:spcBef>
+                        <a:spcAft>
+                          <a:spcPts val="0"/>
+                        </a:spcAft>
+                        <a:buClrTx/>
+                        <a:buSzTx/>
+                        <a:buFontTx/>
+                        <a:buNone/>
+                        <a:tabLst/>
+                        <a:defRPr/>
+                      </a:pPr>
+                      <a:r>
+                        <a:rPr lang="en-US" sz="1000" b="0" dirty="0" smtClean="0"/>
+                        <a:t>X</a:t>
+                      </a:r>
+                    </a:p>
+                  </a:txBody>
+                  <a:tcPr anchor="ctr"/>
+                </a:tc>
+              </a:tr>
+              <a:tr h="708647">
                 <a:tc>
                   <a:txBody>
                     <a:bodyPr/>
@@ -3622,61 +6127,269 @@
                     <a:bodyPr/>
                     <a:lstStyle/>
                     <a:p>
-                      <a:pPr marL="0" marR="0" indent="0" algn="l" defTabSz="457200" rtl="0" eaLnBrk="1" fontAlgn="auto" latinLnBrk="0" hangingPunct="1">
-                        <a:lnSpc>
-                          <a:spcPct val="100000"/>
-                        </a:lnSpc>
-                        <a:spcBef>
-                          <a:spcPts val="0"/>
-                        </a:spcBef>
-                        <a:spcAft>
-                          <a:spcPts val="0"/>
-                        </a:spcAft>
-                        <a:buClrTx/>
-                        <a:buSzTx/>
-                        <a:buFontTx/>
-                        <a:buNone/>
-                        <a:tabLst/>
-                        <a:defRPr/>
-                      </a:pPr>
-                      <a:r>
-                        <a:rPr lang="en-US" sz="1000" b="0" dirty="0" smtClean="0"/>
-                        <a:t>mRNA </a:t>
-                      </a:r>
-                      <a:r>
-                        <a:rPr lang="en-US" sz="1000" b="0" dirty="0" smtClean="0"/>
-                        <a:t>processing (GO:0006397)</a:t>
-                      </a:r>
-                    </a:p>
-                    <a:p>
-                      <a:pPr marL="0" marR="0" indent="0" algn="l" defTabSz="457200" rtl="0" eaLnBrk="1" fontAlgn="auto" latinLnBrk="0" hangingPunct="1">
-                        <a:lnSpc>
-                          <a:spcPct val="100000"/>
-                        </a:lnSpc>
-                        <a:spcBef>
-                          <a:spcPts val="0"/>
-                        </a:spcBef>
-                        <a:spcAft>
-                          <a:spcPts val="0"/>
-                        </a:spcAft>
-                        <a:buClrTx/>
-                        <a:buSzTx/>
-                        <a:buFontTx/>
-                        <a:buNone/>
-                        <a:tabLst/>
-                        <a:defRPr/>
-                      </a:pPr>
-                      <a:r>
-                        <a:rPr lang="en-US" sz="1000" b="1" dirty="0" smtClean="0"/>
+                      <a:pPr marL="0" marR="0" indent="0" algn="ctr" defTabSz="457200" rtl="0" eaLnBrk="1" fontAlgn="auto" latinLnBrk="0" hangingPunct="1">
+                        <a:lnSpc>
+                          <a:spcPct val="100000"/>
+                        </a:lnSpc>
+                        <a:spcBef>
+                          <a:spcPts val="0"/>
+                        </a:spcBef>
+                        <a:spcAft>
+                          <a:spcPts val="0"/>
+                        </a:spcAft>
+                        <a:buClrTx/>
+                        <a:buSzTx/>
+                        <a:buFontTx/>
+                        <a:buNone/>
+                        <a:tabLst/>
+                        <a:defRPr/>
+                      </a:pPr>
+                      <a:r>
+                        <a:rPr lang="en-US" sz="1000" b="0" dirty="0" smtClean="0"/>
+                        <a:t>X</a:t>
+                      </a:r>
+                    </a:p>
+                  </a:txBody>
+                  <a:tcPr anchor="ctr"/>
+                </a:tc>
+                <a:tc>
+                  <a:txBody>
+                    <a:bodyPr/>
+                    <a:lstStyle/>
+                    <a:p>
+                      <a:pPr algn="l"/>
+                      <a:r>
+                        <a:rPr lang="en-US" sz="1000" b="0" dirty="0" smtClean="0"/>
+                        <a:t>Ca2+ pathway Homo</a:t>
+                      </a:r>
+                      <a:r>
+                        <a:rPr lang="en-US" sz="1000" b="0" baseline="0" dirty="0" smtClean="0"/>
+                        <a:t> sapiens R-HSA-4086398</a:t>
+                      </a:r>
+                    </a:p>
+                    <a:p>
+                      <a:pPr algn="l"/>
+                      <a:r>
+                        <a:rPr lang="en-US" sz="1000" b="1" baseline="0" dirty="0" smtClean="0"/>
+                        <a:t>(0.04)</a:t>
+                      </a:r>
+                      <a:endParaRPr lang="en-US" sz="1000" b="1" dirty="0"/>
+                    </a:p>
+                  </a:txBody>
+                  <a:tcPr/>
+                </a:tc>
+                <a:tc>
+                  <a:txBody>
+                    <a:bodyPr/>
+                    <a:lstStyle/>
+                    <a:p>
+                      <a:pPr marL="0" marR="0" indent="0" algn="ctr" defTabSz="457200" rtl="0" eaLnBrk="1" fontAlgn="auto" latinLnBrk="0" hangingPunct="1">
+                        <a:lnSpc>
+                          <a:spcPct val="100000"/>
+                        </a:lnSpc>
+                        <a:spcBef>
+                          <a:spcPts val="0"/>
+                        </a:spcBef>
+                        <a:spcAft>
+                          <a:spcPts val="0"/>
+                        </a:spcAft>
+                        <a:buClrTx/>
+                        <a:buSzTx/>
+                        <a:buFontTx/>
+                        <a:buNone/>
+                        <a:tabLst/>
+                        <a:defRPr/>
+                      </a:pPr>
+                      <a:r>
+                        <a:rPr lang="en-US" sz="1000" b="0" dirty="0" smtClean="0"/>
+                        <a:t>X</a:t>
+                      </a:r>
+                    </a:p>
+                  </a:txBody>
+                  <a:tcPr anchor="ctr"/>
+                </a:tc>
+                <a:tc>
+                  <a:txBody>
+                    <a:bodyPr/>
+                    <a:lstStyle/>
+                    <a:p>
+                      <a:r>
+                        <a:rPr lang="en-US" sz="1050" dirty="0" smtClean="0"/>
+                        <a:t>Synaptic vesicle</a:t>
+                      </a:r>
+                      <a:r>
+                        <a:rPr lang="en-US" sz="1050" baseline="0" dirty="0" smtClean="0"/>
+                        <a:t> (</a:t>
+                      </a:r>
+                      <a:r>
+                        <a:rPr lang="en-US" sz="1050" baseline="0" dirty="0" smtClean="0"/>
+                        <a:t>GO</a:t>
+                      </a:r>
+                      <a:r>
+                        <a:rPr lang="en-US" sz="1050" baseline="0" dirty="0" smtClean="0"/>
+                        <a:t>:0008021)</a:t>
+                      </a:r>
+                      <a:endParaRPr lang="en-US" sz="1050" baseline="0" dirty="0" smtClean="0"/>
+                    </a:p>
+                    <a:p>
+                      <a:r>
+                        <a:rPr lang="en-US" sz="1050" b="1" baseline="0" dirty="0" smtClean="0"/>
                         <a:t>(</a:t>
                       </a:r>
                       <a:r>
-                        <a:rPr lang="en-US" sz="1000" b="1" dirty="0" smtClean="0"/>
-                        <a:t>1.5e-4</a:t>
-                      </a:r>
-                      <a:r>
-                        <a:rPr lang="en-US" sz="1000" b="1" dirty="0" smtClean="0"/>
-                        <a:t>)</a:t>
+                        <a:rPr lang="en-US" sz="1050" b="1" baseline="0" dirty="0" smtClean="0"/>
+                        <a:t>0.048)</a:t>
+                      </a:r>
+                      <a:endParaRPr lang="en-US" sz="1050" b="1" dirty="0"/>
+                    </a:p>
+                  </a:txBody>
+                  <a:tcPr/>
+                </a:tc>
+                <a:tc>
+                  <a:txBody>
+                    <a:bodyPr/>
+                    <a:lstStyle/>
+                    <a:p>
+                      <a:pPr marL="0" marR="0" indent="0" algn="ctr" defTabSz="457200" rtl="0" eaLnBrk="1" fontAlgn="auto" latinLnBrk="0" hangingPunct="1">
+                        <a:lnSpc>
+                          <a:spcPct val="100000"/>
+                        </a:lnSpc>
+                        <a:spcBef>
+                          <a:spcPts val="0"/>
+                        </a:spcBef>
+                        <a:spcAft>
+                          <a:spcPts val="0"/>
+                        </a:spcAft>
+                        <a:buClrTx/>
+                        <a:buSzTx/>
+                        <a:buFontTx/>
+                        <a:buNone/>
+                        <a:tabLst/>
+                        <a:defRPr/>
+                      </a:pPr>
+                      <a:r>
+                        <a:rPr lang="en-US" sz="1000" b="0" dirty="0" smtClean="0"/>
+                        <a:t>X</a:t>
+                      </a:r>
+                    </a:p>
+                  </a:txBody>
+                  <a:tcPr anchor="ctr"/>
+                </a:tc>
+              </a:tr>
+              <a:tr h="741774">
+                <a:tc>
+                  <a:txBody>
+                    <a:bodyPr/>
+                    <a:lstStyle/>
+                    <a:p>
+                      <a:pPr marL="0" marR="0" indent="0" algn="ctr" defTabSz="457200" rtl="0" eaLnBrk="1" fontAlgn="auto" latinLnBrk="0" hangingPunct="1">
+                        <a:lnSpc>
+                          <a:spcPct val="100000"/>
+                        </a:lnSpc>
+                        <a:spcBef>
+                          <a:spcPts val="0"/>
+                        </a:spcBef>
+                        <a:spcAft>
+                          <a:spcPts val="0"/>
+                        </a:spcAft>
+                        <a:buClrTx/>
+                        <a:buSzTx/>
+                        <a:buFontTx/>
+                        <a:buNone/>
+                        <a:tabLst/>
+                        <a:defRPr/>
+                      </a:pPr>
+                      <a:r>
+                        <a:rPr lang="en-US" sz="1000" b="0" dirty="0" smtClean="0"/>
+                        <a:t>X</a:t>
+                      </a:r>
+                    </a:p>
+                  </a:txBody>
+                  <a:tcPr anchor="ctr"/>
+                </a:tc>
+                <a:tc>
+                  <a:txBody>
+                    <a:bodyPr/>
+                    <a:lstStyle/>
+                    <a:p>
+                      <a:pPr marL="0" marR="0" indent="0" algn="ctr" defTabSz="457200" rtl="0" eaLnBrk="1" fontAlgn="auto" latinLnBrk="0" hangingPunct="1">
+                        <a:lnSpc>
+                          <a:spcPct val="100000"/>
+                        </a:lnSpc>
+                        <a:spcBef>
+                          <a:spcPts val="0"/>
+                        </a:spcBef>
+                        <a:spcAft>
+                          <a:spcPts val="0"/>
+                        </a:spcAft>
+                        <a:buClrTx/>
+                        <a:buSzTx/>
+                        <a:buFontTx/>
+                        <a:buNone/>
+                        <a:tabLst/>
+                        <a:defRPr/>
+                      </a:pPr>
+                      <a:r>
+                        <a:rPr lang="en-US" sz="1000" b="0" dirty="0" smtClean="0"/>
+                        <a:t>X</a:t>
+                      </a:r>
+                      <a:endParaRPr lang="en-US" sz="1000" b="0" i="0" dirty="0"/>
+                    </a:p>
+                  </a:txBody>
+                  <a:tcPr anchor="ctr"/>
+                </a:tc>
+                <a:tc>
+                  <a:txBody>
+                    <a:bodyPr/>
+                    <a:lstStyle/>
+                    <a:p>
+                      <a:pPr marL="0" marR="0" indent="0" algn="l" defTabSz="457200" rtl="0" eaLnBrk="1" fontAlgn="auto" latinLnBrk="0" hangingPunct="1">
+                        <a:lnSpc>
+                          <a:spcPct val="100000"/>
+                        </a:lnSpc>
+                        <a:spcBef>
+                          <a:spcPts val="0"/>
+                        </a:spcBef>
+                        <a:spcAft>
+                          <a:spcPts val="0"/>
+                        </a:spcAft>
+                        <a:buClrTx/>
+                        <a:buSzTx/>
+                        <a:buFontTx/>
+                        <a:buNone/>
+                        <a:tabLst/>
+                        <a:defRPr/>
+                      </a:pPr>
+                      <a:r>
+                        <a:rPr lang="en-US" sz="1000" b="0" dirty="0" smtClean="0"/>
+                        <a:t>Metabolism</a:t>
+                      </a:r>
+                      <a:r>
+                        <a:rPr lang="en-US" sz="1000" b="0" baseline="0" dirty="0" smtClean="0"/>
+                        <a:t> Homo sapiens R-HSA-1430728</a:t>
+                      </a:r>
+                    </a:p>
+                    <a:p>
+                      <a:pPr marL="0" marR="0" indent="0" algn="l" defTabSz="457200" rtl="0" eaLnBrk="1" fontAlgn="auto" latinLnBrk="0" hangingPunct="1">
+                        <a:lnSpc>
+                          <a:spcPct val="100000"/>
+                        </a:lnSpc>
+                        <a:spcBef>
+                          <a:spcPts val="0"/>
+                        </a:spcBef>
+                        <a:spcAft>
+                          <a:spcPts val="0"/>
+                        </a:spcAft>
+                        <a:buClrTx/>
+                        <a:buSzTx/>
+                        <a:buFontTx/>
+                        <a:buNone/>
+                        <a:tabLst/>
+                        <a:defRPr/>
+                      </a:pPr>
+                      <a:r>
+                        <a:rPr lang="en-US" sz="1000" b="1" baseline="0" dirty="0" smtClean="0"/>
+                        <a:t>(0.04)</a:t>
                       </a:r>
                       <a:endParaRPr lang="en-US" sz="1000" b="1" dirty="0" smtClean="0"/>
                     </a:p>
@@ -3688,37 +6401,93 @@
                     <a:bodyPr/>
                     <a:lstStyle/>
                     <a:p>
-                      <a:r>
-                        <a:rPr lang="en-US" sz="1000" b="0" dirty="0" smtClean="0"/>
-                        <a:t>Nucleoplasm </a:t>
-                      </a:r>
-                      <a:r>
-                        <a:rPr lang="en-US" sz="1000" b="0" dirty="0" smtClean="0"/>
-                        <a:t>(GO:0005654)</a:t>
-                      </a:r>
-                    </a:p>
-                    <a:p>
-                      <a:r>
-                        <a:rPr lang="en-US" sz="1000" b="1" dirty="0" smtClean="0"/>
-                        <a:t>(5e-3)</a:t>
-                      </a:r>
-                      <a:endParaRPr lang="en-US" sz="1000" b="1" i="1" dirty="0"/>
-                    </a:p>
-                  </a:txBody>
-                  <a:tcPr/>
-                </a:tc>
-                <a:tc>
-                  <a:txBody>
-                    <a:bodyPr/>
-                    <a:lstStyle/>
-                    <a:p>
-                      <a:endParaRPr lang="en-US" sz="1000" b="0" dirty="0"/>
-                    </a:p>
-                  </a:txBody>
-                  <a:tcPr/>
+                      <a:pPr marL="0" marR="0" indent="0" algn="ctr" defTabSz="457200" rtl="0" eaLnBrk="1" fontAlgn="auto" latinLnBrk="0" hangingPunct="1">
+                        <a:lnSpc>
+                          <a:spcPct val="100000"/>
+                        </a:lnSpc>
+                        <a:spcBef>
+                          <a:spcPts val="0"/>
+                        </a:spcBef>
+                        <a:spcAft>
+                          <a:spcPts val="0"/>
+                        </a:spcAft>
+                        <a:buClrTx/>
+                        <a:buSzTx/>
+                        <a:buFontTx/>
+                        <a:buNone/>
+                        <a:tabLst/>
+                        <a:defRPr/>
+                      </a:pPr>
+                      <a:r>
+                        <a:rPr lang="en-US" sz="1000" b="0" dirty="0" smtClean="0"/>
+                        <a:t>X</a:t>
+                      </a:r>
+                    </a:p>
+                  </a:txBody>
+                  <a:tcPr anchor="ctr"/>
+                </a:tc>
+                <a:tc>
+                  <a:txBody>
+                    <a:bodyPr/>
+                    <a:lstStyle/>
+                    <a:p>
+                      <a:pPr marL="0" marR="0" indent="0" algn="ctr" defTabSz="457200" rtl="0" eaLnBrk="1" fontAlgn="auto" latinLnBrk="0" hangingPunct="1">
+                        <a:lnSpc>
+                          <a:spcPct val="100000"/>
+                        </a:lnSpc>
+                        <a:spcBef>
+                          <a:spcPts val="0"/>
+                        </a:spcBef>
+                        <a:spcAft>
+                          <a:spcPts val="0"/>
+                        </a:spcAft>
+                        <a:buClrTx/>
+                        <a:buSzTx/>
+                        <a:buFontTx/>
+                        <a:buNone/>
+                        <a:tabLst/>
+                        <a:defRPr/>
+                      </a:pPr>
+                      <a:r>
+                        <a:rPr lang="en-US" sz="1000" b="0" dirty="0" smtClean="0"/>
+                        <a:t>X</a:t>
+                      </a:r>
+                    </a:p>
+                  </a:txBody>
+                  <a:tcPr anchor="ctr"/>
+                </a:tc>
+                <a:tc>
+                  <a:txBody>
+                    <a:bodyPr/>
+                    <a:lstStyle/>
+                    <a:p>
+                      <a:pPr marL="0" marR="0" indent="0" algn="ctr" defTabSz="457200" rtl="0" eaLnBrk="1" fontAlgn="auto" latinLnBrk="0" hangingPunct="1">
+                        <a:lnSpc>
+                          <a:spcPct val="100000"/>
+                        </a:lnSpc>
+                        <a:spcBef>
+                          <a:spcPts val="0"/>
+                        </a:spcBef>
+                        <a:spcAft>
+                          <a:spcPts val="0"/>
+                        </a:spcAft>
+                        <a:buClrTx/>
+                        <a:buSzTx/>
+                        <a:buFontTx/>
+                        <a:buNone/>
+                        <a:tabLst/>
+                        <a:defRPr/>
+                      </a:pPr>
+                      <a:r>
+                        <a:rPr lang="en-US" sz="1000" b="0" dirty="0" smtClean="0"/>
+                        <a:t>X</a:t>
+                      </a:r>
+                    </a:p>
+                  </a:txBody>
+                  <a:tcPr anchor="ctr"/>
                 </a:tc>
               </a:tr>
-              <a:tr h="696577">
+              <a:tr h="648044">
                 <a:tc>
                   <a:txBody>
                     <a:bodyPr/>
@@ -3758,63 +6527,6 @@
                     <a:bodyPr/>
                     <a:lstStyle/>
                     <a:p>
-                      <a:pPr marL="0" marR="0" indent="0" algn="l" defTabSz="457200" rtl="0" eaLnBrk="1" fontAlgn="auto" latinLnBrk="0" hangingPunct="1">
-                        <a:lnSpc>
-                          <a:spcPct val="100000"/>
-                        </a:lnSpc>
-                        <a:spcBef>
-                          <a:spcPts val="0"/>
-                        </a:spcBef>
-                        <a:spcAft>
-                          <a:spcPts val="0"/>
-                        </a:spcAft>
-                        <a:buClrTx/>
-                        <a:buSzTx/>
-                        <a:buFontTx/>
-                        <a:buNone/>
-                        <a:tabLst/>
-                        <a:defRPr/>
-                      </a:pPr>
-                      <a:r>
-                        <a:rPr lang="en-US" sz="1000" b="0" dirty="0" smtClean="0"/>
-                        <a:t>mRNA Processing</a:t>
-                      </a:r>
-                      <a:r>
-                        <a:rPr lang="en-US" sz="1000" b="0" baseline="0" dirty="0" smtClean="0"/>
-                        <a:t> Homo sapiens WP61 </a:t>
-                      </a:r>
-                    </a:p>
-                    <a:p>
-                      <a:pPr marL="0" marR="0" indent="0" algn="l" defTabSz="457200" rtl="0" eaLnBrk="1" fontAlgn="auto" latinLnBrk="0" hangingPunct="1">
-                        <a:lnSpc>
-                          <a:spcPct val="100000"/>
-                        </a:lnSpc>
-                        <a:spcBef>
-                          <a:spcPts val="0"/>
-                        </a:spcBef>
-                        <a:spcAft>
-                          <a:spcPts val="0"/>
-                        </a:spcAft>
-                        <a:buClrTx/>
-                        <a:buSzTx/>
-                        <a:buFontTx/>
-                        <a:buNone/>
-                        <a:tabLst/>
-                        <a:defRPr/>
-                      </a:pPr>
-                      <a:r>
-                        <a:rPr lang="en-US" sz="1000" b="1" baseline="0" dirty="0" smtClean="0"/>
-                        <a:t>(1.3e-3)</a:t>
-                      </a:r>
-                    </a:p>
-                  </a:txBody>
-                  <a:tcPr/>
-                </a:tc>
-                <a:tc>
-                  <a:txBody>
-                    <a:bodyPr/>
-                    <a:lstStyle/>
-                    <a:p>
                       <a:pPr marL="0" marR="0" indent="0" algn="ctr" defTabSz="457200" rtl="0" eaLnBrk="1" fontAlgn="auto" latinLnBrk="0" hangingPunct="1">
                         <a:lnSpc>
                           <a:spcPct val="100000"/>
@@ -3868,77 +6580,11 @@
                       </a:pPr>
                       <a:r>
                         <a:rPr lang="en-US" sz="1000" b="0" dirty="0" smtClean="0"/>
-                        <a:t>RNA splicing </a:t>
-                      </a:r>
-                      <a:r>
-                        <a:rPr lang="en-US" sz="1000" b="0" dirty="0" smtClean="0"/>
-                        <a:t>(GO:0008380)</a:t>
-                      </a:r>
-                    </a:p>
-                    <a:p>
-                      <a:pPr marL="0" marR="0" indent="0" algn="l" defTabSz="457200" rtl="0" eaLnBrk="1" fontAlgn="auto" latinLnBrk="0" hangingPunct="1">
-                        <a:lnSpc>
-                          <a:spcPct val="100000"/>
-                        </a:lnSpc>
-                        <a:spcBef>
-                          <a:spcPts val="0"/>
-                        </a:spcBef>
-                        <a:spcAft>
-                          <a:spcPts val="0"/>
-                        </a:spcAft>
-                        <a:buClrTx/>
-                        <a:buSzTx/>
-                        <a:buFontTx/>
-                        <a:buNone/>
-                        <a:tabLst/>
-                        <a:defRPr/>
-                      </a:pPr>
-                      <a:r>
-                        <a:rPr lang="en-US" sz="1000" b="1" dirty="0" smtClean="0"/>
-                        <a:t>(1.5e-4)</a:t>
-                      </a:r>
-                      <a:endParaRPr lang="en-US" sz="1000" b="1" dirty="0" smtClean="0"/>
-                    </a:p>
-                  </a:txBody>
-                  <a:tcPr/>
-                </a:tc>
-                <a:tc>
-                  <a:txBody>
-                    <a:bodyPr/>
-                    <a:lstStyle/>
-                    <a:p>
-                      <a:pPr marL="0" marR="0" indent="0" algn="l" defTabSz="457200" rtl="0" eaLnBrk="1" fontAlgn="auto" latinLnBrk="0" hangingPunct="1">
-                        <a:lnSpc>
-                          <a:spcPct val="100000"/>
-                        </a:lnSpc>
-                        <a:spcBef>
-                          <a:spcPts val="0"/>
-                        </a:spcBef>
-                        <a:spcAft>
-                          <a:spcPts val="0"/>
-                        </a:spcAft>
-                        <a:buClrTx/>
-                        <a:buSzTx/>
-                        <a:buFontTx/>
-                        <a:buNone/>
-                        <a:tabLst/>
-                        <a:defRPr/>
-                      </a:pPr>
-                      <a:r>
-                        <a:rPr lang="en-US" sz="1000" b="0" dirty="0" smtClean="0"/>
-                        <a:t>Cell-substrate </a:t>
-                      </a:r>
-                      <a:r>
-                        <a:rPr lang="en-US" sz="1000" b="0" dirty="0" err="1" smtClean="0"/>
-                        <a:t>adherens</a:t>
+                        <a:t>DARPP-32</a:t>
                       </a:r>
                       <a:r>
                         <a:rPr lang="en-US" sz="1000" b="0" baseline="0" dirty="0" smtClean="0"/>
-                        <a:t> junction </a:t>
-                      </a:r>
-                      <a:r>
-                        <a:rPr lang="en-US" sz="1000" b="0" baseline="0" dirty="0" smtClean="0"/>
-                        <a:t>(GO:0005924)</a:t>
+                        <a:t> events Homo sapiens R-HSA-180024</a:t>
                       </a:r>
                     </a:p>
                     <a:p>
@@ -3961,33 +6607,13 @@
                       </a:pPr>
                       <a:r>
                         <a:rPr lang="en-US" sz="1000" b="1" baseline="0" dirty="0" smtClean="0"/>
-                        <a:t>(</a:t>
-                      </a:r>
-                      <a:r>
-                        <a:rPr lang="en-US" sz="1000" b="1" baseline="0" dirty="0" smtClean="0"/>
-                        <a:t>0.01</a:t>
-                      </a:r>
-                      <a:r>
-                        <a:rPr lang="en-US" sz="1000" b="1" baseline="0" dirty="0" smtClean="0"/>
-                        <a:t>)</a:t>
-                      </a:r>
-                      <a:endParaRPr lang="en-US" sz="1000" b="1" baseline="0" dirty="0" smtClean="0"/>
-                    </a:p>
-                  </a:txBody>
-                  <a:tcPr/>
-                </a:tc>
-                <a:tc>
-                  <a:txBody>
-                    <a:bodyPr/>
-                    <a:lstStyle/>
-                    <a:p>
-                      <a:endParaRPr lang="en-US" sz="1000" b="0"/>
-                    </a:p>
-                  </a:txBody>
-                  <a:tcPr/>
-                </a:tc>
-              </a:tr>
-              <a:tr h="676849">
+                        <a:t>(0.04)</a:t>
+                      </a:r>
+                      <a:endParaRPr lang="en-US" sz="1000" b="1" dirty="0"/>
+                    </a:p>
+                  </a:txBody>
+                  <a:tcPr/>
+                </a:tc>
                 <a:tc>
                   <a:txBody>
                     <a:bodyPr/>
@@ -4015,10 +6641,6 @@
                         <a:t>X</a:t>
                       </a:r>
                     </a:p>
-                    <a:p>
-                      <a:pPr algn="ctr"/>
-                      <a:endParaRPr lang="en-US" sz="1000" b="0" dirty="0"/>
-                    </a:p>
                   </a:txBody>
                   <a:tcPr anchor="ctr"/>
                 </a:tc>
@@ -4027,88 +6649,6 @@
                     <a:bodyPr/>
                     <a:lstStyle/>
                     <a:p>
-                      <a:pPr marL="0" marR="0" indent="0" algn="l" defTabSz="457200" rtl="0" eaLnBrk="1" fontAlgn="auto" latinLnBrk="0" hangingPunct="1">
-                        <a:lnSpc>
-                          <a:spcPct val="100000"/>
-                        </a:lnSpc>
-                        <a:spcBef>
-                          <a:spcPts val="0"/>
-                        </a:spcBef>
-                        <a:spcAft>
-                          <a:spcPts val="0"/>
-                        </a:spcAft>
-                        <a:buClrTx/>
-                        <a:buSzTx/>
-                        <a:buFontTx/>
-                        <a:buNone/>
-                        <a:tabLst/>
-                        <a:defRPr/>
-                      </a:pPr>
-                      <a:r>
-                        <a:rPr lang="en-US" sz="1000" b="0" dirty="0" err="1" smtClean="0"/>
-                        <a:t>PluriNetWork</a:t>
-                      </a:r>
-                      <a:r>
-                        <a:rPr lang="en-US" sz="1000" b="0" baseline="0" dirty="0" smtClean="0"/>
-                        <a:t> </a:t>
-                      </a:r>
-                      <a:r>
-                        <a:rPr lang="en-US" sz="1000" b="0" baseline="0" dirty="0" err="1" smtClean="0"/>
-                        <a:t>Mus</a:t>
-                      </a:r>
-                      <a:r>
-                        <a:rPr lang="en-US" sz="1000" b="0" baseline="0" dirty="0" smtClean="0"/>
-                        <a:t> </a:t>
-                      </a:r>
-                      <a:r>
-                        <a:rPr lang="en-US" sz="1000" b="0" baseline="0" dirty="0" err="1" smtClean="0"/>
-                        <a:t>musculus</a:t>
-                      </a:r>
-                      <a:r>
-                        <a:rPr lang="en-US" sz="1000" b="0" baseline="0" dirty="0" smtClean="0"/>
-                        <a:t> WP1763</a:t>
-                      </a:r>
-                    </a:p>
-                    <a:p>
-                      <a:pPr marL="0" marR="0" indent="0" algn="l" defTabSz="457200" rtl="0" eaLnBrk="1" fontAlgn="auto" latinLnBrk="0" hangingPunct="1">
-                        <a:lnSpc>
-                          <a:spcPct val="100000"/>
-                        </a:lnSpc>
-                        <a:spcBef>
-                          <a:spcPts val="0"/>
-                        </a:spcBef>
-                        <a:spcAft>
-                          <a:spcPts val="0"/>
-                        </a:spcAft>
-                        <a:buClrTx/>
-                        <a:buSzTx/>
-                        <a:buFontTx/>
-                        <a:buNone/>
-                        <a:tabLst/>
-                        <a:defRPr/>
-                      </a:pPr>
-                      <a:r>
-                        <a:rPr lang="en-US" sz="1000" b="0" i="1" baseline="0" dirty="0" smtClean="0"/>
-                        <a:t>(</a:t>
-                      </a:r>
-                      <a:r>
-                        <a:rPr lang="en-US" sz="1000" b="0" i="1" baseline="0" dirty="0" smtClean="0"/>
-                        <a:t>0.08</a:t>
-                      </a:r>
-                      <a:r>
-                        <a:rPr lang="en-US" sz="1000" b="0" i="1" baseline="0" dirty="0" smtClean="0"/>
-                        <a:t>)</a:t>
-                      </a:r>
-                      <a:endParaRPr lang="en-US" sz="1000" b="0" i="1" baseline="0" dirty="0" smtClean="0"/>
-                    </a:p>
-                  </a:txBody>
-                  <a:tcPr/>
-                </a:tc>
-                <a:tc>
-                  <a:txBody>
-                    <a:bodyPr/>
-                    <a:lstStyle/>
-                    <a:p>
                       <a:pPr marL="0" marR="0" indent="0" algn="ctr" defTabSz="457200" rtl="0" eaLnBrk="1" fontAlgn="auto" latinLnBrk="0" hangingPunct="1">
                         <a:lnSpc>
                           <a:spcPct val="100000"/>
@@ -4131,10 +6671,6 @@
                         <a:t>X</a:t>
                       </a:r>
                     </a:p>
-                    <a:p>
-                      <a:pPr algn="ctr"/>
-                      <a:endParaRPr lang="en-US" sz="1000" b="0" dirty="0"/>
-                    </a:p>
                   </a:txBody>
                   <a:tcPr anchor="ctr"/>
                 </a:tc>
@@ -4143,67 +6679,6 @@
                     <a:bodyPr/>
                     <a:lstStyle/>
                     <a:p>
-                      <a:r>
-                        <a:rPr lang="en-US" sz="1000" b="0" dirty="0" smtClean="0"/>
-                        <a:t>RNA splicing via transesterification reactions with bulged adenosine as nucleophile (GO:0000377)</a:t>
-                      </a:r>
-                    </a:p>
-                    <a:p>
-                      <a:r>
-                        <a:rPr lang="en-US" sz="1000" b="1" dirty="0" smtClean="0"/>
-                        <a:t>(5e-4)</a:t>
-                      </a:r>
-                    </a:p>
-                  </a:txBody>
-                  <a:tcPr/>
-                </a:tc>
-                <a:tc>
-                  <a:txBody>
-                    <a:bodyPr/>
-                    <a:lstStyle/>
-                    <a:p>
-                      <a:r>
-                        <a:rPr lang="en-US" sz="1050" dirty="0" smtClean="0"/>
-                        <a:t>cell-substrate</a:t>
-                      </a:r>
-                      <a:r>
-                        <a:rPr lang="en-US" sz="1050" baseline="0" dirty="0" smtClean="0"/>
-                        <a:t> junction </a:t>
-                      </a:r>
-                    </a:p>
-                    <a:p>
-                      <a:r>
-                        <a:rPr lang="en-US" sz="1050" baseline="0" dirty="0" smtClean="0"/>
-                        <a:t>(GO:0030055)</a:t>
-                      </a:r>
-                    </a:p>
-                    <a:p>
-                      <a:r>
-                        <a:rPr lang="en-US" sz="1050" b="1" baseline="0" dirty="0" smtClean="0"/>
-                        <a:t>(0.01)</a:t>
-                      </a:r>
-                      <a:endParaRPr lang="en-US" sz="1050" b="1" dirty="0"/>
-                    </a:p>
-                  </a:txBody>
-                  <a:tcPr/>
-                </a:tc>
-                <a:tc>
-                  <a:txBody>
-                    <a:bodyPr/>
-                    <a:lstStyle/>
-                    <a:p>
-                      <a:endParaRPr lang="en-US" sz="1000" b="0"/>
-                    </a:p>
-                  </a:txBody>
-                  <a:tcPr/>
-                </a:tc>
-              </a:tr>
-              <a:tr h="708490">
-                <a:tc>
-                  <a:txBody>
-                    <a:bodyPr/>
-                    <a:lstStyle/>
-                    <a:p>
                       <a:pPr marL="0" marR="0" indent="0" algn="ctr" defTabSz="457200" rtl="0" eaLnBrk="1" fontAlgn="auto" latinLnBrk="0" hangingPunct="1">
                         <a:lnSpc>
                           <a:spcPct val="100000"/>
@@ -4228,931 +6703,6 @@
                     </a:p>
                   </a:txBody>
                   <a:tcPr anchor="ctr"/>
-                </a:tc>
-                <a:tc>
-                  <a:txBody>
-                    <a:bodyPr/>
-                    <a:lstStyle/>
-                    <a:p>
-                      <a:pPr marL="0" marR="0" indent="0" algn="ctr" defTabSz="457200" rtl="0" eaLnBrk="1" fontAlgn="auto" latinLnBrk="0" hangingPunct="1">
-                        <a:lnSpc>
-                          <a:spcPct val="100000"/>
-                        </a:lnSpc>
-                        <a:spcBef>
-                          <a:spcPts val="0"/>
-                        </a:spcBef>
-                        <a:spcAft>
-                          <a:spcPts val="0"/>
-                        </a:spcAft>
-                        <a:buClrTx/>
-                        <a:buSzTx/>
-                        <a:buFontTx/>
-                        <a:buNone/>
-                        <a:tabLst/>
-                        <a:defRPr/>
-                      </a:pPr>
-                      <a:r>
-                        <a:rPr lang="en-US" sz="1000" b="0" dirty="0" smtClean="0"/>
-                        <a:t>X</a:t>
-                      </a:r>
-                      <a:endParaRPr lang="en-US" sz="1000" b="0" i="0" dirty="0"/>
-                    </a:p>
-                  </a:txBody>
-                  <a:tcPr anchor="ctr"/>
-                </a:tc>
-                <a:tc>
-                  <a:txBody>
-                    <a:bodyPr/>
-                    <a:lstStyle/>
-                    <a:p>
-                      <a:pPr marL="0" marR="0" indent="0" algn="ctr" defTabSz="457200" rtl="0" eaLnBrk="1" fontAlgn="auto" latinLnBrk="0" hangingPunct="1">
-                        <a:lnSpc>
-                          <a:spcPct val="100000"/>
-                        </a:lnSpc>
-                        <a:spcBef>
-                          <a:spcPts val="0"/>
-                        </a:spcBef>
-                        <a:spcAft>
-                          <a:spcPts val="0"/>
-                        </a:spcAft>
-                        <a:buClrTx/>
-                        <a:buSzTx/>
-                        <a:buFontTx/>
-                        <a:buNone/>
-                        <a:tabLst/>
-                        <a:defRPr/>
-                      </a:pPr>
-                      <a:r>
-                        <a:rPr lang="en-US" sz="1000" b="0" dirty="0" smtClean="0"/>
-                        <a:t>X</a:t>
-                      </a:r>
-                    </a:p>
-                  </a:txBody>
-                  <a:tcPr anchor="ctr"/>
-                </a:tc>
-                <a:tc>
-                  <a:txBody>
-                    <a:bodyPr/>
-                    <a:lstStyle/>
-                    <a:p>
-                      <a:r>
-                        <a:rPr lang="en-US" sz="1000" b="0" dirty="0" smtClean="0"/>
-                        <a:t>mRNA splicing, via spliceosome </a:t>
-                      </a:r>
-                    </a:p>
-                    <a:p>
-                      <a:r>
-                        <a:rPr lang="en-US" sz="1000" b="0" dirty="0" smtClean="0"/>
-                        <a:t>(GO:0000398)</a:t>
-                      </a:r>
-                    </a:p>
-                    <a:p>
-                      <a:r>
-                        <a:rPr lang="en-US" sz="1000" b="1" dirty="0" smtClean="0"/>
-                        <a:t>(5e-4)</a:t>
-                      </a:r>
-                    </a:p>
-                  </a:txBody>
-                  <a:tcPr/>
-                </a:tc>
-                <a:tc>
-                  <a:txBody>
-                    <a:bodyPr/>
-                    <a:lstStyle/>
-                    <a:p>
-                      <a:r>
-                        <a:rPr lang="en-US" sz="1000" b="0" dirty="0" smtClean="0"/>
-                        <a:t>Lysosome (GO:0005764)</a:t>
-                      </a:r>
-                    </a:p>
-                    <a:p>
-                      <a:r>
-                        <a:rPr lang="en-US" sz="1000" b="1" dirty="0" smtClean="0"/>
-                        <a:t>(0.01)</a:t>
-                      </a:r>
-                      <a:endParaRPr lang="en-US" sz="1000" b="1" dirty="0"/>
-                    </a:p>
-                  </a:txBody>
-                  <a:tcPr/>
-                </a:tc>
-                <a:tc>
-                  <a:txBody>
-                    <a:bodyPr/>
-                    <a:lstStyle/>
-                    <a:p>
-                      <a:endParaRPr lang="en-US" sz="1000" b="0" dirty="0"/>
-                    </a:p>
-                  </a:txBody>
-                  <a:tcPr/>
-                </a:tc>
-              </a:tr>
-              <a:tr h="618966">
-                <a:tc>
-                  <a:txBody>
-                    <a:bodyPr/>
-                    <a:lstStyle/>
-                    <a:p>
-                      <a:pPr marL="0" marR="0" indent="0" algn="ctr" defTabSz="457200" rtl="0" eaLnBrk="1" fontAlgn="auto" latinLnBrk="0" hangingPunct="1">
-                        <a:lnSpc>
-                          <a:spcPct val="100000"/>
-                        </a:lnSpc>
-                        <a:spcBef>
-                          <a:spcPts val="0"/>
-                        </a:spcBef>
-                        <a:spcAft>
-                          <a:spcPts val="0"/>
-                        </a:spcAft>
-                        <a:buClrTx/>
-                        <a:buSzTx/>
-                        <a:buFontTx/>
-                        <a:buNone/>
-                        <a:tabLst/>
-                        <a:defRPr/>
-                      </a:pPr>
-                      <a:r>
-                        <a:rPr lang="en-US" sz="1000" b="0" dirty="0" smtClean="0"/>
-                        <a:t>X</a:t>
-                      </a:r>
-                    </a:p>
-                    <a:p>
-                      <a:pPr algn="ctr"/>
-                      <a:endParaRPr lang="en-US" sz="1000" b="0" dirty="0"/>
-                    </a:p>
-                  </a:txBody>
-                  <a:tcPr anchor="ctr"/>
-                </a:tc>
-                <a:tc>
-                  <a:txBody>
-                    <a:bodyPr/>
-                    <a:lstStyle/>
-                    <a:p>
-                      <a:pPr marL="0" marR="0" indent="0" algn="ctr" defTabSz="457200" rtl="0" eaLnBrk="1" fontAlgn="auto" latinLnBrk="0" hangingPunct="1">
-                        <a:lnSpc>
-                          <a:spcPct val="100000"/>
-                        </a:lnSpc>
-                        <a:spcBef>
-                          <a:spcPts val="0"/>
-                        </a:spcBef>
-                        <a:spcAft>
-                          <a:spcPts val="0"/>
-                        </a:spcAft>
-                        <a:buClrTx/>
-                        <a:buSzTx/>
-                        <a:buFontTx/>
-                        <a:buNone/>
-                        <a:tabLst/>
-                        <a:defRPr/>
-                      </a:pPr>
-                      <a:r>
-                        <a:rPr lang="en-US" sz="1000" b="0" dirty="0" smtClean="0"/>
-                        <a:t>X</a:t>
-                      </a:r>
-                    </a:p>
-                    <a:p>
-                      <a:pPr algn="ctr"/>
-                      <a:endParaRPr lang="en-US" sz="1000" b="0" dirty="0"/>
-                    </a:p>
-                  </a:txBody>
-                  <a:tcPr anchor="ctr"/>
-                </a:tc>
-                <a:tc>
-                  <a:txBody>
-                    <a:bodyPr/>
-                    <a:lstStyle/>
-                    <a:p>
-                      <a:pPr marL="0" marR="0" indent="0" algn="ctr" defTabSz="457200" rtl="0" eaLnBrk="1" fontAlgn="auto" latinLnBrk="0" hangingPunct="1">
-                        <a:lnSpc>
-                          <a:spcPct val="100000"/>
-                        </a:lnSpc>
-                        <a:spcBef>
-                          <a:spcPts val="0"/>
-                        </a:spcBef>
-                        <a:spcAft>
-                          <a:spcPts val="0"/>
-                        </a:spcAft>
-                        <a:buClrTx/>
-                        <a:buSzTx/>
-                        <a:buFontTx/>
-                        <a:buNone/>
-                        <a:tabLst/>
-                        <a:defRPr/>
-                      </a:pPr>
-                      <a:r>
-                        <a:rPr lang="en-US" sz="1000" b="0" dirty="0" smtClean="0"/>
-                        <a:t>X</a:t>
-                      </a:r>
-                    </a:p>
-                    <a:p>
-                      <a:pPr algn="ctr"/>
-                      <a:endParaRPr lang="en-US" sz="1000" b="0" dirty="0"/>
-                    </a:p>
-                  </a:txBody>
-                  <a:tcPr anchor="ctr"/>
-                </a:tc>
-                <a:tc>
-                  <a:txBody>
-                    <a:bodyPr/>
-                    <a:lstStyle/>
-                    <a:p>
-                      <a:r>
-                        <a:rPr lang="en-US" sz="1000" b="0" dirty="0" smtClean="0"/>
-                        <a:t>Regulation of vasculature </a:t>
-                      </a:r>
-                      <a:r>
-                        <a:rPr lang="en-US" sz="1000" b="0" dirty="0" smtClean="0"/>
-                        <a:t>development (GO:1901342)</a:t>
-                      </a:r>
-                    </a:p>
-                    <a:p>
-                      <a:r>
-                        <a:rPr lang="en-US" sz="1000" b="1" dirty="0" smtClean="0"/>
-                        <a:t>(7.5e-3)</a:t>
-                      </a:r>
-                      <a:endParaRPr lang="en-US" sz="1000" b="1" dirty="0"/>
-                    </a:p>
-                  </a:txBody>
-                  <a:tcPr/>
-                </a:tc>
-                <a:tc>
-                  <a:txBody>
-                    <a:bodyPr/>
-                    <a:lstStyle/>
-                    <a:p>
-                      <a:r>
-                        <a:rPr lang="en-US" sz="1000" b="0" dirty="0" smtClean="0"/>
-                        <a:t>Lytic vacuole</a:t>
-                      </a:r>
-                      <a:r>
-                        <a:rPr lang="en-US" sz="1000" b="0" baseline="0" dirty="0" smtClean="0"/>
-                        <a:t> (GO:0000323)</a:t>
-                      </a:r>
-                    </a:p>
-                    <a:p>
-                      <a:r>
-                        <a:rPr lang="en-US" sz="1000" b="1" baseline="0" dirty="0" smtClean="0"/>
-                        <a:t>(0.01)</a:t>
-                      </a:r>
-                      <a:endParaRPr lang="en-US" sz="1000" b="1" dirty="0"/>
-                    </a:p>
-                  </a:txBody>
-                  <a:tcPr/>
-                </a:tc>
-                <a:tc>
-                  <a:txBody>
-                    <a:bodyPr/>
-                    <a:lstStyle/>
-                    <a:p>
-                      <a:endParaRPr lang="en-US" sz="1000" b="0" dirty="0"/>
-                    </a:p>
-                  </a:txBody>
-                  <a:tcPr/>
-                </a:tc>
-              </a:tr>
-              <a:tr h="542462">
-                <a:tc>
-                  <a:txBody>
-                    <a:bodyPr/>
-                    <a:lstStyle/>
-                    <a:p>
-                      <a:pPr marL="0" marR="0" indent="0" algn="ctr" defTabSz="457200" rtl="0" eaLnBrk="1" fontAlgn="auto" latinLnBrk="0" hangingPunct="1">
-                        <a:lnSpc>
-                          <a:spcPct val="100000"/>
-                        </a:lnSpc>
-                        <a:spcBef>
-                          <a:spcPts val="0"/>
-                        </a:spcBef>
-                        <a:spcAft>
-                          <a:spcPts val="0"/>
-                        </a:spcAft>
-                        <a:buClrTx/>
-                        <a:buSzTx/>
-                        <a:buFontTx/>
-                        <a:buNone/>
-                        <a:tabLst/>
-                        <a:defRPr/>
-                      </a:pPr>
-                      <a:r>
-                        <a:rPr lang="en-US" sz="1000" b="0" dirty="0" smtClean="0"/>
-                        <a:t>X</a:t>
-                      </a:r>
-                    </a:p>
-                  </a:txBody>
-                  <a:tcPr anchor="ctr"/>
-                </a:tc>
-                <a:tc>
-                  <a:txBody>
-                    <a:bodyPr/>
-                    <a:lstStyle/>
-                    <a:p>
-                      <a:pPr marL="0" marR="0" indent="0" algn="ctr" defTabSz="457200" rtl="0" eaLnBrk="1" fontAlgn="auto" latinLnBrk="0" hangingPunct="1">
-                        <a:lnSpc>
-                          <a:spcPct val="100000"/>
-                        </a:lnSpc>
-                        <a:spcBef>
-                          <a:spcPts val="0"/>
-                        </a:spcBef>
-                        <a:spcAft>
-                          <a:spcPts val="0"/>
-                        </a:spcAft>
-                        <a:buClrTx/>
-                        <a:buSzTx/>
-                        <a:buFontTx/>
-                        <a:buNone/>
-                        <a:tabLst/>
-                        <a:defRPr/>
-                      </a:pPr>
-                      <a:r>
-                        <a:rPr lang="en-US" sz="1000" b="0" dirty="0" smtClean="0"/>
-                        <a:t>X</a:t>
-                      </a:r>
-                    </a:p>
-                  </a:txBody>
-                  <a:tcPr anchor="ctr"/>
-                </a:tc>
-                <a:tc>
-                  <a:txBody>
-                    <a:bodyPr/>
-                    <a:lstStyle/>
-                    <a:p>
-                      <a:pPr marL="0" marR="0" indent="0" algn="ctr" defTabSz="457200" rtl="0" eaLnBrk="1" fontAlgn="auto" latinLnBrk="0" hangingPunct="1">
-                        <a:lnSpc>
-                          <a:spcPct val="100000"/>
-                        </a:lnSpc>
-                        <a:spcBef>
-                          <a:spcPts val="0"/>
-                        </a:spcBef>
-                        <a:spcAft>
-                          <a:spcPts val="0"/>
-                        </a:spcAft>
-                        <a:buClrTx/>
-                        <a:buSzTx/>
-                        <a:buFontTx/>
-                        <a:buNone/>
-                        <a:tabLst/>
-                        <a:defRPr/>
-                      </a:pPr>
-                      <a:r>
-                        <a:rPr lang="en-US" sz="1000" b="0" dirty="0" smtClean="0"/>
-                        <a:t>X</a:t>
-                      </a:r>
-                    </a:p>
-                  </a:txBody>
-                  <a:tcPr anchor="ctr"/>
-                </a:tc>
-                <a:tc>
-                  <a:txBody>
-                    <a:bodyPr/>
-                    <a:lstStyle/>
-                    <a:p>
-                      <a:r>
-                        <a:rPr lang="en-US" sz="1000" b="0" dirty="0" smtClean="0"/>
-                        <a:t>RNA 3’-end processing (GO:0031123)</a:t>
-                      </a:r>
-                    </a:p>
-                    <a:p>
-                      <a:r>
-                        <a:rPr lang="en-US" sz="1000" b="1" dirty="0" smtClean="0"/>
-                        <a:t>(7.5e-3)</a:t>
-                      </a:r>
-                      <a:endParaRPr lang="en-US" sz="1000" b="1" dirty="0"/>
-                    </a:p>
-                  </a:txBody>
-                  <a:tcPr/>
-                </a:tc>
-                <a:tc>
-                  <a:txBody>
-                    <a:bodyPr/>
-                    <a:lstStyle/>
-                    <a:p>
-                      <a:pPr marL="0" marR="0" indent="0" algn="l" defTabSz="457200" rtl="0" eaLnBrk="1" fontAlgn="auto" latinLnBrk="0" hangingPunct="1">
-                        <a:lnSpc>
-                          <a:spcPct val="100000"/>
-                        </a:lnSpc>
-                        <a:spcBef>
-                          <a:spcPts val="0"/>
-                        </a:spcBef>
-                        <a:spcAft>
-                          <a:spcPts val="0"/>
-                        </a:spcAft>
-                        <a:buClrTx/>
-                        <a:buSzTx/>
-                        <a:buFontTx/>
-                        <a:buNone/>
-                        <a:tabLst/>
-                        <a:defRPr/>
-                      </a:pPr>
-                      <a:r>
-                        <a:rPr lang="en-US" sz="1000" b="0" dirty="0" smtClean="0"/>
-                        <a:t>Catalytic</a:t>
-                      </a:r>
-                      <a:r>
-                        <a:rPr lang="en-US" sz="1000" b="0" baseline="0" dirty="0" smtClean="0"/>
-                        <a:t> step 2 spliceosome (GO:0071013)</a:t>
-                      </a:r>
-                    </a:p>
-                    <a:p>
-                      <a:pPr marL="0" marR="0" indent="0" algn="l" defTabSz="457200" rtl="0" eaLnBrk="1" fontAlgn="auto" latinLnBrk="0" hangingPunct="1">
-                        <a:lnSpc>
-                          <a:spcPct val="100000"/>
-                        </a:lnSpc>
-                        <a:spcBef>
-                          <a:spcPts val="0"/>
-                        </a:spcBef>
-                        <a:spcAft>
-                          <a:spcPts val="0"/>
-                        </a:spcAft>
-                        <a:buClrTx/>
-                        <a:buSzTx/>
-                        <a:buFontTx/>
-                        <a:buNone/>
-                        <a:tabLst/>
-                        <a:defRPr/>
-                      </a:pPr>
-                      <a:r>
-                        <a:rPr lang="en-US" sz="1000" b="1" baseline="0" dirty="0" smtClean="0"/>
-                        <a:t>(0.01)</a:t>
-                      </a:r>
-                      <a:endParaRPr lang="en-US" sz="1000" b="1" dirty="0" smtClean="0"/>
-                    </a:p>
-                  </a:txBody>
-                  <a:tcPr/>
-                </a:tc>
-                <a:tc>
-                  <a:txBody>
-                    <a:bodyPr/>
-                    <a:lstStyle/>
-                    <a:p>
-                      <a:endParaRPr lang="en-US" sz="1000" b="0" dirty="0"/>
-                    </a:p>
-                  </a:txBody>
-                  <a:tcPr/>
-                </a:tc>
-              </a:tr>
-              <a:tr h="618966">
-                <a:tc>
-                  <a:txBody>
-                    <a:bodyPr/>
-                    <a:lstStyle/>
-                    <a:p>
-                      <a:pPr marL="0" marR="0" indent="0" algn="ctr" defTabSz="457200" rtl="0" eaLnBrk="1" fontAlgn="auto" latinLnBrk="0" hangingPunct="1">
-                        <a:lnSpc>
-                          <a:spcPct val="100000"/>
-                        </a:lnSpc>
-                        <a:spcBef>
-                          <a:spcPts val="0"/>
-                        </a:spcBef>
-                        <a:spcAft>
-                          <a:spcPts val="0"/>
-                        </a:spcAft>
-                        <a:buClrTx/>
-                        <a:buSzTx/>
-                        <a:buFontTx/>
-                        <a:buNone/>
-                        <a:tabLst/>
-                        <a:defRPr/>
-                      </a:pPr>
-                      <a:r>
-                        <a:rPr lang="en-US" sz="1000" b="0" dirty="0" smtClean="0"/>
-                        <a:t>X</a:t>
-                      </a:r>
-                    </a:p>
-                  </a:txBody>
-                  <a:tcPr anchor="ctr"/>
-                </a:tc>
-                <a:tc>
-                  <a:txBody>
-                    <a:bodyPr/>
-                    <a:lstStyle/>
-                    <a:p>
-                      <a:pPr marL="0" marR="0" indent="0" algn="ctr" defTabSz="457200" rtl="0" eaLnBrk="1" fontAlgn="auto" latinLnBrk="0" hangingPunct="1">
-                        <a:lnSpc>
-                          <a:spcPct val="100000"/>
-                        </a:lnSpc>
-                        <a:spcBef>
-                          <a:spcPts val="0"/>
-                        </a:spcBef>
-                        <a:spcAft>
-                          <a:spcPts val="0"/>
-                        </a:spcAft>
-                        <a:buClrTx/>
-                        <a:buSzTx/>
-                        <a:buFontTx/>
-                        <a:buNone/>
-                        <a:tabLst/>
-                        <a:defRPr/>
-                      </a:pPr>
-                      <a:r>
-                        <a:rPr lang="en-US" sz="1000" b="0" dirty="0" smtClean="0"/>
-                        <a:t>X</a:t>
-                      </a:r>
-                    </a:p>
-                  </a:txBody>
-                  <a:tcPr anchor="ctr"/>
-                </a:tc>
-                <a:tc>
-                  <a:txBody>
-                    <a:bodyPr/>
-                    <a:lstStyle/>
-                    <a:p>
-                      <a:pPr marL="0" marR="0" indent="0" algn="ctr" defTabSz="457200" rtl="0" eaLnBrk="1" fontAlgn="auto" latinLnBrk="0" hangingPunct="1">
-                        <a:lnSpc>
-                          <a:spcPct val="100000"/>
-                        </a:lnSpc>
-                        <a:spcBef>
-                          <a:spcPts val="0"/>
-                        </a:spcBef>
-                        <a:spcAft>
-                          <a:spcPts val="0"/>
-                        </a:spcAft>
-                        <a:buClrTx/>
-                        <a:buSzTx/>
-                        <a:buFontTx/>
-                        <a:buNone/>
-                        <a:tabLst/>
-                        <a:defRPr/>
-                      </a:pPr>
-                      <a:r>
-                        <a:rPr lang="en-US" sz="1000" b="0" dirty="0" smtClean="0"/>
-                        <a:t>X</a:t>
-                      </a:r>
-                    </a:p>
-                  </a:txBody>
-                  <a:tcPr anchor="ctr"/>
-                </a:tc>
-                <a:tc>
-                  <a:txBody>
-                    <a:bodyPr/>
-                    <a:lstStyle/>
-                    <a:p>
-                      <a:r>
-                        <a:rPr lang="en-US" sz="1000" b="0" dirty="0" smtClean="0"/>
-                        <a:t>mRNA 3’-end processing</a:t>
-                      </a:r>
-                      <a:r>
-                        <a:rPr lang="en-US" sz="1000" b="0" baseline="0" dirty="0" smtClean="0"/>
-                        <a:t> </a:t>
-                      </a:r>
-                    </a:p>
-                    <a:p>
-                      <a:r>
-                        <a:rPr lang="en-US" sz="1000" b="0" baseline="0" dirty="0" smtClean="0"/>
-                        <a:t>(GO:0031124) </a:t>
-                      </a:r>
-                    </a:p>
-                    <a:p>
-                      <a:r>
-                        <a:rPr lang="en-US" sz="1000" b="1" baseline="0" dirty="0" smtClean="0"/>
-                        <a:t>(0.017)</a:t>
-                      </a:r>
-                      <a:endParaRPr lang="en-US" sz="1000" b="1" dirty="0"/>
-                    </a:p>
-                  </a:txBody>
-                  <a:tcPr/>
-                </a:tc>
-                <a:tc>
-                  <a:txBody>
-                    <a:bodyPr/>
-                    <a:lstStyle/>
-                    <a:p>
-                      <a:pPr marL="0" marR="0" indent="0" algn="l" defTabSz="457200" rtl="0" eaLnBrk="1" fontAlgn="auto" latinLnBrk="0" hangingPunct="1">
-                        <a:lnSpc>
-                          <a:spcPct val="100000"/>
-                        </a:lnSpc>
-                        <a:spcBef>
-                          <a:spcPts val="0"/>
-                        </a:spcBef>
-                        <a:spcAft>
-                          <a:spcPts val="0"/>
-                        </a:spcAft>
-                        <a:buClrTx/>
-                        <a:buSzTx/>
-                        <a:buFontTx/>
-                        <a:buNone/>
-                        <a:tabLst/>
-                        <a:defRPr/>
-                      </a:pPr>
-                      <a:r>
-                        <a:rPr lang="en-US" sz="1000" b="0" dirty="0" smtClean="0"/>
-                        <a:t>Spliceosomal</a:t>
-                      </a:r>
-                      <a:r>
-                        <a:rPr lang="en-US" sz="1000" b="0" baseline="0" dirty="0" smtClean="0"/>
-                        <a:t> complex (GO: </a:t>
-                      </a:r>
-                      <a:r>
-                        <a:rPr lang="en-US" sz="1000" b="1" baseline="0" dirty="0" smtClean="0"/>
-                        <a:t>(0.01)</a:t>
-                      </a:r>
-                      <a:endParaRPr lang="en-US" sz="1000" b="1" dirty="0" smtClean="0"/>
-                    </a:p>
-                  </a:txBody>
-                  <a:tcPr/>
-                </a:tc>
-                <a:tc>
-                  <a:txBody>
-                    <a:bodyPr/>
-                    <a:lstStyle/>
-                    <a:p>
-                      <a:endParaRPr lang="en-US" sz="1000" b="0" dirty="0"/>
-                    </a:p>
-                  </a:txBody>
-                  <a:tcPr/>
-                </a:tc>
-              </a:tr>
-              <a:tr h="618966">
-                <a:tc>
-                  <a:txBody>
-                    <a:bodyPr/>
-                    <a:lstStyle/>
-                    <a:p>
-                      <a:pPr marL="0" marR="0" indent="0" algn="ctr" defTabSz="457200" rtl="0" eaLnBrk="1" fontAlgn="auto" latinLnBrk="0" hangingPunct="1">
-                        <a:lnSpc>
-                          <a:spcPct val="100000"/>
-                        </a:lnSpc>
-                        <a:spcBef>
-                          <a:spcPts val="0"/>
-                        </a:spcBef>
-                        <a:spcAft>
-                          <a:spcPts val="0"/>
-                        </a:spcAft>
-                        <a:buClrTx/>
-                        <a:buSzTx/>
-                        <a:buFontTx/>
-                        <a:buNone/>
-                        <a:tabLst/>
-                        <a:defRPr/>
-                      </a:pPr>
-                      <a:r>
-                        <a:rPr lang="en-US" sz="1000" b="0" dirty="0" smtClean="0"/>
-                        <a:t>X</a:t>
-                      </a:r>
-                    </a:p>
-                  </a:txBody>
-                  <a:tcPr anchor="ctr"/>
-                </a:tc>
-                <a:tc>
-                  <a:txBody>
-                    <a:bodyPr/>
-                    <a:lstStyle/>
-                    <a:p>
-                      <a:pPr marL="0" marR="0" indent="0" algn="ctr" defTabSz="457200" rtl="0" eaLnBrk="1" fontAlgn="auto" latinLnBrk="0" hangingPunct="1">
-                        <a:lnSpc>
-                          <a:spcPct val="100000"/>
-                        </a:lnSpc>
-                        <a:spcBef>
-                          <a:spcPts val="0"/>
-                        </a:spcBef>
-                        <a:spcAft>
-                          <a:spcPts val="0"/>
-                        </a:spcAft>
-                        <a:buClrTx/>
-                        <a:buSzTx/>
-                        <a:buFontTx/>
-                        <a:buNone/>
-                        <a:tabLst/>
-                        <a:defRPr/>
-                      </a:pPr>
-                      <a:r>
-                        <a:rPr lang="en-US" sz="1000" b="0" dirty="0" smtClean="0"/>
-                        <a:t>X</a:t>
-                      </a:r>
-                    </a:p>
-                  </a:txBody>
-                  <a:tcPr anchor="ctr"/>
-                </a:tc>
-                <a:tc>
-                  <a:txBody>
-                    <a:bodyPr/>
-                    <a:lstStyle/>
-                    <a:p>
-                      <a:pPr marL="0" marR="0" indent="0" algn="ctr" defTabSz="457200" rtl="0" eaLnBrk="1" fontAlgn="auto" latinLnBrk="0" hangingPunct="1">
-                        <a:lnSpc>
-                          <a:spcPct val="100000"/>
-                        </a:lnSpc>
-                        <a:spcBef>
-                          <a:spcPts val="0"/>
-                        </a:spcBef>
-                        <a:spcAft>
-                          <a:spcPts val="0"/>
-                        </a:spcAft>
-                        <a:buClrTx/>
-                        <a:buSzTx/>
-                        <a:buFontTx/>
-                        <a:buNone/>
-                        <a:tabLst/>
-                        <a:defRPr/>
-                      </a:pPr>
-                      <a:r>
-                        <a:rPr lang="en-US" sz="1000" b="0" dirty="0" smtClean="0"/>
-                        <a:t>X</a:t>
-                      </a:r>
-                    </a:p>
-                  </a:txBody>
-                  <a:tcPr anchor="ctr"/>
-                </a:tc>
-                <a:tc>
-                  <a:txBody>
-                    <a:bodyPr/>
-                    <a:lstStyle/>
-                    <a:p>
-                      <a:r>
-                        <a:rPr lang="en-US" sz="1000" b="0" dirty="0" smtClean="0"/>
-                        <a:t>Negative</a:t>
-                      </a:r>
-                      <a:r>
-                        <a:rPr lang="en-US" sz="1000" b="0" baseline="0" dirty="0" smtClean="0"/>
-                        <a:t> regulation of mRNA metabolic process (GO:1903312)</a:t>
-                      </a:r>
-                    </a:p>
-                    <a:p>
-                      <a:r>
-                        <a:rPr lang="en-US" sz="1000" b="1" baseline="0" dirty="0" smtClean="0"/>
-                        <a:t>(0.02)</a:t>
-                      </a:r>
-                      <a:endParaRPr lang="en-US" sz="1000" b="1" dirty="0"/>
-                    </a:p>
-                  </a:txBody>
-                  <a:tcPr/>
-                </a:tc>
-                <a:tc>
-                  <a:txBody>
-                    <a:bodyPr/>
-                    <a:lstStyle/>
-                    <a:p>
-                      <a:r>
-                        <a:rPr lang="en-US" sz="1000" b="0" i="0" dirty="0" smtClean="0"/>
-                        <a:t>Vacuole</a:t>
-                      </a:r>
-                      <a:r>
-                        <a:rPr lang="en-US" sz="1000" b="0" i="0" baseline="0" dirty="0" smtClean="0"/>
-                        <a:t> (GO:0005773)</a:t>
-                      </a:r>
-                    </a:p>
-                    <a:p>
-                      <a:r>
-                        <a:rPr lang="en-US" sz="1000" b="1" i="0" baseline="0" dirty="0" smtClean="0"/>
-                        <a:t>(0.02)</a:t>
-                      </a:r>
-                      <a:endParaRPr lang="en-US" sz="1000" b="1" i="0" dirty="0"/>
-                    </a:p>
-                  </a:txBody>
-                  <a:tcPr/>
-                </a:tc>
-                <a:tc>
-                  <a:txBody>
-                    <a:bodyPr/>
-                    <a:lstStyle/>
-                    <a:p>
-                      <a:endParaRPr lang="en-US" sz="1000" b="0" dirty="0"/>
-                    </a:p>
-                  </a:txBody>
-                  <a:tcPr/>
-                </a:tc>
-              </a:tr>
-              <a:tr h="618966">
-                <a:tc>
-                  <a:txBody>
-                    <a:bodyPr/>
-                    <a:lstStyle/>
-                    <a:p>
-                      <a:pPr marL="0" marR="0" indent="0" algn="ctr" defTabSz="457200" rtl="0" eaLnBrk="1" fontAlgn="auto" latinLnBrk="0" hangingPunct="1">
-                        <a:lnSpc>
-                          <a:spcPct val="100000"/>
-                        </a:lnSpc>
-                        <a:spcBef>
-                          <a:spcPts val="0"/>
-                        </a:spcBef>
-                        <a:spcAft>
-                          <a:spcPts val="0"/>
-                        </a:spcAft>
-                        <a:buClrTx/>
-                        <a:buSzTx/>
-                        <a:buFontTx/>
-                        <a:buNone/>
-                        <a:tabLst/>
-                        <a:defRPr/>
-                      </a:pPr>
-                      <a:r>
-                        <a:rPr lang="en-US" sz="1000" b="0" dirty="0" smtClean="0"/>
-                        <a:t>X</a:t>
-                      </a:r>
-                    </a:p>
-                  </a:txBody>
-                  <a:tcPr anchor="ctr"/>
-                </a:tc>
-                <a:tc>
-                  <a:txBody>
-                    <a:bodyPr/>
-                    <a:lstStyle/>
-                    <a:p>
-                      <a:pPr marL="0" marR="0" indent="0" algn="ctr" defTabSz="457200" rtl="0" eaLnBrk="1" fontAlgn="auto" latinLnBrk="0" hangingPunct="1">
-                        <a:lnSpc>
-                          <a:spcPct val="100000"/>
-                        </a:lnSpc>
-                        <a:spcBef>
-                          <a:spcPts val="0"/>
-                        </a:spcBef>
-                        <a:spcAft>
-                          <a:spcPts val="0"/>
-                        </a:spcAft>
-                        <a:buClrTx/>
-                        <a:buSzTx/>
-                        <a:buFontTx/>
-                        <a:buNone/>
-                        <a:tabLst/>
-                        <a:defRPr/>
-                      </a:pPr>
-                      <a:r>
-                        <a:rPr lang="en-US" sz="1000" b="0" dirty="0" smtClean="0"/>
-                        <a:t>X</a:t>
-                      </a:r>
-                    </a:p>
-                  </a:txBody>
-                  <a:tcPr anchor="ctr"/>
-                </a:tc>
-                <a:tc>
-                  <a:txBody>
-                    <a:bodyPr/>
-                    <a:lstStyle/>
-                    <a:p>
-                      <a:pPr marL="0" marR="0" indent="0" algn="ctr" defTabSz="457200" rtl="0" eaLnBrk="1" fontAlgn="auto" latinLnBrk="0" hangingPunct="1">
-                        <a:lnSpc>
-                          <a:spcPct val="100000"/>
-                        </a:lnSpc>
-                        <a:spcBef>
-                          <a:spcPts val="0"/>
-                        </a:spcBef>
-                        <a:spcAft>
-                          <a:spcPts val="0"/>
-                        </a:spcAft>
-                        <a:buClrTx/>
-                        <a:buSzTx/>
-                        <a:buFontTx/>
-                        <a:buNone/>
-                        <a:tabLst/>
-                        <a:defRPr/>
-                      </a:pPr>
-                      <a:r>
-                        <a:rPr lang="en-US" sz="1000" b="0" dirty="0" smtClean="0"/>
-                        <a:t>X</a:t>
-                      </a:r>
-                    </a:p>
-                  </a:txBody>
-                  <a:tcPr anchor="ctr"/>
-                </a:tc>
-                <a:tc>
-                  <a:txBody>
-                    <a:bodyPr/>
-                    <a:lstStyle/>
-                    <a:p>
-                      <a:r>
-                        <a:rPr lang="en-US" sz="1000" b="0" dirty="0" smtClean="0"/>
-                        <a:t>DNA</a:t>
-                      </a:r>
-                      <a:r>
-                        <a:rPr lang="en-US" sz="1000" b="0" baseline="0" dirty="0" smtClean="0"/>
-                        <a:t> damage induce protein phosphorylation (GO:0006975)</a:t>
-                      </a:r>
-                    </a:p>
-                    <a:p>
-                      <a:r>
-                        <a:rPr lang="en-US" sz="1000" b="1" baseline="0" dirty="0" smtClean="0"/>
-                        <a:t>(0.02)</a:t>
-                      </a:r>
-                      <a:endParaRPr lang="en-US" sz="1000" b="1" dirty="0"/>
-                    </a:p>
-                  </a:txBody>
-                  <a:tcPr/>
-                </a:tc>
-                <a:tc>
-                  <a:txBody>
-                    <a:bodyPr/>
-                    <a:lstStyle/>
-                    <a:p>
-                      <a:r>
-                        <a:rPr lang="en-US" sz="1000" b="0" i="0" dirty="0" smtClean="0"/>
-                        <a:t>Focal adhesion (GO:0005925)</a:t>
-                      </a:r>
-                    </a:p>
-                    <a:p>
-                      <a:r>
-                        <a:rPr lang="en-US" sz="1000" b="1" i="0" dirty="0" smtClean="0"/>
-                        <a:t>(0.02)</a:t>
-                      </a:r>
-                      <a:endParaRPr lang="en-US" sz="1000" b="1" i="0" dirty="0"/>
-                    </a:p>
-                  </a:txBody>
-                  <a:tcPr/>
-                </a:tc>
-                <a:tc>
-                  <a:txBody>
-                    <a:bodyPr/>
-                    <a:lstStyle/>
-                    <a:p>
-                      <a:endParaRPr lang="en-US" sz="1000" b="0" dirty="0"/>
-                    </a:p>
-                  </a:txBody>
-                  <a:tcPr/>
                 </a:tc>
               </a:tr>
             </a:tbl>
@@ -5169,6 +6719,2639 @@
   <p:clrMapOvr>
     <a:masterClrMapping/>
   </p:clrMapOvr>
+  <p:timing>
+    <p:tnLst>
+      <p:par>
+        <p:cTn xmlns:p14="http://schemas.microsoft.com/office/powerpoint/2010/main" id="1" dur="indefinite" restart="never" nodeType="tmRoot"/>
+      </p:par>
+    </p:tnLst>
+  </p:timing>
+</p:sld>
+</file>
+
+<file path=ppt/slides/slide3.xml><?xml version="1.0" encoding="utf-8"?>
+<p:sld xmlns:a="http://schemas.openxmlformats.org/drawingml/2006/main" xmlns:r="http://schemas.openxmlformats.org/officeDocument/2006/relationships" xmlns:p="http://schemas.openxmlformats.org/presentationml/2006/main">
+  <p:cSld>
+    <p:spTree>
+      <p:nvGrpSpPr>
+        <p:cNvPr id="1" name=""/>
+        <p:cNvGrpSpPr/>
+        <p:nvPr/>
+      </p:nvGrpSpPr>
+      <p:grpSpPr>
+        <a:xfrm>
+          <a:off x="0" y="0"/>
+          <a:ext cx="0" cy="0"/>
+          <a:chOff x="0" y="0"/>
+          <a:chExt cx="0" cy="0"/>
+        </a:xfrm>
+      </p:grpSpPr>
+      <p:graphicFrame>
+        <p:nvGraphicFramePr>
+          <p:cNvPr id="4" name="Table 3"/>
+          <p:cNvGraphicFramePr>
+            <a:graphicFrameLocks noGrp="1"/>
+          </p:cNvGraphicFramePr>
+          <p:nvPr>
+            <p:extLst>
+              <p:ext uri="{D42A27DB-BD31-4B8C-83A1-F6EECF244321}">
+                <p14:modId xmlns:p14="http://schemas.microsoft.com/office/powerpoint/2010/main" val="1333016684"/>
+              </p:ext>
+            </p:extLst>
+          </p:nvPr>
+        </p:nvGraphicFramePr>
+        <p:xfrm>
+          <a:off x="0" y="-170871"/>
+          <a:ext cx="9144000" cy="7028873"/>
+        </p:xfrm>
+        <a:graphic>
+          <a:graphicData uri="http://schemas.openxmlformats.org/drawingml/2006/table">
+            <a:tbl>
+              <a:tblPr firstRow="1" bandRow="1">
+                <a:tableStyleId>{5C22544A-7EE6-4342-B048-85BDC9FD1C3A}</a:tableStyleId>
+              </a:tblPr>
+              <a:tblGrid>
+                <a:gridCol w="1270061"/>
+                <a:gridCol w="1649316"/>
+                <a:gridCol w="1640496"/>
+                <a:gridCol w="1878632"/>
+                <a:gridCol w="1393539"/>
+                <a:gridCol w="1311956"/>
+              </a:tblGrid>
+              <a:tr h="491609">
+                <a:tc>
+                  <a:txBody>
+                    <a:bodyPr/>
+                    <a:lstStyle/>
+                    <a:p>
+                      <a:r>
+                        <a:rPr lang="en-US" sz="1500" b="0" dirty="0" smtClean="0"/>
+                        <a:t>KEGG</a:t>
+                      </a:r>
+                      <a:endParaRPr lang="en-US" sz="1500" b="0" dirty="0"/>
+                    </a:p>
+                  </a:txBody>
+                  <a:tcPr/>
+                </a:tc>
+                <a:tc>
+                  <a:txBody>
+                    <a:bodyPr/>
+                    <a:lstStyle/>
+                    <a:p>
+                      <a:r>
+                        <a:rPr lang="en-US" sz="1500" b="0" dirty="0" smtClean="0"/>
+                        <a:t>Wikipathways</a:t>
+                      </a:r>
+                      <a:endParaRPr lang="en-US" sz="1500" b="0" dirty="0"/>
+                    </a:p>
+                  </a:txBody>
+                  <a:tcPr/>
+                </a:tc>
+                <a:tc>
+                  <a:txBody>
+                    <a:bodyPr/>
+                    <a:lstStyle/>
+                    <a:p>
+                      <a:r>
+                        <a:rPr lang="en-US" sz="1500" b="0" dirty="0" smtClean="0"/>
+                        <a:t>Reactome</a:t>
+                      </a:r>
+                      <a:endParaRPr lang="en-US" sz="1500" b="0" dirty="0"/>
+                    </a:p>
+                  </a:txBody>
+                  <a:tcPr/>
+                </a:tc>
+                <a:tc>
+                  <a:txBody>
+                    <a:bodyPr/>
+                    <a:lstStyle/>
+                    <a:p>
+                      <a:r>
+                        <a:rPr lang="en-US" sz="1500" b="0" dirty="0" smtClean="0"/>
+                        <a:t>GO BP</a:t>
+                      </a:r>
+                      <a:endParaRPr lang="en-US" sz="1500" b="0" dirty="0"/>
+                    </a:p>
+                  </a:txBody>
+                  <a:tcPr/>
+                </a:tc>
+                <a:tc>
+                  <a:txBody>
+                    <a:bodyPr/>
+                    <a:lstStyle/>
+                    <a:p>
+                      <a:r>
+                        <a:rPr lang="en-US" sz="1500" b="0" dirty="0" smtClean="0"/>
+                        <a:t>GO </a:t>
+                      </a:r>
+                      <a:r>
+                        <a:rPr lang="en-US" sz="1500" b="0" dirty="0" smtClean="0"/>
+                        <a:t>CC</a:t>
+                      </a:r>
+                      <a:endParaRPr lang="en-US" sz="1500" b="0" dirty="0"/>
+                    </a:p>
+                  </a:txBody>
+                  <a:tcPr/>
+                </a:tc>
+                <a:tc>
+                  <a:txBody>
+                    <a:bodyPr/>
+                    <a:lstStyle/>
+                    <a:p>
+                      <a:r>
+                        <a:rPr lang="en-US" sz="1500" b="0" dirty="0" smtClean="0"/>
+                        <a:t>GO MF</a:t>
+                      </a:r>
+                      <a:endParaRPr lang="en-US" sz="1500" b="0" dirty="0"/>
+                    </a:p>
+                  </a:txBody>
+                  <a:tcPr/>
+                </a:tc>
+              </a:tr>
+              <a:tr h="871635">
+                <a:tc>
+                  <a:txBody>
+                    <a:bodyPr/>
+                    <a:lstStyle/>
+                    <a:p>
+                      <a:pPr marL="0" marR="0" indent="0" algn="l" defTabSz="457200" rtl="0" eaLnBrk="1" fontAlgn="auto" latinLnBrk="0" hangingPunct="1">
+                        <a:lnSpc>
+                          <a:spcPct val="100000"/>
+                        </a:lnSpc>
+                        <a:spcBef>
+                          <a:spcPts val="0"/>
+                        </a:spcBef>
+                        <a:spcAft>
+                          <a:spcPts val="0"/>
+                        </a:spcAft>
+                        <a:buClrTx/>
+                        <a:buSzTx/>
+                        <a:buFontTx/>
+                        <a:buNone/>
+                        <a:tabLst/>
+                        <a:defRPr/>
+                      </a:pPr>
+                      <a:r>
+                        <a:rPr lang="en-US" sz="1000" b="0" dirty="0" smtClean="0"/>
+                        <a:t>Pathways in </a:t>
+                      </a:r>
+                      <a:r>
+                        <a:rPr lang="en-US" sz="1000" b="0" i="0" dirty="0" smtClean="0"/>
+                        <a:t>cancer</a:t>
+                      </a:r>
+                      <a:r>
+                        <a:rPr lang="en-US" sz="1000" b="0" i="0" baseline="0" dirty="0" smtClean="0"/>
+                        <a:t> hsa05200</a:t>
+                      </a:r>
+                    </a:p>
+                    <a:p>
+                      <a:pPr marL="0" marR="0" indent="0" algn="l" defTabSz="457200" rtl="0" eaLnBrk="1" fontAlgn="auto" latinLnBrk="0" hangingPunct="1">
+                        <a:lnSpc>
+                          <a:spcPct val="100000"/>
+                        </a:lnSpc>
+                        <a:spcBef>
+                          <a:spcPts val="0"/>
+                        </a:spcBef>
+                        <a:spcAft>
+                          <a:spcPts val="0"/>
+                        </a:spcAft>
+                        <a:buClrTx/>
+                        <a:buSzTx/>
+                        <a:buFontTx/>
+                        <a:buNone/>
+                        <a:tabLst/>
+                        <a:defRPr/>
+                      </a:pPr>
+                      <a:r>
+                        <a:rPr lang="en-US" sz="1000" b="1" i="0" baseline="0" dirty="0" smtClean="0"/>
+                        <a:t>(1.383e-40)</a:t>
+                      </a:r>
+                      <a:endParaRPr lang="en-US" sz="1000" b="0" dirty="0" smtClean="0"/>
+                    </a:p>
+                    <a:p>
+                      <a:pPr marL="0" marR="0" indent="0" algn="l" defTabSz="457200" rtl="0" eaLnBrk="1" fontAlgn="auto" latinLnBrk="0" hangingPunct="1">
+                        <a:lnSpc>
+                          <a:spcPct val="100000"/>
+                        </a:lnSpc>
+                        <a:spcBef>
+                          <a:spcPts val="0"/>
+                        </a:spcBef>
+                        <a:spcAft>
+                          <a:spcPts val="0"/>
+                        </a:spcAft>
+                        <a:buClrTx/>
+                        <a:buSzTx/>
+                        <a:buFontTx/>
+                        <a:buNone/>
+                        <a:tabLst/>
+                        <a:defRPr/>
+                      </a:pPr>
+                      <a:endParaRPr lang="en-US" sz="1000" b="1" i="0" dirty="0" smtClean="0"/>
+                    </a:p>
+                  </a:txBody>
+                  <a:tcPr/>
+                </a:tc>
+                <a:tc>
+                  <a:txBody>
+                    <a:bodyPr/>
+                    <a:lstStyle/>
+                    <a:p>
+                      <a:pPr marL="0" marR="0" indent="0" algn="l" defTabSz="457200" rtl="0" eaLnBrk="1" fontAlgn="auto" latinLnBrk="0" hangingPunct="1">
+                        <a:lnSpc>
+                          <a:spcPct val="100000"/>
+                        </a:lnSpc>
+                        <a:spcBef>
+                          <a:spcPts val="0"/>
+                        </a:spcBef>
+                        <a:spcAft>
+                          <a:spcPts val="0"/>
+                        </a:spcAft>
+                        <a:buClrTx/>
+                        <a:buSzTx/>
+                        <a:buFontTx/>
+                        <a:buNone/>
+                        <a:tabLst/>
+                        <a:defRPr/>
+                      </a:pPr>
+                      <a:r>
+                        <a:rPr lang="en-US" sz="1000" b="0" baseline="0" dirty="0" smtClean="0"/>
+                        <a:t>XPodNet </a:t>
+                      </a:r>
+                      <a:r>
+                        <a:rPr lang="mr-IN" sz="1000" b="0" baseline="0" dirty="0" smtClean="0"/>
+                        <a:t>–</a:t>
+                      </a:r>
+                      <a:r>
+                        <a:rPr lang="en-US" sz="1000" b="0" baseline="0" dirty="0" smtClean="0"/>
+                        <a:t> protein-protein interactions in the podocyte expanded by STRING WP2309</a:t>
+                      </a:r>
+                    </a:p>
+                    <a:p>
+                      <a:pPr marL="0" marR="0" indent="0" algn="l" defTabSz="457200" rtl="0" eaLnBrk="1" fontAlgn="auto" latinLnBrk="0" hangingPunct="1">
+                        <a:lnSpc>
+                          <a:spcPct val="100000"/>
+                        </a:lnSpc>
+                        <a:spcBef>
+                          <a:spcPts val="0"/>
+                        </a:spcBef>
+                        <a:spcAft>
+                          <a:spcPts val="0"/>
+                        </a:spcAft>
+                        <a:buClrTx/>
+                        <a:buSzTx/>
+                        <a:buFontTx/>
+                        <a:buNone/>
+                        <a:tabLst/>
+                        <a:defRPr/>
+                      </a:pPr>
+                      <a:r>
+                        <a:rPr lang="en-US" sz="1000" b="1" baseline="0" dirty="0" smtClean="0"/>
+                        <a:t>(3.843e-74)</a:t>
+                      </a:r>
+                      <a:endParaRPr lang="en-US" sz="1000" b="1" baseline="0" dirty="0" smtClean="0"/>
+                    </a:p>
+                  </a:txBody>
+                  <a:tcPr/>
+                </a:tc>
+                <a:tc>
+                  <a:txBody>
+                    <a:bodyPr/>
+                    <a:lstStyle/>
+                    <a:p>
+                      <a:pPr algn="l"/>
+                      <a:r>
+                        <a:rPr lang="en-US" sz="1000" b="0" dirty="0" smtClean="0"/>
+                        <a:t>Gene Expression R-HSA-74160</a:t>
+                      </a:r>
+                    </a:p>
+                    <a:p>
+                      <a:pPr algn="l"/>
+                      <a:r>
+                        <a:rPr lang="en-US" sz="1000" b="1" dirty="0" smtClean="0"/>
+                        <a:t>(1.690e-74)</a:t>
+                      </a:r>
+                      <a:endParaRPr lang="en-US" sz="1000" b="1" dirty="0"/>
+                    </a:p>
+                  </a:txBody>
+                  <a:tcPr/>
+                </a:tc>
+                <a:tc>
+                  <a:txBody>
+                    <a:bodyPr/>
+                    <a:lstStyle/>
+                    <a:p>
+                      <a:pPr marL="0" marR="0" indent="0" algn="l" defTabSz="457200" rtl="0" eaLnBrk="1" fontAlgn="auto" latinLnBrk="0" hangingPunct="1">
+                        <a:lnSpc>
+                          <a:spcPct val="100000"/>
+                        </a:lnSpc>
+                        <a:spcBef>
+                          <a:spcPts val="0"/>
+                        </a:spcBef>
+                        <a:spcAft>
+                          <a:spcPts val="0"/>
+                        </a:spcAft>
+                        <a:buClrTx/>
+                        <a:buSzTx/>
+                        <a:buFontTx/>
+                        <a:buNone/>
+                        <a:tabLst/>
+                        <a:defRPr/>
+                      </a:pPr>
+                      <a:r>
+                        <a:rPr lang="en-US" sz="1000" b="0" dirty="0" smtClean="0"/>
+                        <a:t>Protein</a:t>
+                      </a:r>
+                      <a:r>
+                        <a:rPr lang="en-US" sz="1000" b="0" baseline="0" dirty="0" smtClean="0"/>
+                        <a:t> deubiquitination involved in ubiquitin-dependent protein catabolic process</a:t>
+                      </a:r>
+                    </a:p>
+                    <a:p>
+                      <a:pPr marL="0" marR="0" indent="0" algn="l" defTabSz="457200" rtl="0" eaLnBrk="1" fontAlgn="auto" latinLnBrk="0" hangingPunct="1">
+                        <a:lnSpc>
+                          <a:spcPct val="100000"/>
+                        </a:lnSpc>
+                        <a:spcBef>
+                          <a:spcPts val="0"/>
+                        </a:spcBef>
+                        <a:spcAft>
+                          <a:spcPts val="0"/>
+                        </a:spcAft>
+                        <a:buClrTx/>
+                        <a:buSzTx/>
+                        <a:buFontTx/>
+                        <a:buNone/>
+                        <a:tabLst/>
+                        <a:defRPr/>
+                      </a:pPr>
+                      <a:r>
+                        <a:rPr lang="en-US" sz="1000" b="1" baseline="0" dirty="0" smtClean="0"/>
+                        <a:t>(5.695e-46)</a:t>
+                      </a:r>
+                      <a:endParaRPr lang="en-US" sz="1000" b="1" dirty="0" smtClean="0"/>
+                    </a:p>
+                  </a:txBody>
+                  <a:tcPr/>
+                </a:tc>
+                <a:tc>
+                  <a:txBody>
+                    <a:bodyPr/>
+                    <a:lstStyle/>
+                    <a:p>
+                      <a:pPr algn="l"/>
+                      <a:endParaRPr lang="en-US" sz="1000" b="1" dirty="0" smtClean="0"/>
+                    </a:p>
+                  </a:txBody>
+                  <a:tcPr/>
+                </a:tc>
+                <a:tc>
+                  <a:txBody>
+                    <a:bodyPr/>
+                    <a:lstStyle/>
+                    <a:p>
+                      <a:pPr algn="l"/>
+                      <a:r>
+                        <a:rPr lang="en-US" sz="1000" b="0" dirty="0" smtClean="0"/>
+                        <a:t>Double</a:t>
+                      </a:r>
+                      <a:r>
+                        <a:rPr lang="en-US" sz="1000" b="0" baseline="0" dirty="0" smtClean="0"/>
+                        <a:t>-stranded RNA binding</a:t>
+                      </a:r>
+                      <a:endParaRPr lang="en-US" sz="1000" b="1" baseline="0" dirty="0"/>
+                    </a:p>
+                    <a:p>
+                      <a:pPr algn="l"/>
+                      <a:r>
+                        <a:rPr lang="en-US" sz="1000" b="1" baseline="0" dirty="0" smtClean="0"/>
+                        <a:t>(9.049e-87)</a:t>
+                      </a:r>
+                    </a:p>
+                  </a:txBody>
+                  <a:tcPr/>
+                </a:tc>
+              </a:tr>
+              <a:tr h="715986">
+                <a:tc>
+                  <a:txBody>
+                    <a:bodyPr/>
+                    <a:lstStyle/>
+                    <a:p>
+                      <a:pPr marL="0" marR="0" indent="0" algn="l" defTabSz="457200" rtl="0" eaLnBrk="1" fontAlgn="auto" latinLnBrk="0" hangingPunct="1">
+                        <a:lnSpc>
+                          <a:spcPct val="100000"/>
+                        </a:lnSpc>
+                        <a:spcBef>
+                          <a:spcPts val="0"/>
+                        </a:spcBef>
+                        <a:spcAft>
+                          <a:spcPts val="0"/>
+                        </a:spcAft>
+                        <a:buClrTx/>
+                        <a:buSzTx/>
+                        <a:buFontTx/>
+                        <a:buNone/>
+                        <a:tabLst/>
+                        <a:defRPr/>
+                      </a:pPr>
+                      <a:r>
+                        <a:rPr lang="en-US" sz="1000" b="0" i="0" dirty="0" smtClean="0"/>
+                        <a:t>Epstein-Barr</a:t>
+                      </a:r>
+                      <a:r>
+                        <a:rPr lang="en-US" sz="1000" b="0" i="0" baseline="0" dirty="0" smtClean="0"/>
+                        <a:t> virus infection hsa05169</a:t>
+                      </a:r>
+                    </a:p>
+                    <a:p>
+                      <a:pPr marL="0" marR="0" indent="0" algn="l" defTabSz="457200" rtl="0" eaLnBrk="1" fontAlgn="auto" latinLnBrk="0" hangingPunct="1">
+                        <a:lnSpc>
+                          <a:spcPct val="100000"/>
+                        </a:lnSpc>
+                        <a:spcBef>
+                          <a:spcPts val="0"/>
+                        </a:spcBef>
+                        <a:spcAft>
+                          <a:spcPts val="0"/>
+                        </a:spcAft>
+                        <a:buClrTx/>
+                        <a:buSzTx/>
+                        <a:buFontTx/>
+                        <a:buNone/>
+                        <a:tabLst/>
+                        <a:defRPr/>
+                      </a:pPr>
+                      <a:r>
+                        <a:rPr lang="en-US" sz="1000" b="1" i="0" baseline="0" dirty="0" smtClean="0"/>
+                        <a:t>(8.643e-34)</a:t>
+                      </a:r>
+                      <a:endParaRPr lang="en-US" sz="1000" b="1" i="0" dirty="0" smtClean="0"/>
+                    </a:p>
+                  </a:txBody>
+                  <a:tcPr/>
+                </a:tc>
+                <a:tc>
+                  <a:txBody>
+                    <a:bodyPr/>
+                    <a:lstStyle/>
+                    <a:p>
+                      <a:pPr marL="0" marR="0" indent="0" algn="l" defTabSz="457200" rtl="0" eaLnBrk="1" fontAlgn="auto" latinLnBrk="0" hangingPunct="1">
+                        <a:lnSpc>
+                          <a:spcPct val="100000"/>
+                        </a:lnSpc>
+                        <a:spcBef>
+                          <a:spcPts val="0"/>
+                        </a:spcBef>
+                        <a:spcAft>
+                          <a:spcPts val="0"/>
+                        </a:spcAft>
+                        <a:buClrTx/>
+                        <a:buSzTx/>
+                        <a:buFontTx/>
+                        <a:buNone/>
+                        <a:tabLst/>
+                        <a:defRPr/>
+                      </a:pPr>
+                      <a:r>
+                        <a:rPr lang="en-US" sz="1000" b="0" baseline="0" dirty="0" smtClean="0"/>
+                        <a:t>TNF-alpha NF-kB Signaling Pathway WP246</a:t>
+                      </a:r>
+                    </a:p>
+                    <a:p>
+                      <a:pPr marL="0" marR="0" indent="0" algn="l" defTabSz="457200" rtl="0" eaLnBrk="1" fontAlgn="auto" latinLnBrk="0" hangingPunct="1">
+                        <a:lnSpc>
+                          <a:spcPct val="100000"/>
+                        </a:lnSpc>
+                        <a:spcBef>
+                          <a:spcPts val="0"/>
+                        </a:spcBef>
+                        <a:spcAft>
+                          <a:spcPts val="0"/>
+                        </a:spcAft>
+                        <a:buClrTx/>
+                        <a:buSzTx/>
+                        <a:buFontTx/>
+                        <a:buNone/>
+                        <a:tabLst/>
+                        <a:defRPr/>
+                      </a:pPr>
+                      <a:r>
+                        <a:rPr lang="en-US" sz="1000" b="1" baseline="0" dirty="0" smtClean="0"/>
+                        <a:t>(7.850e-51)</a:t>
+                      </a:r>
+                      <a:endParaRPr lang="en-US" sz="1000" b="1" baseline="0" dirty="0" smtClean="0"/>
+                    </a:p>
+                  </a:txBody>
+                  <a:tcPr/>
+                </a:tc>
+                <a:tc>
+                  <a:txBody>
+                    <a:bodyPr/>
+                    <a:lstStyle/>
+                    <a:p>
+                      <a:pPr algn="l"/>
+                      <a:r>
+                        <a:rPr lang="en-US" sz="1000" b="0" dirty="0" smtClean="0"/>
+                        <a:t>Disease R-HSA-1643685</a:t>
+                      </a:r>
+                    </a:p>
+                    <a:p>
+                      <a:pPr algn="l"/>
+                      <a:r>
+                        <a:rPr lang="en-US" sz="1000" b="1" dirty="0" smtClean="0"/>
+                        <a:t>(8.211e-63)</a:t>
+                      </a:r>
+                      <a:endParaRPr lang="en-US" sz="1000" b="1" dirty="0"/>
+                    </a:p>
+                  </a:txBody>
+                  <a:tcPr/>
+                </a:tc>
+                <a:tc>
+                  <a:txBody>
+                    <a:bodyPr/>
+                    <a:lstStyle/>
+                    <a:p>
+                      <a:pPr marL="0" marR="0" indent="0" algn="l" defTabSz="457200" rtl="0" eaLnBrk="1" fontAlgn="auto" latinLnBrk="0" hangingPunct="1">
+                        <a:lnSpc>
+                          <a:spcPct val="100000"/>
+                        </a:lnSpc>
+                        <a:spcBef>
+                          <a:spcPts val="0"/>
+                        </a:spcBef>
+                        <a:spcAft>
+                          <a:spcPts val="0"/>
+                        </a:spcAft>
+                        <a:buClrTx/>
+                        <a:buSzTx/>
+                        <a:buFontTx/>
+                        <a:buNone/>
+                        <a:tabLst/>
+                        <a:defRPr/>
+                      </a:pPr>
+                      <a:r>
+                        <a:rPr lang="en-US" sz="1000" b="0" dirty="0" smtClean="0"/>
+                        <a:t>Negative regulation of transcription from RNA polymerase II promoter</a:t>
+                      </a:r>
+                    </a:p>
+                    <a:p>
+                      <a:pPr marL="0" marR="0" indent="0" algn="l" defTabSz="457200" rtl="0" eaLnBrk="1" fontAlgn="auto" latinLnBrk="0" hangingPunct="1">
+                        <a:lnSpc>
+                          <a:spcPct val="100000"/>
+                        </a:lnSpc>
+                        <a:spcBef>
+                          <a:spcPts val="0"/>
+                        </a:spcBef>
+                        <a:spcAft>
+                          <a:spcPts val="0"/>
+                        </a:spcAft>
+                        <a:buClrTx/>
+                        <a:buSzTx/>
+                        <a:buFontTx/>
+                        <a:buNone/>
+                        <a:tabLst/>
+                        <a:defRPr/>
+                      </a:pPr>
+                      <a:r>
+                        <a:rPr lang="en-US" sz="1000" b="1" dirty="0" smtClean="0"/>
+                        <a:t>(1.391e-41)</a:t>
+                      </a:r>
+                      <a:endParaRPr lang="en-US" sz="1000" b="1" dirty="0" smtClean="0"/>
+                    </a:p>
+                  </a:txBody>
+                  <a:tcPr/>
+                </a:tc>
+                <a:tc>
+                  <a:txBody>
+                    <a:bodyPr/>
+                    <a:lstStyle/>
+                    <a:p>
+                      <a:pPr algn="l"/>
+                      <a:endParaRPr lang="en-US" sz="1000" b="0" i="1" dirty="0"/>
+                    </a:p>
+                  </a:txBody>
+                  <a:tcPr/>
+                </a:tc>
+                <a:tc>
+                  <a:txBody>
+                    <a:bodyPr/>
+                    <a:lstStyle/>
+                    <a:p>
+                      <a:pPr marL="0" marR="0" indent="0" algn="l" defTabSz="457200" rtl="0" eaLnBrk="1" fontAlgn="auto" latinLnBrk="0" hangingPunct="1">
+                        <a:lnSpc>
+                          <a:spcPct val="100000"/>
+                        </a:lnSpc>
+                        <a:spcBef>
+                          <a:spcPts val="0"/>
+                        </a:spcBef>
+                        <a:spcAft>
+                          <a:spcPts val="0"/>
+                        </a:spcAft>
+                        <a:buClrTx/>
+                        <a:buSzTx/>
+                        <a:buFontTx/>
+                        <a:buNone/>
+                        <a:tabLst/>
+                        <a:defRPr/>
+                      </a:pPr>
+                      <a:r>
+                        <a:rPr lang="en-US" sz="1000" b="0" dirty="0" smtClean="0"/>
+                        <a:t>Primary miRNA</a:t>
+                      </a:r>
+                      <a:r>
+                        <a:rPr lang="en-US" sz="1000" b="0" baseline="0" dirty="0" smtClean="0"/>
+                        <a:t> binding </a:t>
+                      </a:r>
+                    </a:p>
+                    <a:p>
+                      <a:pPr marL="0" marR="0" indent="0" algn="l" defTabSz="457200" rtl="0" eaLnBrk="1" fontAlgn="auto" latinLnBrk="0" hangingPunct="1">
+                        <a:lnSpc>
+                          <a:spcPct val="100000"/>
+                        </a:lnSpc>
+                        <a:spcBef>
+                          <a:spcPts val="0"/>
+                        </a:spcBef>
+                        <a:spcAft>
+                          <a:spcPts val="0"/>
+                        </a:spcAft>
+                        <a:buClrTx/>
+                        <a:buSzTx/>
+                        <a:buFontTx/>
+                        <a:buNone/>
+                        <a:tabLst/>
+                        <a:defRPr/>
+                      </a:pPr>
+                      <a:r>
+                        <a:rPr lang="en-US" sz="1000" b="1" baseline="0" dirty="0" smtClean="0"/>
+                        <a:t>(9.049e-87)</a:t>
+                      </a:r>
+                      <a:endParaRPr lang="en-US" sz="1000" b="1" dirty="0" smtClean="0"/>
+                    </a:p>
+                  </a:txBody>
+                  <a:tcPr/>
+                </a:tc>
+              </a:tr>
+              <a:tr h="560337">
+                <a:tc>
+                  <a:txBody>
+                    <a:bodyPr/>
+                    <a:lstStyle/>
+                    <a:p>
+                      <a:pPr algn="l"/>
+                      <a:r>
+                        <a:rPr lang="en-US" sz="1000" b="0" dirty="0" smtClean="0"/>
+                        <a:t>Viral carcinogenesis</a:t>
+                      </a:r>
+                      <a:r>
+                        <a:rPr lang="en-US" sz="1000" b="0" baseline="0" dirty="0" smtClean="0"/>
+                        <a:t> hsa05203</a:t>
+                      </a:r>
+                    </a:p>
+                    <a:p>
+                      <a:pPr algn="l"/>
+                      <a:r>
+                        <a:rPr lang="en-US" sz="1000" b="1" baseline="0" dirty="0" smtClean="0"/>
+                        <a:t>(4.551e-30)</a:t>
+                      </a:r>
+                      <a:endParaRPr lang="en-US" sz="1000" b="1" dirty="0"/>
+                    </a:p>
+                  </a:txBody>
+                  <a:tcPr/>
+                </a:tc>
+                <a:tc>
+                  <a:txBody>
+                    <a:bodyPr/>
+                    <a:lstStyle/>
+                    <a:p>
+                      <a:pPr marL="0" marR="0" indent="0" algn="l" defTabSz="457200" rtl="0" eaLnBrk="1" fontAlgn="auto" latinLnBrk="0" hangingPunct="1">
+                        <a:lnSpc>
+                          <a:spcPct val="100000"/>
+                        </a:lnSpc>
+                        <a:spcBef>
+                          <a:spcPts val="0"/>
+                        </a:spcBef>
+                        <a:spcAft>
+                          <a:spcPts val="0"/>
+                        </a:spcAft>
+                        <a:buClrTx/>
+                        <a:buSzTx/>
+                        <a:buFontTx/>
+                        <a:buNone/>
+                        <a:tabLst/>
+                        <a:defRPr/>
+                      </a:pPr>
+                      <a:r>
+                        <a:rPr lang="en-US" sz="1000" b="0" baseline="0" dirty="0" smtClean="0"/>
+                        <a:t>EGFR1 Signaling Pathway WP572</a:t>
+                      </a:r>
+                    </a:p>
+                    <a:p>
+                      <a:pPr marL="0" marR="0" indent="0" algn="l" defTabSz="457200" rtl="0" eaLnBrk="1" fontAlgn="auto" latinLnBrk="0" hangingPunct="1">
+                        <a:lnSpc>
+                          <a:spcPct val="100000"/>
+                        </a:lnSpc>
+                        <a:spcBef>
+                          <a:spcPts val="0"/>
+                        </a:spcBef>
+                        <a:spcAft>
+                          <a:spcPts val="0"/>
+                        </a:spcAft>
+                        <a:buClrTx/>
+                        <a:buSzTx/>
+                        <a:buFontTx/>
+                        <a:buNone/>
+                        <a:tabLst/>
+                        <a:defRPr/>
+                      </a:pPr>
+                      <a:r>
+                        <a:rPr lang="en-US" sz="1000" b="1" baseline="0" dirty="0" smtClean="0"/>
+                        <a:t>(3.345e-44)</a:t>
+                      </a:r>
+                      <a:endParaRPr lang="en-US" sz="1000" b="1" baseline="0" dirty="0" smtClean="0"/>
+                    </a:p>
+                  </a:txBody>
+                  <a:tcPr/>
+                </a:tc>
+                <a:tc>
+                  <a:txBody>
+                    <a:bodyPr/>
+                    <a:lstStyle/>
+                    <a:p>
+                      <a:pPr algn="l"/>
+                      <a:r>
+                        <a:rPr lang="en-US" sz="1000" b="0" dirty="0" smtClean="0"/>
+                        <a:t>Cell Cycle</a:t>
+                      </a:r>
+                      <a:r>
+                        <a:rPr lang="en-US" sz="1000" b="0" baseline="0" dirty="0" smtClean="0"/>
+                        <a:t> R-HSA-1640170</a:t>
+                      </a:r>
+                    </a:p>
+                    <a:p>
+                      <a:pPr algn="l"/>
+                      <a:r>
+                        <a:rPr lang="en-US" sz="1000" b="1" baseline="0" dirty="0" smtClean="0"/>
+                        <a:t>(2.962e-60)</a:t>
+                      </a:r>
+                      <a:endParaRPr lang="en-US" sz="1000" b="1" dirty="0"/>
+                    </a:p>
+                  </a:txBody>
+                  <a:tcPr/>
+                </a:tc>
+                <a:tc>
+                  <a:txBody>
+                    <a:bodyPr/>
+                    <a:lstStyle/>
+                    <a:p>
+                      <a:pPr marL="0" marR="0" indent="0" algn="l" defTabSz="457200" rtl="0" eaLnBrk="1" fontAlgn="auto" latinLnBrk="0" hangingPunct="1">
+                        <a:lnSpc>
+                          <a:spcPct val="100000"/>
+                        </a:lnSpc>
+                        <a:spcBef>
+                          <a:spcPts val="0"/>
+                        </a:spcBef>
+                        <a:spcAft>
+                          <a:spcPts val="0"/>
+                        </a:spcAft>
+                        <a:buClrTx/>
+                        <a:buSzTx/>
+                        <a:buFontTx/>
+                        <a:buNone/>
+                        <a:tabLst/>
+                        <a:defRPr/>
+                      </a:pPr>
+                      <a:r>
+                        <a:rPr lang="en-US" sz="1000" b="0" dirty="0" smtClean="0"/>
+                        <a:t>DNA</a:t>
+                      </a:r>
+                      <a:r>
+                        <a:rPr lang="en-US" sz="1000" b="0" baseline="0" dirty="0" smtClean="0"/>
+                        <a:t> damage induced protein phosphorylation</a:t>
+                      </a:r>
+                    </a:p>
+                    <a:p>
+                      <a:pPr marL="0" marR="0" indent="0" algn="l" defTabSz="457200" rtl="0" eaLnBrk="1" fontAlgn="auto" latinLnBrk="0" hangingPunct="1">
+                        <a:lnSpc>
+                          <a:spcPct val="100000"/>
+                        </a:lnSpc>
+                        <a:spcBef>
+                          <a:spcPts val="0"/>
+                        </a:spcBef>
+                        <a:spcAft>
+                          <a:spcPts val="0"/>
+                        </a:spcAft>
+                        <a:buClrTx/>
+                        <a:buSzTx/>
+                        <a:buFontTx/>
+                        <a:buNone/>
+                        <a:tabLst/>
+                        <a:defRPr/>
+                      </a:pPr>
+                      <a:r>
+                        <a:rPr lang="en-US" sz="1000" b="1" baseline="0" dirty="0" smtClean="0"/>
+                        <a:t>(1.189e-40)</a:t>
+                      </a:r>
+                      <a:endParaRPr lang="en-US" sz="1000" b="1" dirty="0" smtClean="0"/>
+                    </a:p>
+                  </a:txBody>
+                  <a:tcPr/>
+                </a:tc>
+                <a:tc>
+                  <a:txBody>
+                    <a:bodyPr/>
+                    <a:lstStyle/>
+                    <a:p>
+                      <a:pPr marL="0" marR="0" indent="0" algn="l" defTabSz="457200" rtl="0" eaLnBrk="1" fontAlgn="auto" latinLnBrk="0" hangingPunct="1">
+                        <a:lnSpc>
+                          <a:spcPct val="100000"/>
+                        </a:lnSpc>
+                        <a:spcBef>
+                          <a:spcPts val="0"/>
+                        </a:spcBef>
+                        <a:spcAft>
+                          <a:spcPts val="0"/>
+                        </a:spcAft>
+                        <a:buClrTx/>
+                        <a:buSzTx/>
+                        <a:buFontTx/>
+                        <a:buNone/>
+                        <a:tabLst/>
+                        <a:defRPr/>
+                      </a:pPr>
+                      <a:endParaRPr lang="en-US" sz="1000" b="0" baseline="0" dirty="0" smtClean="0"/>
+                    </a:p>
+                  </a:txBody>
+                  <a:tcPr/>
+                </a:tc>
+                <a:tc>
+                  <a:txBody>
+                    <a:bodyPr/>
+                    <a:lstStyle/>
+                    <a:p>
+                      <a:pPr marL="0" marR="0" indent="0" algn="l" defTabSz="457200" rtl="0" eaLnBrk="1" fontAlgn="auto" latinLnBrk="0" hangingPunct="1">
+                        <a:lnSpc>
+                          <a:spcPct val="100000"/>
+                        </a:lnSpc>
+                        <a:spcBef>
+                          <a:spcPts val="0"/>
+                        </a:spcBef>
+                        <a:spcAft>
+                          <a:spcPts val="0"/>
+                        </a:spcAft>
+                        <a:buClrTx/>
+                        <a:buSzTx/>
+                        <a:buFontTx/>
+                        <a:buNone/>
+                        <a:tabLst/>
+                        <a:defRPr/>
+                      </a:pPr>
+                      <a:r>
+                        <a:rPr lang="en-US" sz="1000" b="0" dirty="0" smtClean="0"/>
+                        <a:t>AI-rich element</a:t>
+                      </a:r>
+                      <a:r>
+                        <a:rPr lang="en-US" sz="1000" b="0" baseline="0" dirty="0" smtClean="0"/>
+                        <a:t> binding</a:t>
+                      </a:r>
+                    </a:p>
+                    <a:p>
+                      <a:pPr marL="0" marR="0" indent="0" algn="l" defTabSz="457200" rtl="0" eaLnBrk="1" fontAlgn="auto" latinLnBrk="0" hangingPunct="1">
+                        <a:lnSpc>
+                          <a:spcPct val="100000"/>
+                        </a:lnSpc>
+                        <a:spcBef>
+                          <a:spcPts val="0"/>
+                        </a:spcBef>
+                        <a:spcAft>
+                          <a:spcPts val="0"/>
+                        </a:spcAft>
+                        <a:buClrTx/>
+                        <a:buSzTx/>
+                        <a:buFontTx/>
+                        <a:buNone/>
+                        <a:tabLst/>
+                        <a:defRPr/>
+                      </a:pPr>
+                      <a:r>
+                        <a:rPr lang="en-US" sz="1000" b="1" baseline="0" dirty="0" smtClean="0"/>
+                        <a:t>(2.111e-86)</a:t>
+                      </a:r>
+                      <a:endParaRPr lang="en-US" sz="1000" b="1" dirty="0" smtClean="0"/>
+                    </a:p>
+                  </a:txBody>
+                  <a:tcPr/>
+                </a:tc>
+              </a:tr>
+              <a:tr h="715986">
+                <a:tc>
+                  <a:txBody>
+                    <a:bodyPr/>
+                    <a:lstStyle/>
+                    <a:p>
+                      <a:pPr algn="l"/>
+                      <a:r>
+                        <a:rPr lang="en-US" sz="1000" b="0" dirty="0" smtClean="0"/>
+                        <a:t>Chronic myeloid</a:t>
+                      </a:r>
+                      <a:r>
+                        <a:rPr lang="en-US" sz="1000" b="0" baseline="0" dirty="0" smtClean="0"/>
+                        <a:t> leukemia hsa05220</a:t>
+                      </a:r>
+                    </a:p>
+                    <a:p>
+                      <a:pPr algn="l"/>
+                      <a:r>
+                        <a:rPr lang="en-US" sz="1000" b="1" baseline="0" dirty="0" smtClean="0"/>
+                        <a:t>(1.508e-28)</a:t>
+                      </a:r>
+                      <a:endParaRPr lang="en-US" sz="1000" b="1" dirty="0"/>
+                    </a:p>
+                  </a:txBody>
+                  <a:tcPr/>
+                </a:tc>
+                <a:tc>
+                  <a:txBody>
+                    <a:bodyPr/>
+                    <a:lstStyle/>
+                    <a:p>
+                      <a:pPr marL="0" marR="0" indent="0" algn="l" defTabSz="457200" rtl="0" eaLnBrk="1" fontAlgn="auto" latinLnBrk="0" hangingPunct="1">
+                        <a:lnSpc>
+                          <a:spcPct val="100000"/>
+                        </a:lnSpc>
+                        <a:spcBef>
+                          <a:spcPts val="0"/>
+                        </a:spcBef>
+                        <a:spcAft>
+                          <a:spcPts val="0"/>
+                        </a:spcAft>
+                        <a:buClrTx/>
+                        <a:buSzTx/>
+                        <a:buFontTx/>
+                        <a:buNone/>
+                        <a:tabLst/>
+                        <a:defRPr/>
+                      </a:pPr>
+                      <a:r>
+                        <a:rPr lang="en-US" sz="1000" b="0" i="0" baseline="0" dirty="0" smtClean="0"/>
+                        <a:t>Integrated Pancreatic Cancer Pathway WP2377</a:t>
+                      </a:r>
+                    </a:p>
+                    <a:p>
+                      <a:pPr marL="0" marR="0" indent="0" algn="l" defTabSz="457200" rtl="0" eaLnBrk="1" fontAlgn="auto" latinLnBrk="0" hangingPunct="1">
+                        <a:lnSpc>
+                          <a:spcPct val="100000"/>
+                        </a:lnSpc>
+                        <a:spcBef>
+                          <a:spcPts val="0"/>
+                        </a:spcBef>
+                        <a:spcAft>
+                          <a:spcPts val="0"/>
+                        </a:spcAft>
+                        <a:buClrTx/>
+                        <a:buSzTx/>
+                        <a:buFontTx/>
+                        <a:buNone/>
+                        <a:tabLst/>
+                        <a:defRPr/>
+                      </a:pPr>
+                      <a:r>
+                        <a:rPr lang="en-US" sz="1000" b="1" i="0" baseline="0" dirty="0" smtClean="0"/>
+                        <a:t>(1.259e-38)</a:t>
+                      </a:r>
+                      <a:endParaRPr lang="en-US" sz="1000" b="1" i="0" baseline="0" dirty="0" smtClean="0"/>
+                    </a:p>
+                  </a:txBody>
+                  <a:tcPr/>
+                </a:tc>
+                <a:tc>
+                  <a:txBody>
+                    <a:bodyPr/>
+                    <a:lstStyle/>
+                    <a:p>
+                      <a:pPr algn="l"/>
+                      <a:r>
+                        <a:rPr lang="en-US" sz="1000" b="0" dirty="0" smtClean="0"/>
+                        <a:t>Immune System R-HSA-168256</a:t>
+                      </a:r>
+                    </a:p>
+                    <a:p>
+                      <a:pPr algn="l"/>
+                      <a:r>
+                        <a:rPr lang="en-US" sz="1000" b="1" dirty="0" smtClean="0"/>
+                        <a:t>(5.042e-58)</a:t>
+                      </a:r>
+                      <a:endParaRPr lang="en-US" sz="1000" b="1" dirty="0"/>
+                    </a:p>
+                  </a:txBody>
+                  <a:tcPr/>
+                </a:tc>
+                <a:tc>
+                  <a:txBody>
+                    <a:bodyPr/>
+                    <a:lstStyle/>
+                    <a:p>
+                      <a:pPr algn="l"/>
+                      <a:r>
+                        <a:rPr lang="en-US" sz="1000" b="0" dirty="0" smtClean="0"/>
+                        <a:t>Positive regulation of transcription from</a:t>
+                      </a:r>
+                      <a:r>
+                        <a:rPr lang="en-US" sz="1000" b="0" baseline="0" dirty="0" smtClean="0"/>
+                        <a:t> RNA polymerase II promoter</a:t>
+                      </a:r>
+                    </a:p>
+                    <a:p>
+                      <a:pPr algn="l"/>
+                      <a:r>
+                        <a:rPr lang="en-US" sz="1000" b="1" baseline="0" dirty="0" smtClean="0"/>
+                        <a:t>(1.289e-39)</a:t>
+                      </a:r>
+                      <a:endParaRPr lang="en-US" sz="1000" b="1" dirty="0" smtClean="0"/>
+                    </a:p>
+                  </a:txBody>
+                  <a:tcPr/>
+                </a:tc>
+                <a:tc>
+                  <a:txBody>
+                    <a:bodyPr/>
+                    <a:lstStyle/>
+                    <a:p>
+                      <a:pPr algn="l"/>
+                      <a:endParaRPr lang="en-US" sz="1000" b="0" dirty="0"/>
+                    </a:p>
+                  </a:txBody>
+                  <a:tcPr/>
+                </a:tc>
+                <a:tc>
+                  <a:txBody>
+                    <a:bodyPr/>
+                    <a:lstStyle/>
+                    <a:p>
+                      <a:pPr marL="0" marR="0" indent="0" algn="l" defTabSz="457200" rtl="0" eaLnBrk="1" fontAlgn="auto" latinLnBrk="0" hangingPunct="1">
+                        <a:lnSpc>
+                          <a:spcPct val="100000"/>
+                        </a:lnSpc>
+                        <a:spcBef>
+                          <a:spcPts val="0"/>
+                        </a:spcBef>
+                        <a:spcAft>
+                          <a:spcPts val="0"/>
+                        </a:spcAft>
+                        <a:buClrTx/>
+                        <a:buSzTx/>
+                        <a:buFontTx/>
+                        <a:buNone/>
+                        <a:tabLst/>
+                        <a:defRPr/>
+                      </a:pPr>
+                      <a:r>
+                        <a:rPr lang="en-US" sz="1000" b="0" dirty="0" smtClean="0"/>
+                        <a:t>miRNA binding</a:t>
+                      </a:r>
+                    </a:p>
+                    <a:p>
+                      <a:pPr marL="0" marR="0" indent="0" algn="l" defTabSz="457200" rtl="0" eaLnBrk="1" fontAlgn="auto" latinLnBrk="0" hangingPunct="1">
+                        <a:lnSpc>
+                          <a:spcPct val="100000"/>
+                        </a:lnSpc>
+                        <a:spcBef>
+                          <a:spcPts val="0"/>
+                        </a:spcBef>
+                        <a:spcAft>
+                          <a:spcPts val="0"/>
+                        </a:spcAft>
+                        <a:buClrTx/>
+                        <a:buSzTx/>
+                        <a:buFontTx/>
+                        <a:buNone/>
+                        <a:tabLst/>
+                        <a:defRPr/>
+                      </a:pPr>
+                      <a:r>
+                        <a:rPr lang="en-US" sz="1000" b="1" dirty="0" smtClean="0"/>
+                        <a:t>(2.111e-86)</a:t>
+                      </a:r>
+                      <a:endParaRPr lang="en-US" sz="1000" b="1" dirty="0" smtClean="0"/>
+                    </a:p>
+                  </a:txBody>
+                  <a:tcPr/>
+                </a:tc>
+              </a:tr>
+              <a:tr h="560337">
+                <a:tc>
+                  <a:txBody>
+                    <a:bodyPr/>
+                    <a:lstStyle/>
+                    <a:p>
+                      <a:pPr marL="0" marR="0" indent="0" algn="l" defTabSz="457200" rtl="0" eaLnBrk="1" fontAlgn="auto" latinLnBrk="0" hangingPunct="1">
+                        <a:lnSpc>
+                          <a:spcPct val="100000"/>
+                        </a:lnSpc>
+                        <a:spcBef>
+                          <a:spcPts val="0"/>
+                        </a:spcBef>
+                        <a:spcAft>
+                          <a:spcPts val="0"/>
+                        </a:spcAft>
+                        <a:buClrTx/>
+                        <a:buSzTx/>
+                        <a:buFontTx/>
+                        <a:buNone/>
+                        <a:tabLst/>
+                        <a:defRPr/>
+                      </a:pPr>
+                      <a:r>
+                        <a:rPr lang="en-US" sz="1000" b="0" dirty="0" smtClean="0"/>
+                        <a:t>Hepatitis B hsa05161</a:t>
+                      </a:r>
+                    </a:p>
+                    <a:p>
+                      <a:pPr marL="0" marR="0" indent="0" algn="l" defTabSz="457200" rtl="0" eaLnBrk="1" fontAlgn="auto" latinLnBrk="0" hangingPunct="1">
+                        <a:lnSpc>
+                          <a:spcPct val="100000"/>
+                        </a:lnSpc>
+                        <a:spcBef>
+                          <a:spcPts val="0"/>
+                        </a:spcBef>
+                        <a:spcAft>
+                          <a:spcPts val="0"/>
+                        </a:spcAft>
+                        <a:buClrTx/>
+                        <a:buSzTx/>
+                        <a:buFontTx/>
+                        <a:buNone/>
+                        <a:tabLst/>
+                        <a:defRPr/>
+                      </a:pPr>
+                      <a:r>
+                        <a:rPr lang="en-US" sz="1000" b="1" dirty="0" smtClean="0"/>
+                        <a:t>(9.276e-28)</a:t>
+                      </a:r>
+                      <a:endParaRPr lang="en-US" sz="1000" b="1" dirty="0" smtClean="0"/>
+                    </a:p>
+                  </a:txBody>
+                  <a:tcPr/>
+                </a:tc>
+                <a:tc>
+                  <a:txBody>
+                    <a:bodyPr/>
+                    <a:lstStyle/>
+                    <a:p>
+                      <a:pPr marL="0" marR="0" indent="0" algn="l" defTabSz="457200" rtl="0" eaLnBrk="1" fontAlgn="auto" latinLnBrk="0" hangingPunct="1">
+                        <a:lnSpc>
+                          <a:spcPct val="100000"/>
+                        </a:lnSpc>
+                        <a:spcBef>
+                          <a:spcPts val="0"/>
+                        </a:spcBef>
+                        <a:spcAft>
+                          <a:spcPts val="0"/>
+                        </a:spcAft>
+                        <a:buClrTx/>
+                        <a:buSzTx/>
+                        <a:buFontTx/>
+                        <a:buNone/>
+                        <a:tabLst/>
+                        <a:defRPr/>
+                      </a:pPr>
+                      <a:r>
+                        <a:rPr lang="en-US" sz="1000" b="0" i="0" dirty="0" smtClean="0"/>
+                        <a:t>EGF/EGFR Signaling Pathway WP437</a:t>
+                      </a:r>
+                    </a:p>
+                    <a:p>
+                      <a:pPr marL="0" marR="0" indent="0" algn="l" defTabSz="457200" rtl="0" eaLnBrk="1" fontAlgn="auto" latinLnBrk="0" hangingPunct="1">
+                        <a:lnSpc>
+                          <a:spcPct val="100000"/>
+                        </a:lnSpc>
+                        <a:spcBef>
+                          <a:spcPts val="0"/>
+                        </a:spcBef>
+                        <a:spcAft>
+                          <a:spcPts val="0"/>
+                        </a:spcAft>
+                        <a:buClrTx/>
+                        <a:buSzTx/>
+                        <a:buFontTx/>
+                        <a:buNone/>
+                        <a:tabLst/>
+                        <a:defRPr/>
+                      </a:pPr>
+                      <a:r>
+                        <a:rPr lang="en-US" sz="1000" b="1" i="0" dirty="0" smtClean="0"/>
+                        <a:t>(7.128e-38)</a:t>
+                      </a:r>
+                      <a:endParaRPr lang="en-US" sz="1000" b="1" i="0" dirty="0"/>
+                    </a:p>
+                  </a:txBody>
+                  <a:tcPr/>
+                </a:tc>
+                <a:tc>
+                  <a:txBody>
+                    <a:bodyPr/>
+                    <a:lstStyle/>
+                    <a:p>
+                      <a:pPr marL="0" marR="0" indent="0" algn="l" defTabSz="457200" rtl="0" eaLnBrk="1" fontAlgn="auto" latinLnBrk="0" hangingPunct="1">
+                        <a:lnSpc>
+                          <a:spcPct val="100000"/>
+                        </a:lnSpc>
+                        <a:spcBef>
+                          <a:spcPts val="0"/>
+                        </a:spcBef>
+                        <a:spcAft>
+                          <a:spcPts val="0"/>
+                        </a:spcAft>
+                        <a:buClrTx/>
+                        <a:buSzTx/>
+                        <a:buFontTx/>
+                        <a:buNone/>
+                        <a:tabLst/>
+                        <a:defRPr/>
+                      </a:pPr>
+                      <a:r>
+                        <a:rPr lang="en-US" sz="1000" b="0" dirty="0" smtClean="0"/>
+                        <a:t>Cell Cycle, Mitotic R-HSA-69278</a:t>
+                      </a:r>
+                    </a:p>
+                    <a:p>
+                      <a:pPr marL="0" marR="0" indent="0" algn="l" defTabSz="457200" rtl="0" eaLnBrk="1" fontAlgn="auto" latinLnBrk="0" hangingPunct="1">
+                        <a:lnSpc>
+                          <a:spcPct val="100000"/>
+                        </a:lnSpc>
+                        <a:spcBef>
+                          <a:spcPts val="0"/>
+                        </a:spcBef>
+                        <a:spcAft>
+                          <a:spcPts val="0"/>
+                        </a:spcAft>
+                        <a:buClrTx/>
+                        <a:buSzTx/>
+                        <a:buFontTx/>
+                        <a:buNone/>
+                        <a:tabLst/>
+                        <a:defRPr/>
+                      </a:pPr>
+                      <a:r>
+                        <a:rPr lang="en-US" sz="1000" b="1" dirty="0" smtClean="0"/>
+                        <a:t>(1.575e-51)</a:t>
+                      </a:r>
+                      <a:endParaRPr lang="en-US" sz="1000" b="1" dirty="0" smtClean="0"/>
+                    </a:p>
+                  </a:txBody>
+                  <a:tcPr/>
+                </a:tc>
+                <a:tc>
+                  <a:txBody>
+                    <a:bodyPr/>
+                    <a:lstStyle/>
+                    <a:p>
+                      <a:pPr algn="l"/>
+                      <a:r>
+                        <a:rPr lang="en-US" sz="1000" b="0" dirty="0" smtClean="0"/>
+                        <a:t>Protein K-linked deubiquitination</a:t>
+                      </a:r>
+                    </a:p>
+                    <a:p>
+                      <a:pPr algn="l"/>
+                      <a:r>
+                        <a:rPr lang="en-US" sz="1000" b="1" dirty="0" smtClean="0"/>
+                        <a:t>(3.509e-38)</a:t>
+                      </a:r>
+                      <a:endParaRPr lang="en-US" sz="1000" b="1" dirty="0" smtClean="0"/>
+                    </a:p>
+                  </a:txBody>
+                  <a:tcPr/>
+                </a:tc>
+                <a:tc>
+                  <a:txBody>
+                    <a:bodyPr/>
+                    <a:lstStyle/>
+                    <a:p>
+                      <a:pPr algn="l"/>
+                      <a:endParaRPr lang="en-US" sz="1000" b="0" dirty="0"/>
+                    </a:p>
+                  </a:txBody>
+                  <a:tcPr/>
+                </a:tc>
+                <a:tc>
+                  <a:txBody>
+                    <a:bodyPr/>
+                    <a:lstStyle/>
+                    <a:p>
+                      <a:pPr marL="0" marR="0" indent="0" algn="l" defTabSz="457200" rtl="0" eaLnBrk="1" fontAlgn="auto" latinLnBrk="0" hangingPunct="1">
+                        <a:lnSpc>
+                          <a:spcPct val="100000"/>
+                        </a:lnSpc>
+                        <a:spcBef>
+                          <a:spcPts val="0"/>
+                        </a:spcBef>
+                        <a:spcAft>
+                          <a:spcPts val="0"/>
+                        </a:spcAft>
+                        <a:buClrTx/>
+                        <a:buSzTx/>
+                        <a:buFontTx/>
+                        <a:buNone/>
+                        <a:tabLst/>
+                        <a:defRPr/>
+                      </a:pPr>
+                      <a:r>
+                        <a:rPr lang="en-US" sz="1000" b="0" dirty="0" smtClean="0"/>
+                        <a:t>Telomerase</a:t>
+                      </a:r>
+                      <a:r>
+                        <a:rPr lang="en-US" sz="1000" b="0" baseline="0" dirty="0" smtClean="0"/>
+                        <a:t> RNA binding</a:t>
+                      </a:r>
+                    </a:p>
+                    <a:p>
+                      <a:pPr marL="0" marR="0" indent="0" algn="l" defTabSz="457200" rtl="0" eaLnBrk="1" fontAlgn="auto" latinLnBrk="0" hangingPunct="1">
+                        <a:lnSpc>
+                          <a:spcPct val="100000"/>
+                        </a:lnSpc>
+                        <a:spcBef>
+                          <a:spcPts val="0"/>
+                        </a:spcBef>
+                        <a:spcAft>
+                          <a:spcPts val="0"/>
+                        </a:spcAft>
+                        <a:buClrTx/>
+                        <a:buSzTx/>
+                        <a:buFontTx/>
+                        <a:buNone/>
+                        <a:tabLst/>
+                        <a:defRPr/>
+                      </a:pPr>
+                      <a:r>
+                        <a:rPr lang="en-US" sz="1000" b="1" dirty="0" smtClean="0"/>
+                        <a:t>(2.111e-86)</a:t>
+                      </a:r>
+                    </a:p>
+                  </a:txBody>
+                  <a:tcPr/>
+                </a:tc>
+              </a:tr>
+              <a:tr h="560337">
+                <a:tc>
+                  <a:txBody>
+                    <a:bodyPr/>
+                    <a:lstStyle/>
+                    <a:p>
+                      <a:pPr algn="l"/>
+                      <a:r>
+                        <a:rPr lang="en-US" sz="1000" b="0" dirty="0" smtClean="0"/>
+                        <a:t>ErbB signaling pathway hsa04012</a:t>
+                      </a:r>
+                    </a:p>
+                    <a:p>
+                      <a:pPr algn="l"/>
+                      <a:r>
+                        <a:rPr lang="en-US" sz="1000" b="1" dirty="0" smtClean="0"/>
+                        <a:t>(4.792e-25)</a:t>
+                      </a:r>
+                      <a:endParaRPr lang="en-US" sz="1000" b="1" dirty="0"/>
+                    </a:p>
+                  </a:txBody>
+                  <a:tcPr/>
+                </a:tc>
+                <a:tc>
+                  <a:txBody>
+                    <a:bodyPr/>
+                    <a:lstStyle/>
+                    <a:p>
+                      <a:pPr algn="l"/>
+                      <a:r>
+                        <a:rPr lang="en-US" sz="1000" b="0" dirty="0" smtClean="0"/>
+                        <a:t>TGF-beta</a:t>
+                      </a:r>
+                      <a:r>
+                        <a:rPr lang="en-US" sz="1000" b="0" baseline="0" dirty="0" smtClean="0"/>
+                        <a:t> Signaling Pathway WP366</a:t>
+                      </a:r>
+                    </a:p>
+                    <a:p>
+                      <a:pPr algn="l"/>
+                      <a:r>
+                        <a:rPr lang="en-US" sz="1000" b="1" baseline="0" dirty="0" smtClean="0"/>
+                        <a:t>(1.819e-37)</a:t>
+                      </a:r>
+                      <a:endParaRPr lang="en-US" sz="1000" b="1" dirty="0"/>
+                    </a:p>
+                  </a:txBody>
+                  <a:tcPr/>
+                </a:tc>
+                <a:tc>
+                  <a:txBody>
+                    <a:bodyPr/>
+                    <a:lstStyle/>
+                    <a:p>
+                      <a:pPr algn="l"/>
+                      <a:r>
+                        <a:rPr lang="en-US" sz="1000" b="0" dirty="0" smtClean="0"/>
+                        <a:t>Developmental Biology</a:t>
+                      </a:r>
+                      <a:r>
+                        <a:rPr lang="en-US" sz="1000" b="0" baseline="0" dirty="0" smtClean="0"/>
+                        <a:t> R-HSA-1266738</a:t>
+                      </a:r>
+                    </a:p>
+                    <a:p>
+                      <a:pPr algn="l"/>
+                      <a:r>
+                        <a:rPr lang="en-US" sz="1000" b="1" baseline="0" dirty="0" smtClean="0"/>
+                        <a:t>(7.837e-48)</a:t>
+                      </a:r>
+                      <a:endParaRPr lang="en-US" sz="1000" b="1" dirty="0"/>
+                    </a:p>
+                  </a:txBody>
+                  <a:tcPr/>
+                </a:tc>
+                <a:tc>
+                  <a:txBody>
+                    <a:bodyPr/>
+                    <a:lstStyle/>
+                    <a:p>
+                      <a:pPr algn="l"/>
+                      <a:r>
+                        <a:rPr lang="en-US" sz="1000" b="0" dirty="0" smtClean="0"/>
+                        <a:t>Monoubiquitinated protein deubiquitination</a:t>
+                      </a:r>
+                    </a:p>
+                    <a:p>
+                      <a:pPr algn="l"/>
+                      <a:r>
+                        <a:rPr lang="en-US" sz="1000" b="1" dirty="0" smtClean="0"/>
+                        <a:t>(9.441e-38)</a:t>
+                      </a:r>
+                      <a:endParaRPr lang="en-US" sz="1000" b="1" dirty="0"/>
+                    </a:p>
+                  </a:txBody>
+                  <a:tcPr/>
+                </a:tc>
+                <a:tc>
+                  <a:txBody>
+                    <a:bodyPr/>
+                    <a:lstStyle/>
+                    <a:p>
+                      <a:pPr algn="l"/>
+                      <a:endParaRPr lang="en-US" sz="1000" b="0" dirty="0"/>
+                    </a:p>
+                  </a:txBody>
+                  <a:tcPr/>
+                </a:tc>
+                <a:tc>
+                  <a:txBody>
+                    <a:bodyPr/>
+                    <a:lstStyle/>
+                    <a:p>
+                      <a:pPr marL="0" marR="0" indent="0" algn="l" defTabSz="457200" rtl="0" eaLnBrk="1" fontAlgn="auto" latinLnBrk="0" hangingPunct="1">
+                        <a:lnSpc>
+                          <a:spcPct val="100000"/>
+                        </a:lnSpc>
+                        <a:spcBef>
+                          <a:spcPts val="0"/>
+                        </a:spcBef>
+                        <a:spcAft>
+                          <a:spcPts val="0"/>
+                        </a:spcAft>
+                        <a:buClrTx/>
+                        <a:buSzTx/>
+                        <a:buFontTx/>
+                        <a:buNone/>
+                        <a:tabLst/>
+                        <a:defRPr/>
+                      </a:pPr>
+                      <a:r>
+                        <a:rPr lang="en-US" sz="1000" b="0" dirty="0" err="1" smtClean="0"/>
+                        <a:t>snRNA</a:t>
+                      </a:r>
+                      <a:r>
+                        <a:rPr lang="en-US" sz="1000" b="0" dirty="0" smtClean="0"/>
+                        <a:t> binding</a:t>
+                      </a:r>
+                    </a:p>
+                    <a:p>
+                      <a:pPr marL="0" marR="0" indent="0" algn="l" defTabSz="457200" rtl="0" eaLnBrk="1" fontAlgn="auto" latinLnBrk="0" hangingPunct="1">
+                        <a:lnSpc>
+                          <a:spcPct val="100000"/>
+                        </a:lnSpc>
+                        <a:spcBef>
+                          <a:spcPts val="0"/>
+                        </a:spcBef>
+                        <a:spcAft>
+                          <a:spcPts val="0"/>
+                        </a:spcAft>
+                        <a:buClrTx/>
+                        <a:buSzTx/>
+                        <a:buFontTx/>
+                        <a:buNone/>
+                        <a:tabLst/>
+                        <a:defRPr/>
+                      </a:pPr>
+                      <a:r>
+                        <a:rPr lang="en-US" sz="1000" b="1" dirty="0" smtClean="0"/>
+                        <a:t>(2.111e-86)</a:t>
+                      </a:r>
+                    </a:p>
+                  </a:txBody>
+                  <a:tcPr/>
+                </a:tc>
+              </a:tr>
+              <a:tr h="560337">
+                <a:tc>
+                  <a:txBody>
+                    <a:bodyPr/>
+                    <a:lstStyle/>
+                    <a:p>
+                      <a:pPr marL="0" marR="0" indent="0" algn="l" defTabSz="457200" rtl="0" eaLnBrk="1" fontAlgn="auto" latinLnBrk="0" hangingPunct="1">
+                        <a:lnSpc>
+                          <a:spcPct val="100000"/>
+                        </a:lnSpc>
+                        <a:spcBef>
+                          <a:spcPts val="0"/>
+                        </a:spcBef>
+                        <a:spcAft>
+                          <a:spcPts val="0"/>
+                        </a:spcAft>
+                        <a:buClrTx/>
+                        <a:buSzTx/>
+                        <a:buFontTx/>
+                        <a:buNone/>
+                        <a:tabLst/>
+                        <a:defRPr/>
+                      </a:pPr>
+                      <a:r>
+                        <a:rPr lang="en-US" sz="1000" b="0" dirty="0" smtClean="0"/>
+                        <a:t>Apoptosis</a:t>
+                      </a:r>
+                      <a:r>
+                        <a:rPr lang="en-US" sz="1000" b="0" baseline="0" dirty="0" smtClean="0"/>
+                        <a:t>  hsa04210</a:t>
+                      </a:r>
+                    </a:p>
+                    <a:p>
+                      <a:pPr marL="0" marR="0" indent="0" algn="l" defTabSz="457200" rtl="0" eaLnBrk="1" fontAlgn="auto" latinLnBrk="0" hangingPunct="1">
+                        <a:lnSpc>
+                          <a:spcPct val="100000"/>
+                        </a:lnSpc>
+                        <a:spcBef>
+                          <a:spcPts val="0"/>
+                        </a:spcBef>
+                        <a:spcAft>
+                          <a:spcPts val="0"/>
+                        </a:spcAft>
+                        <a:buClrTx/>
+                        <a:buSzTx/>
+                        <a:buFontTx/>
+                        <a:buNone/>
+                        <a:tabLst/>
+                        <a:defRPr/>
+                      </a:pPr>
+                      <a:r>
+                        <a:rPr lang="en-US" sz="1000" b="1" baseline="0" dirty="0" smtClean="0"/>
+                        <a:t>(9.622e-25)</a:t>
+                      </a:r>
+                    </a:p>
+                  </a:txBody>
+                  <a:tcPr/>
+                </a:tc>
+                <a:tc>
+                  <a:txBody>
+                    <a:bodyPr/>
+                    <a:lstStyle/>
+                    <a:p>
+                      <a:pPr marL="0" marR="0" indent="0" algn="l" defTabSz="457200" rtl="0" eaLnBrk="1" fontAlgn="auto" latinLnBrk="0" hangingPunct="1">
+                        <a:lnSpc>
+                          <a:spcPct val="100000"/>
+                        </a:lnSpc>
+                        <a:spcBef>
+                          <a:spcPts val="0"/>
+                        </a:spcBef>
+                        <a:spcAft>
+                          <a:spcPts val="0"/>
+                        </a:spcAft>
+                        <a:buClrTx/>
+                        <a:buSzTx/>
+                        <a:buFontTx/>
+                        <a:buNone/>
+                        <a:tabLst/>
+                        <a:defRPr/>
+                      </a:pPr>
+                      <a:r>
+                        <a:rPr lang="en-US" sz="1000" b="0" dirty="0" err="1" smtClean="0"/>
+                        <a:t>PluriNetwork</a:t>
+                      </a:r>
+                      <a:r>
+                        <a:rPr lang="en-US" sz="1000" b="0" dirty="0" smtClean="0"/>
+                        <a:t> WP1763</a:t>
+                      </a:r>
+                    </a:p>
+                    <a:p>
+                      <a:pPr marL="0" marR="0" indent="0" algn="l" defTabSz="457200" rtl="0" eaLnBrk="1" fontAlgn="auto" latinLnBrk="0" hangingPunct="1">
+                        <a:lnSpc>
+                          <a:spcPct val="100000"/>
+                        </a:lnSpc>
+                        <a:spcBef>
+                          <a:spcPts val="0"/>
+                        </a:spcBef>
+                        <a:spcAft>
+                          <a:spcPts val="0"/>
+                        </a:spcAft>
+                        <a:buClrTx/>
+                        <a:buSzTx/>
+                        <a:buFontTx/>
+                        <a:buNone/>
+                        <a:tabLst/>
+                        <a:defRPr/>
+                      </a:pPr>
+                      <a:r>
+                        <a:rPr lang="en-US" sz="1000" b="1" dirty="0" smtClean="0"/>
+                        <a:t>(4.278e-33)</a:t>
+                      </a:r>
+                      <a:endParaRPr lang="en-US" sz="1000" b="1" dirty="0" smtClean="0"/>
+                    </a:p>
+                  </a:txBody>
+                  <a:tcPr/>
+                </a:tc>
+                <a:tc>
+                  <a:txBody>
+                    <a:bodyPr/>
+                    <a:lstStyle/>
+                    <a:p>
+                      <a:pPr marL="0" marR="0" indent="0" algn="l" defTabSz="457200" rtl="0" eaLnBrk="1" fontAlgn="auto" latinLnBrk="0" hangingPunct="1">
+                        <a:lnSpc>
+                          <a:spcPct val="100000"/>
+                        </a:lnSpc>
+                        <a:spcBef>
+                          <a:spcPts val="0"/>
+                        </a:spcBef>
+                        <a:spcAft>
+                          <a:spcPts val="0"/>
+                        </a:spcAft>
+                        <a:buClrTx/>
+                        <a:buSzTx/>
+                        <a:buFontTx/>
+                        <a:buNone/>
+                        <a:tabLst/>
+                        <a:defRPr/>
+                      </a:pPr>
+                      <a:r>
+                        <a:rPr lang="en-US" sz="1000" b="0" dirty="0" smtClean="0"/>
+                        <a:t>Infectious disease R-HSA-5663205</a:t>
+                      </a:r>
+                    </a:p>
+                    <a:p>
+                      <a:pPr marL="0" marR="0" indent="0" algn="l" defTabSz="457200" rtl="0" eaLnBrk="1" fontAlgn="auto" latinLnBrk="0" hangingPunct="1">
+                        <a:lnSpc>
+                          <a:spcPct val="100000"/>
+                        </a:lnSpc>
+                        <a:spcBef>
+                          <a:spcPts val="0"/>
+                        </a:spcBef>
+                        <a:spcAft>
+                          <a:spcPts val="0"/>
+                        </a:spcAft>
+                        <a:buClrTx/>
+                        <a:buSzTx/>
+                        <a:buFontTx/>
+                        <a:buNone/>
+                        <a:tabLst/>
+                        <a:defRPr/>
+                      </a:pPr>
+                      <a:r>
+                        <a:rPr lang="en-US" sz="1000" b="1" dirty="0" smtClean="0"/>
+                        <a:t>(6.267e-46)</a:t>
+                      </a:r>
+                      <a:endParaRPr lang="en-US" sz="1000" b="1" dirty="0" smtClean="0"/>
+                    </a:p>
+                  </a:txBody>
+                  <a:tcPr/>
+                </a:tc>
+                <a:tc>
+                  <a:txBody>
+                    <a:bodyPr/>
+                    <a:lstStyle/>
+                    <a:p>
+                      <a:pPr algn="l"/>
+                      <a:r>
+                        <a:rPr lang="en-US" sz="1000" b="0" dirty="0" smtClean="0"/>
+                        <a:t>Protein</a:t>
+                      </a:r>
+                      <a:r>
+                        <a:rPr lang="en-US" sz="1000" b="0" baseline="0" dirty="0" smtClean="0"/>
+                        <a:t> linear deubiquitination</a:t>
+                      </a:r>
+                    </a:p>
+                    <a:p>
+                      <a:pPr algn="l"/>
+                      <a:r>
+                        <a:rPr lang="en-US" sz="1000" b="1" baseline="0" dirty="0" smtClean="0"/>
+                        <a:t>(1.507e-37)</a:t>
+                      </a:r>
+                      <a:endParaRPr lang="en-US" sz="1000" b="1" dirty="0"/>
+                    </a:p>
+                  </a:txBody>
+                  <a:tcPr/>
+                </a:tc>
+                <a:tc>
+                  <a:txBody>
+                    <a:bodyPr/>
+                    <a:lstStyle/>
+                    <a:p>
+                      <a:pPr marL="0" marR="0" indent="0" algn="l" defTabSz="457200" rtl="0" eaLnBrk="1" fontAlgn="auto" latinLnBrk="0" hangingPunct="1">
+                        <a:lnSpc>
+                          <a:spcPct val="100000"/>
+                        </a:lnSpc>
+                        <a:spcBef>
+                          <a:spcPts val="0"/>
+                        </a:spcBef>
+                        <a:spcAft>
+                          <a:spcPts val="0"/>
+                        </a:spcAft>
+                        <a:buClrTx/>
+                        <a:buSzTx/>
+                        <a:buFontTx/>
+                        <a:buNone/>
+                        <a:tabLst/>
+                        <a:defRPr/>
+                      </a:pPr>
+                      <a:endParaRPr lang="en-US" sz="1000" b="0" dirty="0" smtClean="0"/>
+                    </a:p>
+                  </a:txBody>
+                  <a:tcPr/>
+                </a:tc>
+                <a:tc>
+                  <a:txBody>
+                    <a:bodyPr/>
+                    <a:lstStyle/>
+                    <a:p>
+                      <a:pPr marL="0" marR="0" indent="0" algn="l" defTabSz="457200" rtl="0" eaLnBrk="1" fontAlgn="auto" latinLnBrk="0" hangingPunct="1">
+                        <a:lnSpc>
+                          <a:spcPct val="100000"/>
+                        </a:lnSpc>
+                        <a:spcBef>
+                          <a:spcPts val="0"/>
+                        </a:spcBef>
+                        <a:spcAft>
+                          <a:spcPts val="0"/>
+                        </a:spcAft>
+                        <a:buClrTx/>
+                        <a:buSzTx/>
+                        <a:buFontTx/>
+                        <a:buNone/>
+                        <a:tabLst/>
+                        <a:defRPr/>
+                      </a:pPr>
+                      <a:r>
+                        <a:rPr lang="en-US" sz="1000" b="0" dirty="0" smtClean="0"/>
+                        <a:t>G-</a:t>
+                      </a:r>
+                      <a:r>
+                        <a:rPr lang="en-US" sz="1000" b="0" dirty="0" err="1" smtClean="0"/>
+                        <a:t>quadruplex</a:t>
+                      </a:r>
+                      <a:r>
+                        <a:rPr lang="en-US" sz="1000" b="0" baseline="0" dirty="0" smtClean="0"/>
+                        <a:t> RNA binding</a:t>
+                      </a:r>
+                    </a:p>
+                    <a:p>
+                      <a:pPr marL="0" marR="0" indent="0" algn="l" defTabSz="457200" rtl="0" eaLnBrk="1" fontAlgn="auto" latinLnBrk="0" hangingPunct="1">
+                        <a:lnSpc>
+                          <a:spcPct val="100000"/>
+                        </a:lnSpc>
+                        <a:spcBef>
+                          <a:spcPts val="0"/>
+                        </a:spcBef>
+                        <a:spcAft>
+                          <a:spcPts val="0"/>
+                        </a:spcAft>
+                        <a:buClrTx/>
+                        <a:buSzTx/>
+                        <a:buFontTx/>
+                        <a:buNone/>
+                        <a:tabLst/>
+                        <a:defRPr/>
+                      </a:pPr>
+                      <a:r>
+                        <a:rPr lang="en-US" sz="1000" b="1" dirty="0" smtClean="0"/>
+                        <a:t>(2.111e-86)</a:t>
+                      </a:r>
+                    </a:p>
+                  </a:txBody>
+                  <a:tcPr/>
+                </a:tc>
+              </a:tr>
+              <a:tr h="715986">
+                <a:tc>
+                  <a:txBody>
+                    <a:bodyPr/>
+                    <a:lstStyle/>
+                    <a:p>
+                      <a:pPr marL="0" marR="0" indent="0" algn="l" defTabSz="457200" rtl="0" eaLnBrk="1" fontAlgn="auto" latinLnBrk="0" hangingPunct="1">
+                        <a:lnSpc>
+                          <a:spcPct val="100000"/>
+                        </a:lnSpc>
+                        <a:spcBef>
+                          <a:spcPts val="0"/>
+                        </a:spcBef>
+                        <a:spcAft>
+                          <a:spcPts val="0"/>
+                        </a:spcAft>
+                        <a:buClrTx/>
+                        <a:buSzTx/>
+                        <a:buFontTx/>
+                        <a:buNone/>
+                        <a:tabLst/>
+                        <a:defRPr/>
+                      </a:pPr>
+                      <a:r>
+                        <a:rPr lang="en-US" sz="1000" b="0" dirty="0" smtClean="0"/>
+                        <a:t>HTLV-I Infection hsa05166</a:t>
+                      </a:r>
+                    </a:p>
+                    <a:p>
+                      <a:pPr marL="0" marR="0" indent="0" algn="l" defTabSz="457200" rtl="0" eaLnBrk="1" fontAlgn="auto" latinLnBrk="0" hangingPunct="1">
+                        <a:lnSpc>
+                          <a:spcPct val="100000"/>
+                        </a:lnSpc>
+                        <a:spcBef>
+                          <a:spcPts val="0"/>
+                        </a:spcBef>
+                        <a:spcAft>
+                          <a:spcPts val="0"/>
+                        </a:spcAft>
+                        <a:buClrTx/>
+                        <a:buSzTx/>
+                        <a:buFontTx/>
+                        <a:buNone/>
+                        <a:tabLst/>
+                        <a:defRPr/>
+                      </a:pPr>
+                      <a:r>
+                        <a:rPr lang="en-US" sz="1000" b="1" dirty="0" smtClean="0"/>
+                        <a:t>(3.434e-23)</a:t>
+                      </a:r>
+                      <a:endParaRPr lang="en-US" sz="1000" b="1" dirty="0" smtClean="0"/>
+                    </a:p>
+                  </a:txBody>
+                  <a:tcPr/>
+                </a:tc>
+                <a:tc>
+                  <a:txBody>
+                    <a:bodyPr/>
+                    <a:lstStyle/>
+                    <a:p>
+                      <a:pPr marL="0" marR="0" indent="0" algn="l" defTabSz="457200" rtl="0" eaLnBrk="1" fontAlgn="auto" latinLnBrk="0" hangingPunct="1">
+                        <a:lnSpc>
+                          <a:spcPct val="100000"/>
+                        </a:lnSpc>
+                        <a:spcBef>
+                          <a:spcPts val="0"/>
+                        </a:spcBef>
+                        <a:spcAft>
+                          <a:spcPts val="0"/>
+                        </a:spcAft>
+                        <a:buClrTx/>
+                        <a:buSzTx/>
+                        <a:buFontTx/>
+                        <a:buNone/>
+                        <a:tabLst/>
+                        <a:defRPr/>
+                      </a:pPr>
+                      <a:r>
+                        <a:rPr lang="en-US" sz="1000" b="0" dirty="0" smtClean="0"/>
+                        <a:t>mRNA processing WP310</a:t>
+                      </a:r>
+                    </a:p>
+                    <a:p>
+                      <a:pPr marL="0" marR="0" indent="0" algn="l" defTabSz="457200" rtl="0" eaLnBrk="1" fontAlgn="auto" latinLnBrk="0" hangingPunct="1">
+                        <a:lnSpc>
+                          <a:spcPct val="100000"/>
+                        </a:lnSpc>
+                        <a:spcBef>
+                          <a:spcPts val="0"/>
+                        </a:spcBef>
+                        <a:spcAft>
+                          <a:spcPts val="0"/>
+                        </a:spcAft>
+                        <a:buClrTx/>
+                        <a:buSzTx/>
+                        <a:buFontTx/>
+                        <a:buNone/>
+                        <a:tabLst/>
+                        <a:defRPr/>
+                      </a:pPr>
+                      <a:r>
+                        <a:rPr lang="en-US" sz="1000" b="1" dirty="0" smtClean="0"/>
+                        <a:t>(1.268e-32)</a:t>
+                      </a:r>
+                      <a:endParaRPr lang="en-US" sz="1000" b="1" dirty="0" smtClean="0"/>
+                    </a:p>
+                  </a:txBody>
+                  <a:tcPr/>
+                </a:tc>
+                <a:tc>
+                  <a:txBody>
+                    <a:bodyPr/>
+                    <a:lstStyle/>
+                    <a:p>
+                      <a:pPr marL="0" marR="0" indent="0" algn="l" defTabSz="457200" rtl="0" eaLnBrk="1" fontAlgn="auto" latinLnBrk="0" hangingPunct="1">
+                        <a:lnSpc>
+                          <a:spcPct val="100000"/>
+                        </a:lnSpc>
+                        <a:spcBef>
+                          <a:spcPts val="0"/>
+                        </a:spcBef>
+                        <a:spcAft>
+                          <a:spcPts val="0"/>
+                        </a:spcAft>
+                        <a:buClrTx/>
+                        <a:buSzTx/>
+                        <a:buFontTx/>
+                        <a:buNone/>
+                        <a:tabLst/>
+                        <a:defRPr/>
+                      </a:pPr>
+                      <a:r>
+                        <a:rPr lang="en-US" sz="1000" b="0" dirty="0" smtClean="0"/>
+                        <a:t>Innate Immune System R-HSA-168249</a:t>
+                      </a:r>
+                    </a:p>
+                    <a:p>
+                      <a:pPr marL="0" marR="0" indent="0" algn="l" defTabSz="457200" rtl="0" eaLnBrk="1" fontAlgn="auto" latinLnBrk="0" hangingPunct="1">
+                        <a:lnSpc>
+                          <a:spcPct val="100000"/>
+                        </a:lnSpc>
+                        <a:spcBef>
+                          <a:spcPts val="0"/>
+                        </a:spcBef>
+                        <a:spcAft>
+                          <a:spcPts val="0"/>
+                        </a:spcAft>
+                        <a:buClrTx/>
+                        <a:buSzTx/>
+                        <a:buFontTx/>
+                        <a:buNone/>
+                        <a:tabLst/>
+                        <a:defRPr/>
+                      </a:pPr>
+                      <a:r>
+                        <a:rPr lang="en-US" sz="1000" b="1" dirty="0" smtClean="0"/>
+                        <a:t>(4.515e-45)</a:t>
+                      </a:r>
+                      <a:endParaRPr lang="en-US" sz="1000" b="1" dirty="0" smtClean="0"/>
+                    </a:p>
+                  </a:txBody>
+                  <a:tcPr/>
+                </a:tc>
+                <a:tc>
+                  <a:txBody>
+                    <a:bodyPr/>
+                    <a:lstStyle/>
+                    <a:p>
+                      <a:pPr algn="l"/>
+                      <a:r>
+                        <a:rPr lang="en-US" sz="1000" b="0" dirty="0" smtClean="0"/>
+                        <a:t>Histone deubiquitination</a:t>
+                      </a:r>
+                    </a:p>
+                    <a:p>
+                      <a:pPr algn="l"/>
+                      <a:r>
+                        <a:rPr lang="en-US" sz="1000" b="1" dirty="0" smtClean="0"/>
+                        <a:t>(2.939e-37)</a:t>
+                      </a:r>
+                      <a:endParaRPr lang="en-US" sz="1000" b="1" dirty="0"/>
+                    </a:p>
+                  </a:txBody>
+                  <a:tcPr/>
+                </a:tc>
+                <a:tc>
+                  <a:txBody>
+                    <a:bodyPr/>
+                    <a:lstStyle/>
+                    <a:p>
+                      <a:pPr marL="0" marR="0" indent="0" algn="l" defTabSz="457200" rtl="0" eaLnBrk="1" fontAlgn="auto" latinLnBrk="0" hangingPunct="1">
+                        <a:lnSpc>
+                          <a:spcPct val="100000"/>
+                        </a:lnSpc>
+                        <a:spcBef>
+                          <a:spcPts val="0"/>
+                        </a:spcBef>
+                        <a:spcAft>
+                          <a:spcPts val="0"/>
+                        </a:spcAft>
+                        <a:buClrTx/>
+                        <a:buSzTx/>
+                        <a:buFontTx/>
+                        <a:buNone/>
+                        <a:tabLst/>
+                        <a:defRPr/>
+                      </a:pPr>
+                      <a:endParaRPr lang="en-US" sz="1000" b="0" dirty="0" smtClean="0"/>
+                    </a:p>
+                  </a:txBody>
+                  <a:tcPr/>
+                </a:tc>
+                <a:tc>
+                  <a:txBody>
+                    <a:bodyPr/>
+                    <a:lstStyle/>
+                    <a:p>
+                      <a:pPr marL="0" marR="0" indent="0" algn="l" defTabSz="457200" rtl="0" eaLnBrk="1" fontAlgn="auto" latinLnBrk="0" hangingPunct="1">
+                        <a:lnSpc>
+                          <a:spcPct val="100000"/>
+                        </a:lnSpc>
+                        <a:spcBef>
+                          <a:spcPts val="0"/>
+                        </a:spcBef>
+                        <a:spcAft>
+                          <a:spcPts val="0"/>
+                        </a:spcAft>
+                        <a:buClrTx/>
+                        <a:buSzTx/>
+                        <a:buFontTx/>
+                        <a:buNone/>
+                        <a:tabLst/>
+                        <a:defRPr/>
+                      </a:pPr>
+                      <a:r>
+                        <a:rPr lang="en-US" sz="1000" b="0" dirty="0" err="1" smtClean="0"/>
+                        <a:t>Telomeric</a:t>
+                      </a:r>
+                      <a:r>
+                        <a:rPr lang="en-US" sz="1000" b="0" baseline="0" dirty="0" smtClean="0"/>
+                        <a:t> repeat-containing RNA binding</a:t>
+                      </a:r>
+                    </a:p>
+                    <a:p>
+                      <a:pPr marL="0" marR="0" indent="0" algn="l" defTabSz="457200" rtl="0" eaLnBrk="1" fontAlgn="auto" latinLnBrk="0" hangingPunct="1">
+                        <a:lnSpc>
+                          <a:spcPct val="100000"/>
+                        </a:lnSpc>
+                        <a:spcBef>
+                          <a:spcPts val="0"/>
+                        </a:spcBef>
+                        <a:spcAft>
+                          <a:spcPts val="0"/>
+                        </a:spcAft>
+                        <a:buClrTx/>
+                        <a:buSzTx/>
+                        <a:buFontTx/>
+                        <a:buNone/>
+                        <a:tabLst/>
+                        <a:defRPr/>
+                      </a:pPr>
+                      <a:r>
+                        <a:rPr lang="en-US" sz="1000" b="1" dirty="0" smtClean="0"/>
+                        <a:t>(2.111e-86)</a:t>
+                      </a:r>
+                    </a:p>
+                  </a:txBody>
+                  <a:tcPr/>
+                </a:tc>
+              </a:tr>
+              <a:tr h="560337">
+                <a:tc>
+                  <a:txBody>
+                    <a:bodyPr/>
+                    <a:lstStyle/>
+                    <a:p>
+                      <a:pPr marL="0" marR="0" indent="0" algn="l" defTabSz="457200" rtl="0" eaLnBrk="1" fontAlgn="auto" latinLnBrk="0" hangingPunct="1">
+                        <a:lnSpc>
+                          <a:spcPct val="100000"/>
+                        </a:lnSpc>
+                        <a:spcBef>
+                          <a:spcPts val="0"/>
+                        </a:spcBef>
+                        <a:spcAft>
+                          <a:spcPts val="0"/>
+                        </a:spcAft>
+                        <a:buClrTx/>
+                        <a:buSzTx/>
+                        <a:buFontTx/>
+                        <a:buNone/>
+                        <a:tabLst/>
+                        <a:defRPr/>
+                      </a:pPr>
+                      <a:r>
+                        <a:rPr lang="en-US" sz="1000" b="0" dirty="0" smtClean="0"/>
+                        <a:t>NF-kappa B signaling pathway hsa04064</a:t>
+                      </a:r>
+                    </a:p>
+                    <a:p>
+                      <a:pPr marL="0" marR="0" indent="0" algn="l" defTabSz="457200" rtl="0" eaLnBrk="1" fontAlgn="auto" latinLnBrk="0" hangingPunct="1">
+                        <a:lnSpc>
+                          <a:spcPct val="100000"/>
+                        </a:lnSpc>
+                        <a:spcBef>
+                          <a:spcPts val="0"/>
+                        </a:spcBef>
+                        <a:spcAft>
+                          <a:spcPts val="0"/>
+                        </a:spcAft>
+                        <a:buClrTx/>
+                        <a:buSzTx/>
+                        <a:buFontTx/>
+                        <a:buNone/>
+                        <a:tabLst/>
+                        <a:defRPr/>
+                      </a:pPr>
+                      <a:r>
+                        <a:rPr lang="en-US" sz="1000" b="1" dirty="0" smtClean="0"/>
+                        <a:t>(8.607e-23)</a:t>
+                      </a:r>
+                      <a:endParaRPr lang="en-US" sz="1000" b="1" dirty="0" smtClean="0"/>
+                    </a:p>
+                  </a:txBody>
+                  <a:tcPr/>
+                </a:tc>
+                <a:tc>
+                  <a:txBody>
+                    <a:bodyPr/>
+                    <a:lstStyle/>
+                    <a:p>
+                      <a:pPr marL="0" marR="0" indent="0" algn="l" defTabSz="457200" rtl="0" eaLnBrk="1" fontAlgn="auto" latinLnBrk="0" hangingPunct="1">
+                        <a:lnSpc>
+                          <a:spcPct val="100000"/>
+                        </a:lnSpc>
+                        <a:spcBef>
+                          <a:spcPts val="0"/>
+                        </a:spcBef>
+                        <a:spcAft>
+                          <a:spcPts val="0"/>
+                        </a:spcAft>
+                        <a:buClrTx/>
+                        <a:buSzTx/>
+                        <a:buFontTx/>
+                        <a:buNone/>
+                        <a:tabLst/>
+                        <a:defRPr/>
+                      </a:pPr>
+                      <a:r>
+                        <a:rPr lang="en-US" sz="1000" b="0" dirty="0" smtClean="0"/>
+                        <a:t>TNF alpha Signaling</a:t>
+                      </a:r>
+                      <a:r>
+                        <a:rPr lang="en-US" sz="1000" b="0" baseline="0" dirty="0" smtClean="0"/>
+                        <a:t> Pathway WP231</a:t>
+                      </a:r>
+                    </a:p>
+                    <a:p>
+                      <a:pPr marL="0" marR="0" indent="0" algn="l" defTabSz="457200" rtl="0" eaLnBrk="1" fontAlgn="auto" latinLnBrk="0" hangingPunct="1">
+                        <a:lnSpc>
+                          <a:spcPct val="100000"/>
+                        </a:lnSpc>
+                        <a:spcBef>
+                          <a:spcPts val="0"/>
+                        </a:spcBef>
+                        <a:spcAft>
+                          <a:spcPts val="0"/>
+                        </a:spcAft>
+                        <a:buClrTx/>
+                        <a:buSzTx/>
+                        <a:buFontTx/>
+                        <a:buNone/>
+                        <a:tabLst/>
+                        <a:defRPr/>
+                      </a:pPr>
+                      <a:r>
+                        <a:rPr lang="en-US" sz="1000" b="1" baseline="0" dirty="0" smtClean="0"/>
+                        <a:t>(1.390e-32)</a:t>
+                      </a:r>
+                      <a:endParaRPr lang="en-US" sz="1000" b="1" dirty="0" smtClean="0"/>
+                    </a:p>
+                  </a:txBody>
+                  <a:tcPr/>
+                </a:tc>
+                <a:tc>
+                  <a:txBody>
+                    <a:bodyPr/>
+                    <a:lstStyle/>
+                    <a:p>
+                      <a:pPr marL="0" marR="0" indent="0" algn="l" defTabSz="457200" rtl="0" eaLnBrk="1" fontAlgn="auto" latinLnBrk="0" hangingPunct="1">
+                        <a:lnSpc>
+                          <a:spcPct val="100000"/>
+                        </a:lnSpc>
+                        <a:spcBef>
+                          <a:spcPts val="0"/>
+                        </a:spcBef>
+                        <a:spcAft>
+                          <a:spcPts val="0"/>
+                        </a:spcAft>
+                        <a:buClrTx/>
+                        <a:buSzTx/>
+                        <a:buFontTx/>
+                        <a:buNone/>
+                        <a:tabLst/>
+                        <a:defRPr/>
+                      </a:pPr>
+                      <a:r>
+                        <a:rPr lang="en-US" sz="1000" b="0" dirty="0" smtClean="0"/>
+                        <a:t>Adaptive Immune</a:t>
+                      </a:r>
+                      <a:r>
+                        <a:rPr lang="en-US" sz="1000" b="0" baseline="0" dirty="0" smtClean="0"/>
+                        <a:t> System R-HSA-1280218</a:t>
+                      </a:r>
+                    </a:p>
+                    <a:p>
+                      <a:pPr marL="0" marR="0" indent="0" algn="l" defTabSz="457200" rtl="0" eaLnBrk="1" fontAlgn="auto" latinLnBrk="0" hangingPunct="1">
+                        <a:lnSpc>
+                          <a:spcPct val="100000"/>
+                        </a:lnSpc>
+                        <a:spcBef>
+                          <a:spcPts val="0"/>
+                        </a:spcBef>
+                        <a:spcAft>
+                          <a:spcPts val="0"/>
+                        </a:spcAft>
+                        <a:buClrTx/>
+                        <a:buSzTx/>
+                        <a:buFontTx/>
+                        <a:buNone/>
+                        <a:tabLst/>
+                        <a:defRPr/>
+                      </a:pPr>
+                      <a:r>
+                        <a:rPr lang="en-US" sz="1000" b="1" baseline="0" dirty="0" smtClean="0"/>
+                        <a:t>(5.978e-37)</a:t>
+                      </a:r>
+                      <a:endParaRPr lang="en-US" sz="1000" b="1" dirty="0" smtClean="0"/>
+                    </a:p>
+                  </a:txBody>
+                  <a:tcPr/>
+                </a:tc>
+                <a:tc>
+                  <a:txBody>
+                    <a:bodyPr/>
+                    <a:lstStyle/>
+                    <a:p>
+                      <a:pPr algn="l"/>
+                      <a:r>
+                        <a:rPr lang="en-US" sz="1000" b="0" dirty="0" smtClean="0"/>
+                        <a:t>Chromatin-mediated</a:t>
+                      </a:r>
+                      <a:r>
+                        <a:rPr lang="en-US" sz="1000" b="0" baseline="0" dirty="0" smtClean="0"/>
+                        <a:t> maintenance of transcription</a:t>
+                      </a:r>
+                    </a:p>
+                    <a:p>
+                      <a:pPr algn="l"/>
+                      <a:r>
+                        <a:rPr lang="en-US" sz="1000" b="1" baseline="0" dirty="0" smtClean="0"/>
+                        <a:t>(5.492e-33)</a:t>
+                      </a:r>
+                      <a:endParaRPr lang="en-US" sz="1000" b="1" dirty="0"/>
+                    </a:p>
+                  </a:txBody>
+                  <a:tcPr/>
+                </a:tc>
+                <a:tc>
+                  <a:txBody>
+                    <a:bodyPr/>
+                    <a:lstStyle/>
+                    <a:p>
+                      <a:pPr algn="l"/>
+                      <a:endParaRPr lang="en-US" sz="1000" b="0" i="0" dirty="0"/>
+                    </a:p>
+                  </a:txBody>
+                  <a:tcPr/>
+                </a:tc>
+                <a:tc>
+                  <a:txBody>
+                    <a:bodyPr/>
+                    <a:lstStyle/>
+                    <a:p>
+                      <a:pPr marL="0" marR="0" indent="0" algn="l" defTabSz="457200" rtl="0" eaLnBrk="1" fontAlgn="auto" latinLnBrk="0" hangingPunct="1">
+                        <a:lnSpc>
+                          <a:spcPct val="100000"/>
+                        </a:lnSpc>
+                        <a:spcBef>
+                          <a:spcPts val="0"/>
+                        </a:spcBef>
+                        <a:spcAft>
+                          <a:spcPts val="0"/>
+                        </a:spcAft>
+                        <a:buClrTx/>
+                        <a:buSzTx/>
+                        <a:buFontTx/>
+                        <a:buNone/>
+                        <a:tabLst/>
+                        <a:defRPr/>
+                      </a:pPr>
+                      <a:r>
+                        <a:rPr lang="en-US" sz="1000" b="0" dirty="0" smtClean="0"/>
+                        <a:t>RNA stem-loop binding</a:t>
+                      </a:r>
+                    </a:p>
+                    <a:p>
+                      <a:pPr marL="0" marR="0" indent="0" algn="l" defTabSz="457200" rtl="0" eaLnBrk="1" fontAlgn="auto" latinLnBrk="0" hangingPunct="1">
+                        <a:lnSpc>
+                          <a:spcPct val="100000"/>
+                        </a:lnSpc>
+                        <a:spcBef>
+                          <a:spcPts val="0"/>
+                        </a:spcBef>
+                        <a:spcAft>
+                          <a:spcPts val="0"/>
+                        </a:spcAft>
+                        <a:buClrTx/>
+                        <a:buSzTx/>
+                        <a:buFontTx/>
+                        <a:buNone/>
+                        <a:tabLst/>
+                        <a:defRPr/>
+                      </a:pPr>
+                      <a:r>
+                        <a:rPr lang="en-US" sz="1000" b="1" dirty="0" smtClean="0"/>
+                        <a:t>(2.111e-86)</a:t>
+                      </a:r>
+                    </a:p>
+                  </a:txBody>
+                  <a:tcPr/>
+                </a:tc>
+              </a:tr>
+              <a:tr h="715986">
+                <a:tc>
+                  <a:txBody>
+                    <a:bodyPr/>
+                    <a:lstStyle/>
+                    <a:p>
+                      <a:pPr marL="0" marR="0" indent="0" algn="l" defTabSz="457200" rtl="0" eaLnBrk="1" fontAlgn="auto" latinLnBrk="0" hangingPunct="1">
+                        <a:lnSpc>
+                          <a:spcPct val="100000"/>
+                        </a:lnSpc>
+                        <a:spcBef>
+                          <a:spcPts val="0"/>
+                        </a:spcBef>
+                        <a:spcAft>
+                          <a:spcPts val="0"/>
+                        </a:spcAft>
+                        <a:buClrTx/>
+                        <a:buSzTx/>
+                        <a:buFontTx/>
+                        <a:buNone/>
+                        <a:tabLst/>
+                        <a:defRPr/>
+                      </a:pPr>
+                      <a:r>
+                        <a:rPr lang="en-US" sz="1000" b="0" dirty="0" smtClean="0"/>
+                        <a:t>Proteoglycans in cancer hsa05205</a:t>
+                      </a:r>
+                    </a:p>
+                    <a:p>
+                      <a:pPr marL="0" marR="0" indent="0" algn="l" defTabSz="457200" rtl="0" eaLnBrk="1" fontAlgn="auto" latinLnBrk="0" hangingPunct="1">
+                        <a:lnSpc>
+                          <a:spcPct val="100000"/>
+                        </a:lnSpc>
+                        <a:spcBef>
+                          <a:spcPts val="0"/>
+                        </a:spcBef>
+                        <a:spcAft>
+                          <a:spcPts val="0"/>
+                        </a:spcAft>
+                        <a:buClrTx/>
+                        <a:buSzTx/>
+                        <a:buFontTx/>
+                        <a:buNone/>
+                        <a:tabLst/>
+                        <a:defRPr/>
+                      </a:pPr>
+                      <a:r>
+                        <a:rPr lang="en-US" sz="1000" b="0" dirty="0" smtClean="0"/>
+                        <a:t>(</a:t>
+                      </a:r>
+                      <a:r>
+                        <a:rPr lang="en-US" sz="1000" b="1" dirty="0" smtClean="0"/>
+                        <a:t>1.236e-22)</a:t>
+                      </a:r>
+                      <a:endParaRPr lang="en-US" sz="1000" b="0" dirty="0" smtClean="0"/>
+                    </a:p>
+                  </a:txBody>
+                  <a:tcPr/>
+                </a:tc>
+                <a:tc>
+                  <a:txBody>
+                    <a:bodyPr/>
+                    <a:lstStyle/>
+                    <a:p>
+                      <a:pPr marL="0" marR="0" indent="0" algn="l" defTabSz="457200" rtl="0" eaLnBrk="1" fontAlgn="auto" latinLnBrk="0" hangingPunct="1">
+                        <a:lnSpc>
+                          <a:spcPct val="100000"/>
+                        </a:lnSpc>
+                        <a:spcBef>
+                          <a:spcPts val="0"/>
+                        </a:spcBef>
+                        <a:spcAft>
+                          <a:spcPts val="0"/>
+                        </a:spcAft>
+                        <a:buClrTx/>
+                        <a:buSzTx/>
+                        <a:buFontTx/>
+                        <a:buNone/>
+                        <a:tabLst/>
+                        <a:defRPr/>
+                      </a:pPr>
+                      <a:r>
+                        <a:rPr lang="en-US" sz="1000" b="0" dirty="0" smtClean="0"/>
+                        <a:t>IL-6 signaling</a:t>
+                      </a:r>
+                      <a:r>
+                        <a:rPr lang="en-US" sz="1000" b="0" baseline="0" dirty="0" smtClean="0"/>
+                        <a:t> Pathway WP387</a:t>
+                      </a:r>
+                    </a:p>
+                    <a:p>
+                      <a:pPr marL="0" marR="0" indent="0" algn="l" defTabSz="457200" rtl="0" eaLnBrk="1" fontAlgn="auto" latinLnBrk="0" hangingPunct="1">
+                        <a:lnSpc>
+                          <a:spcPct val="100000"/>
+                        </a:lnSpc>
+                        <a:spcBef>
+                          <a:spcPts val="0"/>
+                        </a:spcBef>
+                        <a:spcAft>
+                          <a:spcPts val="0"/>
+                        </a:spcAft>
+                        <a:buClrTx/>
+                        <a:buSzTx/>
+                        <a:buFontTx/>
+                        <a:buNone/>
+                        <a:tabLst/>
+                        <a:defRPr/>
+                      </a:pPr>
+                      <a:r>
+                        <a:rPr lang="en-US" sz="1000" b="1" baseline="0" dirty="0" smtClean="0"/>
+                        <a:t>(2.386e-32)</a:t>
+                      </a:r>
+                      <a:endParaRPr lang="en-US" sz="1000" b="1" dirty="0" smtClean="0"/>
+                    </a:p>
+                  </a:txBody>
+                  <a:tcPr/>
+                </a:tc>
+                <a:tc>
+                  <a:txBody>
+                    <a:bodyPr/>
+                    <a:lstStyle/>
+                    <a:p>
+                      <a:pPr marL="0" marR="0" indent="0" algn="l" defTabSz="457200" rtl="0" eaLnBrk="1" fontAlgn="auto" latinLnBrk="0" hangingPunct="1">
+                        <a:lnSpc>
+                          <a:spcPct val="100000"/>
+                        </a:lnSpc>
+                        <a:spcBef>
+                          <a:spcPts val="0"/>
+                        </a:spcBef>
+                        <a:spcAft>
+                          <a:spcPts val="0"/>
+                        </a:spcAft>
+                        <a:buClrTx/>
+                        <a:buSzTx/>
+                        <a:buFontTx/>
+                        <a:buNone/>
+                        <a:tabLst/>
+                        <a:defRPr/>
+                      </a:pPr>
+                      <a:r>
+                        <a:rPr lang="en-US" sz="1000" b="0" dirty="0" smtClean="0"/>
+                        <a:t>Diseases of signal transduction R-HSA-5663202</a:t>
+                      </a:r>
+                    </a:p>
+                    <a:p>
+                      <a:pPr marL="0" marR="0" indent="0" algn="l" defTabSz="457200" rtl="0" eaLnBrk="1" fontAlgn="auto" latinLnBrk="0" hangingPunct="1">
+                        <a:lnSpc>
+                          <a:spcPct val="100000"/>
+                        </a:lnSpc>
+                        <a:spcBef>
+                          <a:spcPts val="0"/>
+                        </a:spcBef>
+                        <a:spcAft>
+                          <a:spcPts val="0"/>
+                        </a:spcAft>
+                        <a:buClrTx/>
+                        <a:buSzTx/>
+                        <a:buFontTx/>
+                        <a:buNone/>
+                        <a:tabLst/>
+                        <a:defRPr/>
+                      </a:pPr>
+                      <a:r>
+                        <a:rPr lang="en-US" sz="1000" b="1" dirty="0" smtClean="0"/>
+                        <a:t>(1.214e-36)</a:t>
+                      </a:r>
+                      <a:endParaRPr lang="en-US" sz="1000" b="1" dirty="0" smtClean="0"/>
+                    </a:p>
+                  </a:txBody>
+                  <a:tcPr/>
+                </a:tc>
+                <a:tc>
+                  <a:txBody>
+                    <a:bodyPr/>
+                    <a:lstStyle/>
+                    <a:p>
+                      <a:pPr algn="l"/>
+                      <a:r>
+                        <a:rPr lang="en-US" sz="1000" b="0" dirty="0" smtClean="0"/>
+                        <a:t>Negative regulation of DNA-templated transcription, initiation</a:t>
+                      </a:r>
+                    </a:p>
+                    <a:p>
+                      <a:pPr algn="l"/>
+                      <a:r>
+                        <a:rPr lang="en-US" sz="1000" b="1" dirty="0" smtClean="0"/>
+                        <a:t>(8.157e-32)</a:t>
+                      </a:r>
+                      <a:endParaRPr lang="en-US" sz="1000" b="1" dirty="0"/>
+                    </a:p>
+                  </a:txBody>
+                  <a:tcPr/>
+                </a:tc>
+                <a:tc>
+                  <a:txBody>
+                    <a:bodyPr/>
+                    <a:lstStyle/>
+                    <a:p>
+                      <a:pPr algn="l"/>
+                      <a:endParaRPr lang="en-US" sz="1000" b="0" i="0" dirty="0"/>
+                    </a:p>
+                  </a:txBody>
+                  <a:tcPr/>
+                </a:tc>
+                <a:tc>
+                  <a:txBody>
+                    <a:bodyPr/>
+                    <a:lstStyle/>
+                    <a:p>
+                      <a:pPr marL="0" marR="0" indent="0" algn="l" defTabSz="457200" rtl="0" eaLnBrk="1" fontAlgn="auto" latinLnBrk="0" hangingPunct="1">
+                        <a:lnSpc>
+                          <a:spcPct val="100000"/>
+                        </a:lnSpc>
+                        <a:spcBef>
+                          <a:spcPts val="0"/>
+                        </a:spcBef>
+                        <a:spcAft>
+                          <a:spcPts val="0"/>
+                        </a:spcAft>
+                        <a:buClrTx/>
+                        <a:buSzTx/>
+                        <a:buFontTx/>
+                        <a:buNone/>
+                        <a:tabLst/>
+                        <a:defRPr/>
+                      </a:pPr>
+                      <a:r>
+                        <a:rPr lang="en-US" sz="1000" b="0" dirty="0" smtClean="0"/>
+                        <a:t>GU repeat RNA binding</a:t>
+                      </a:r>
+                    </a:p>
+                    <a:p>
+                      <a:pPr marL="0" marR="0" indent="0" algn="l" defTabSz="457200" rtl="0" eaLnBrk="1" fontAlgn="auto" latinLnBrk="0" hangingPunct="1">
+                        <a:lnSpc>
+                          <a:spcPct val="100000"/>
+                        </a:lnSpc>
+                        <a:spcBef>
+                          <a:spcPts val="0"/>
+                        </a:spcBef>
+                        <a:spcAft>
+                          <a:spcPts val="0"/>
+                        </a:spcAft>
+                        <a:buClrTx/>
+                        <a:buSzTx/>
+                        <a:buFontTx/>
+                        <a:buNone/>
+                        <a:tabLst/>
+                        <a:defRPr/>
+                      </a:pPr>
+                      <a:r>
+                        <a:rPr lang="en-US" sz="1000" b="1" dirty="0" smtClean="0"/>
+                        <a:t>(2.111e-86)</a:t>
+                      </a:r>
+                    </a:p>
+                  </a:txBody>
+                  <a:tcPr/>
+                </a:tc>
+              </a:tr>
+            </a:tbl>
+          </a:graphicData>
+        </a:graphic>
+      </p:graphicFrame>
+    </p:spTree>
+    <p:extLst>
+      <p:ext uri="{BB962C8B-B14F-4D97-AF65-F5344CB8AC3E}">
+        <p14:creationId xmlns:p14="http://schemas.microsoft.com/office/powerpoint/2010/main" val="1365648819"/>
+      </p:ext>
+    </p:extLst>
+  </p:cSld>
+  <p:clrMapOvr>
+    <a:masterClrMapping/>
+  </p:clrMapOvr>
+  <p:timing>
+    <p:tnLst>
+      <p:par>
+        <p:cTn xmlns:p14="http://schemas.microsoft.com/office/powerpoint/2010/main" id="1" dur="indefinite" restart="never" nodeType="tmRoot"/>
+      </p:par>
+    </p:tnLst>
+  </p:timing>
 </p:sld>
 </file>
 
